--- a/2023/20231004-i3Camp/20231003-i3Camp.pptx
+++ b/2023/20231004-i3Camp/20231003-i3Camp.pptx
@@ -5,10 +5,10 @@
     <p:sldMasterId id="2147483660" r:id="rId1"/>
   </p:sldMasterIdLst>
   <p:notesMasterIdLst>
-    <p:notesMasterId r:id="rId13"/>
+    <p:notesMasterId r:id="rId14"/>
   </p:notesMasterIdLst>
   <p:handoutMasterIdLst>
-    <p:handoutMasterId r:id="rId14"/>
+    <p:handoutMasterId r:id="rId15"/>
   </p:handoutMasterIdLst>
   <p:sldIdLst>
     <p:sldId id="256" r:id="rId2"/>
@@ -22,33 +22,34 @@
     <p:sldId id="339" r:id="rId10"/>
     <p:sldId id="326" r:id="rId11"/>
     <p:sldId id="317" r:id="rId12"/>
+    <p:sldId id="340" r:id="rId13"/>
   </p:sldIdLst>
   <p:sldSz cx="9144000" cy="6858000" type="screen4x3"/>
   <p:notesSz cx="6858000" cy="9144000"/>
   <p:embeddedFontLst>
     <p:embeddedFont>
       <p:font typeface="Calibri" panose="020F0502020204030204" pitchFamily="34" charset="0"/>
-      <p:regular r:id="rId15"/>
-      <p:bold r:id="rId16"/>
-      <p:italic r:id="rId17"/>
-      <p:boldItalic r:id="rId18"/>
+      <p:regular r:id="rId16"/>
+      <p:bold r:id="rId17"/>
+      <p:italic r:id="rId18"/>
+      <p:boldItalic r:id="rId19"/>
     </p:embeddedFont>
     <p:embeddedFont>
       <p:font typeface="Calibri Light" panose="020F0302020204030204" pitchFamily="34" charset="0"/>
-      <p:regular r:id="rId19"/>
-      <p:italic r:id="rId20"/>
+      <p:regular r:id="rId20"/>
+      <p:italic r:id="rId21"/>
     </p:embeddedFont>
     <p:embeddedFont>
       <p:font typeface="Open Sans" panose="020B0606030504020204" pitchFamily="34" charset="0"/>
-      <p:regular r:id="rId21"/>
-      <p:bold r:id="rId22"/>
-      <p:italic r:id="rId23"/>
-      <p:boldItalic r:id="rId24"/>
+      <p:regular r:id="rId22"/>
+      <p:bold r:id="rId23"/>
+      <p:italic r:id="rId24"/>
+      <p:boldItalic r:id="rId25"/>
     </p:embeddedFont>
     <p:embeddedFont>
       <p:font typeface="Open Sans Light" panose="020B0306030504020204" pitchFamily="34" charset="0"/>
-      <p:regular r:id="rId25"/>
-      <p:italic r:id="rId26"/>
+      <p:regular r:id="rId26"/>
+      <p:italic r:id="rId27"/>
     </p:embeddedFont>
   </p:embeddedFontLst>
   <p:defaultTextStyle>
@@ -239,7 +240,7 @@
           <a:p>
             <a:fld id="{DC1D8630-9237-4BE7-9AFA-F1C8E44CEE44}" type="datetimeFigureOut">
               <a:rPr lang="it-IT" smtClean="0"/>
-              <a:t>20/09/2023</a:t>
+              <a:t>25/09/2023</a:t>
             </a:fld>
             <a:endParaRPr lang="it-IT"/>
           </a:p>
@@ -405,7 +406,7 @@
           <a:p>
             <a:fld id="{0B3F9ACC-C21F-4FB7-9E0A-95AB9ECDE2E6}" type="datetimeFigureOut">
               <a:rPr lang="it-IT" smtClean="0"/>
-              <a:t>20/09/2023</a:t>
+              <a:t>25/09/2023</a:t>
             </a:fld>
             <a:endParaRPr lang="it-IT"/>
           </a:p>
@@ -4461,7 +4462,7 @@
             </a:pPr>
             <a:r>
               <a:rPr lang="it-IT" altLang="en-US" dirty="0"/>
-              <a:t>03/10/2023</a:t>
+              <a:t>i3Camp - 3 Ottobre 2023</a:t>
             </a:r>
             <a:endParaRPr lang="en-US" altLang="en-US" dirty="0"/>
           </a:p>
@@ -4538,36 +4539,6 @@
           </a:p>
         </p:txBody>
       </p:sp>
-      <p:pic>
-        <p:nvPicPr>
-          <p:cNvPr id="9" name="Immagine 8">
-            <a:extLst>
-              <a:ext uri="{FF2B5EF4-FFF2-40B4-BE49-F238E27FC236}">
-                <a16:creationId xmlns:a16="http://schemas.microsoft.com/office/drawing/2014/main" id="{4CEC902C-E005-D0F5-8EC3-83DCFD05DF78}"/>
-              </a:ext>
-            </a:extLst>
-          </p:cNvPr>
-          <p:cNvPicPr>
-            <a:picLocks noChangeAspect="1"/>
-          </p:cNvPicPr>
-          <p:nvPr/>
-        </p:nvPicPr>
-        <p:blipFill>
-          <a:blip r:embed="rId3"/>
-          <a:stretch>
-            <a:fillRect/>
-          </a:stretch>
-        </p:blipFill>
-        <p:spPr>
-          <a:xfrm>
-            <a:off x="4033533" y="5572185"/>
-            <a:ext cx="1792634" cy="406401"/>
-          </a:xfrm>
-          <a:prstGeom prst="rect">
-            <a:avLst/>
-          </a:prstGeom>
-        </p:spPr>
-      </p:pic>
     </p:spTree>
     <p:extLst>
       <p:ext uri="{BB962C8B-B14F-4D97-AF65-F5344CB8AC3E}">
@@ -4600,10 +4571,10 @@
       </p:grpSpPr>
       <p:sp>
         <p:nvSpPr>
-          <p:cNvPr id="6" name="Ritardo 5">
+          <p:cNvPr id="2" name="Ritardo 5">
             <a:extLst>
               <a:ext uri="{FF2B5EF4-FFF2-40B4-BE49-F238E27FC236}">
-                <a16:creationId xmlns:a16="http://schemas.microsoft.com/office/drawing/2014/main" id="{22899667-E004-128A-EC9A-5A9DE17B009F}"/>
+                <a16:creationId xmlns:a16="http://schemas.microsoft.com/office/drawing/2014/main" id="{A720D7E2-8FE8-9CC0-5A45-2EB2E249D1B9}"/>
               </a:ext>
             </a:extLst>
           </p:cNvPr>
@@ -4612,13 +4583,13 @@
         </p:nvSpPr>
         <p:spPr>
           <a:xfrm rot="5400000">
-            <a:off x="3816218" y="-3816220"/>
-            <a:ext cx="1511559" cy="9143999"/>
+            <a:off x="3852000" y="-3851999"/>
+            <a:ext cx="1440000" cy="9143999"/>
           </a:xfrm>
           <a:prstGeom prst="flowChartDelay">
             <a:avLst/>
           </a:prstGeom>
-          <a:gradFill flip="none" rotWithShape="1">
+          <a:gradFill>
             <a:gsLst>
               <a:gs pos="0">
                 <a:schemeClr val="accent5">
@@ -4640,7 +4611,6 @@
               </a:gs>
             </a:gsLst>
             <a:lin ang="8100000" scaled="1"/>
-            <a:tileRect/>
           </a:gradFill>
           <a:effectLst>
             <a:innerShdw blurRad="63500" dist="50800" dir="13500000">
@@ -4667,53 +4637,13 @@
           </a:fontRef>
         </p:style>
         <p:txBody>
-          <a:bodyPr rtlCol="0" anchor="ctr"/>
+          <a:bodyPr vert="vert270" rtlCol="0" anchor="ctr" anchorCtr="1"/>
           <a:lstStyle/>
           <a:p>
             <a:pPr algn="ctr"/>
-            <a:endParaRPr lang="it-IT" sz="2800" dirty="0"/>
-          </a:p>
-        </p:txBody>
-      </p:sp>
-      <p:sp>
-        <p:nvSpPr>
-          <p:cNvPr id="7" name="CasellaDiTesto 6">
-            <a:extLst>
-              <a:ext uri="{FF2B5EF4-FFF2-40B4-BE49-F238E27FC236}">
-                <a16:creationId xmlns:a16="http://schemas.microsoft.com/office/drawing/2014/main" id="{B1801A9A-DCE1-052F-1499-5376AD8420B8}"/>
-              </a:ext>
-            </a:extLst>
-          </p:cNvPr>
-          <p:cNvSpPr txBox="1"/>
-          <p:nvPr/>
-        </p:nvSpPr>
-        <p:spPr>
-          <a:xfrm>
-            <a:off x="0" y="134501"/>
-            <a:ext cx="9143998" cy="769441"/>
-          </a:xfrm>
-          <a:prstGeom prst="rect">
-            <a:avLst/>
-          </a:prstGeom>
-          <a:noFill/>
-        </p:spPr>
-        <p:txBody>
-          <a:bodyPr wrap="square" rtlCol="0">
-            <a:spAutoFit/>
-          </a:bodyPr>
-          <a:lstStyle/>
-          <a:p>
-            <a:pPr algn="ctr"/>
-            <a:r>
-              <a:rPr lang="it-IT" sz="4400" dirty="0">
-                <a:solidFill>
-                  <a:schemeClr val="bg1"/>
-                </a:solidFill>
-                <a:latin typeface="Open Sans" panose="020B0606030504020204" pitchFamily="34" charset="0"/>
-                <a:ea typeface="Open Sans" panose="020B0606030504020204" pitchFamily="34" charset="0"/>
-                <a:cs typeface="Open Sans" panose="020B0606030504020204" pitchFamily="34" charset="0"/>
-              </a:rPr>
-              <a:t>Demo</a:t>
+            <a:r>
+              <a:rPr lang="it-IT" sz="4000" dirty="0"/>
+              <a:t>Live Demo</a:t>
             </a:r>
           </a:p>
         </p:txBody>
@@ -4741,13 +4671,145 @@
         <p:spPr>
           <a:xfrm>
             <a:off x="742375" y="1728772"/>
-            <a:ext cx="7864522" cy="4389500"/>
+            <a:ext cx="7666519" cy="4143110"/>
           </a:xfrm>
           <a:prstGeom prst="rect">
             <a:avLst/>
           </a:prstGeom>
         </p:spPr>
       </p:pic>
+      <p:sp>
+        <p:nvSpPr>
+          <p:cNvPr id="3" name="Segnaposto piè di pagina 3">
+            <a:extLst>
+              <a:ext uri="{FF2B5EF4-FFF2-40B4-BE49-F238E27FC236}">
+                <a16:creationId xmlns:a16="http://schemas.microsoft.com/office/drawing/2014/main" id="{9CBCC468-2D91-CC15-AA4D-72F187575A2F}"/>
+              </a:ext>
+            </a:extLst>
+          </p:cNvPr>
+          <p:cNvSpPr txBox="1">
+            <a:spLocks/>
+          </p:cNvSpPr>
+          <p:nvPr/>
+        </p:nvSpPr>
+        <p:spPr>
+          <a:xfrm>
+            <a:off x="366122" y="6286803"/>
+            <a:ext cx="7196162" cy="519112"/>
+          </a:xfrm>
+          <a:prstGeom prst="rect">
+            <a:avLst/>
+          </a:prstGeom>
+        </p:spPr>
+        <p:txBody>
+          <a:bodyPr/>
+          <a:lstStyle>
+            <a:defPPr>
+              <a:defRPr lang="it-IT"/>
+            </a:defPPr>
+            <a:lvl1pPr marL="0" algn="l" defTabSz="914400" rtl="0" eaLnBrk="1" latinLnBrk="0" hangingPunct="1">
+              <a:defRPr sz="1800" kern="1200">
+                <a:solidFill>
+                  <a:schemeClr val="tx1"/>
+                </a:solidFill>
+                <a:latin typeface="+mn-lt"/>
+                <a:ea typeface="+mn-ea"/>
+                <a:cs typeface="+mn-cs"/>
+              </a:defRPr>
+            </a:lvl1pPr>
+            <a:lvl2pPr marL="457200" algn="l" defTabSz="914400" rtl="0" eaLnBrk="1" latinLnBrk="0" hangingPunct="1">
+              <a:defRPr sz="1800" kern="1200">
+                <a:solidFill>
+                  <a:schemeClr val="tx1"/>
+                </a:solidFill>
+                <a:latin typeface="+mn-lt"/>
+                <a:ea typeface="+mn-ea"/>
+                <a:cs typeface="+mn-cs"/>
+              </a:defRPr>
+            </a:lvl2pPr>
+            <a:lvl3pPr marL="914400" algn="l" defTabSz="914400" rtl="0" eaLnBrk="1" latinLnBrk="0" hangingPunct="1">
+              <a:defRPr sz="1800" kern="1200">
+                <a:solidFill>
+                  <a:schemeClr val="tx1"/>
+                </a:solidFill>
+                <a:latin typeface="+mn-lt"/>
+                <a:ea typeface="+mn-ea"/>
+                <a:cs typeface="+mn-cs"/>
+              </a:defRPr>
+            </a:lvl3pPr>
+            <a:lvl4pPr marL="1371600" algn="l" defTabSz="914400" rtl="0" eaLnBrk="1" latinLnBrk="0" hangingPunct="1">
+              <a:defRPr sz="1800" kern="1200">
+                <a:solidFill>
+                  <a:schemeClr val="tx1"/>
+                </a:solidFill>
+                <a:latin typeface="+mn-lt"/>
+                <a:ea typeface="+mn-ea"/>
+                <a:cs typeface="+mn-cs"/>
+              </a:defRPr>
+            </a:lvl4pPr>
+            <a:lvl5pPr marL="1828800" algn="l" defTabSz="914400" rtl="0" eaLnBrk="1" latinLnBrk="0" hangingPunct="1">
+              <a:defRPr sz="1800" kern="1200">
+                <a:solidFill>
+                  <a:schemeClr val="tx1"/>
+                </a:solidFill>
+                <a:latin typeface="+mn-lt"/>
+                <a:ea typeface="+mn-ea"/>
+                <a:cs typeface="+mn-cs"/>
+              </a:defRPr>
+            </a:lvl5pPr>
+            <a:lvl6pPr marL="2286000" algn="l" defTabSz="914400" rtl="0" eaLnBrk="1" latinLnBrk="0" hangingPunct="1">
+              <a:defRPr sz="1800" kern="1200">
+                <a:solidFill>
+                  <a:schemeClr val="tx1"/>
+                </a:solidFill>
+                <a:latin typeface="+mn-lt"/>
+                <a:ea typeface="+mn-ea"/>
+                <a:cs typeface="+mn-cs"/>
+              </a:defRPr>
+            </a:lvl6pPr>
+            <a:lvl7pPr marL="2743200" algn="l" defTabSz="914400" rtl="0" eaLnBrk="1" latinLnBrk="0" hangingPunct="1">
+              <a:defRPr sz="1800" kern="1200">
+                <a:solidFill>
+                  <a:schemeClr val="tx1"/>
+                </a:solidFill>
+                <a:latin typeface="+mn-lt"/>
+                <a:ea typeface="+mn-ea"/>
+                <a:cs typeface="+mn-cs"/>
+              </a:defRPr>
+            </a:lvl7pPr>
+            <a:lvl8pPr marL="3200400" algn="l" defTabSz="914400" rtl="0" eaLnBrk="1" latinLnBrk="0" hangingPunct="1">
+              <a:defRPr sz="1800" kern="1200">
+                <a:solidFill>
+                  <a:schemeClr val="tx1"/>
+                </a:solidFill>
+                <a:latin typeface="+mn-lt"/>
+                <a:ea typeface="+mn-ea"/>
+                <a:cs typeface="+mn-cs"/>
+              </a:defRPr>
+            </a:lvl8pPr>
+            <a:lvl9pPr marL="3657600" algn="l" defTabSz="914400" rtl="0" eaLnBrk="1" latinLnBrk="0" hangingPunct="1">
+              <a:defRPr sz="1800" kern="1200">
+                <a:solidFill>
+                  <a:schemeClr val="tx1"/>
+                </a:solidFill>
+                <a:latin typeface="+mn-lt"/>
+                <a:ea typeface="+mn-ea"/>
+                <a:cs typeface="+mn-cs"/>
+              </a:defRPr>
+            </a:lvl9pPr>
+          </a:lstStyle>
+          <a:p>
+            <a:pPr>
+              <a:defRPr/>
+            </a:pPr>
+            <a:r>
+              <a:rPr lang="it-IT" altLang="en-US" dirty="0"/>
+              <a:t>i3Camp - 3 Ottobre 2023</a:t>
+            </a:r>
+            <a:endParaRPr lang="en-US" altLang="en-US" dirty="0"/>
+          </a:p>
+        </p:txBody>
+      </p:sp>
     </p:spTree>
     <p:extLst>
       <p:ext uri="{BB962C8B-B14F-4D97-AF65-F5344CB8AC3E}">
@@ -4780,55 +4842,10 @@
       </p:grpSpPr>
       <p:sp>
         <p:nvSpPr>
-          <p:cNvPr id="3" name="Titolo 2"/>
-          <p:cNvSpPr>
-            <a:spLocks noGrp="1"/>
-          </p:cNvSpPr>
-          <p:nvPr>
-            <p:ph type="ctrTitle" idx="4294967295"/>
-          </p:nvPr>
-        </p:nvSpPr>
-        <p:spPr>
-          <a:xfrm>
-            <a:off x="0" y="1966913"/>
-            <a:ext cx="1971675" cy="2547937"/>
-          </a:xfrm>
-          <a:prstGeom prst="rect">
-            <a:avLst/>
-          </a:prstGeom>
-          <a:noFill/>
-        </p:spPr>
-        <p:txBody>
-          <a:bodyPr vert="horz" lIns="91440" tIns="45720" rIns="91440" bIns="45720" rtlCol="0" anchor="ctr">
-            <a:normAutofit/>
-          </a:bodyPr>
-          <a:lstStyle/>
-          <a:p>
-            <a:pPr algn="ctr">
-              <a:lnSpc>
-                <a:spcPct val="90000"/>
-              </a:lnSpc>
-            </a:pPr>
-            <a:r>
-              <a:rPr lang="en-US" sz="2400" kern="1200">
-                <a:solidFill>
-                  <a:srgbClr val="FFFFFF"/>
-                </a:solidFill>
-                <a:latin typeface="+mj-lt"/>
-                <a:ea typeface="+mj-ea"/>
-                <a:cs typeface="+mj-cs"/>
-              </a:rPr>
-              <a:t>Misintegration</a:t>
-            </a:r>
-          </a:p>
-        </p:txBody>
-      </p:sp>
-      <p:sp>
-        <p:nvSpPr>
-          <p:cNvPr id="6" name="Ritardo 5">
+          <p:cNvPr id="2" name="Ritardo 5">
             <a:extLst>
               <a:ext uri="{FF2B5EF4-FFF2-40B4-BE49-F238E27FC236}">
-                <a16:creationId xmlns:a16="http://schemas.microsoft.com/office/drawing/2014/main" id="{22899667-E004-128A-EC9A-5A9DE17B009F}"/>
+                <a16:creationId xmlns:a16="http://schemas.microsoft.com/office/drawing/2014/main" id="{A5952CB2-7B21-EDF3-DB90-F10B533950B7}"/>
               </a:ext>
             </a:extLst>
           </p:cNvPr>
@@ -4837,13 +4854,13 @@
         </p:nvSpPr>
         <p:spPr>
           <a:xfrm rot="5400000">
-            <a:off x="3348954" y="-3348955"/>
-            <a:ext cx="2446089" cy="9143999"/>
+            <a:off x="3852000" y="-3851999"/>
+            <a:ext cx="1440000" cy="9143999"/>
           </a:xfrm>
           <a:prstGeom prst="flowChartDelay">
             <a:avLst/>
           </a:prstGeom>
-          <a:gradFill flip="none" rotWithShape="1">
+          <a:gradFill>
             <a:gsLst>
               <a:gs pos="0">
                 <a:schemeClr val="accent5">
@@ -4865,7 +4882,6 @@
               </a:gs>
             </a:gsLst>
             <a:lin ang="8100000" scaled="1"/>
-            <a:tileRect/>
           </a:gradFill>
           <a:effectLst>
             <a:innerShdw blurRad="63500" dist="50800" dir="13500000">
@@ -4892,45 +4908,12 @@
           </a:fontRef>
         </p:style>
         <p:txBody>
-          <a:bodyPr rtlCol="0" anchor="ctr"/>
+          <a:bodyPr vert="vert270" rtlCol="0" anchor="ctr" anchorCtr="1"/>
           <a:lstStyle/>
           <a:p>
             <a:pPr algn="ctr"/>
-            <a:endParaRPr lang="it-IT" sz="2800" dirty="0"/>
-          </a:p>
-        </p:txBody>
-      </p:sp>
-      <p:sp>
-        <p:nvSpPr>
-          <p:cNvPr id="7" name="CasellaDiTesto 6">
-            <a:extLst>
-              <a:ext uri="{FF2B5EF4-FFF2-40B4-BE49-F238E27FC236}">
-                <a16:creationId xmlns:a16="http://schemas.microsoft.com/office/drawing/2014/main" id="{B1801A9A-DCE1-052F-1499-5376AD8420B8}"/>
-              </a:ext>
-            </a:extLst>
-          </p:cNvPr>
-          <p:cNvSpPr txBox="1"/>
-          <p:nvPr/>
-        </p:nvSpPr>
-        <p:spPr>
-          <a:xfrm>
-            <a:off x="0" y="638355"/>
-            <a:ext cx="9143998" cy="769441"/>
-          </a:xfrm>
-          <a:prstGeom prst="rect">
-            <a:avLst/>
-          </a:prstGeom>
-          <a:noFill/>
-        </p:spPr>
-        <p:txBody>
-          <a:bodyPr wrap="square" rtlCol="0">
-            <a:spAutoFit/>
-          </a:bodyPr>
-          <a:lstStyle/>
-          <a:p>
-            <a:pPr algn="ctr"/>
-            <a:r>
-              <a:rPr lang="it-IT" sz="4400" dirty="0" err="1">
+            <a:r>
+              <a:rPr lang="it-IT" sz="4000" dirty="0" err="1">
                 <a:solidFill>
                   <a:schemeClr val="bg1"/>
                 </a:solidFill>
@@ -4940,14 +4923,7 @@
               </a:rPr>
               <a:t>References</a:t>
             </a:r>
-            <a:endParaRPr lang="it-IT" sz="4400" dirty="0">
-              <a:solidFill>
-                <a:schemeClr val="bg1"/>
-              </a:solidFill>
-              <a:latin typeface="Open Sans" panose="020B0606030504020204" pitchFamily="34" charset="0"/>
-              <a:ea typeface="Open Sans" panose="020B0606030504020204" pitchFamily="34" charset="0"/>
-              <a:cs typeface="Open Sans" panose="020B0606030504020204" pitchFamily="34" charset="0"/>
-            </a:endParaRPr>
+            <a:endParaRPr lang="it-IT" sz="4000" dirty="0"/>
           </a:p>
         </p:txBody>
       </p:sp>
@@ -4965,8 +4941,8 @@
         </p:nvSpPr>
         <p:spPr>
           <a:xfrm>
-            <a:off x="2972622" y="3111137"/>
-            <a:ext cx="1748668" cy="369332"/>
+            <a:off x="2959059" y="1899557"/>
+            <a:ext cx="3172799" cy="1200329"/>
           </a:xfrm>
           <a:prstGeom prst="rect">
             <a:avLst/>
@@ -4984,14 +4960,449 @@
               <a:t>Neal Ford</a:t>
             </a:r>
           </a:p>
+          <a:p>
+            <a:r>
+              <a:rPr lang="it-IT" dirty="0"/>
+              <a:t>Rebecca Parsons</a:t>
+            </a:r>
+          </a:p>
+          <a:p>
+            <a:r>
+              <a:rPr lang="it-IT" dirty="0"/>
+              <a:t>Patrick Kua</a:t>
+            </a:r>
+          </a:p>
+          <a:p>
+            <a:r>
+              <a:rPr lang="it-IT" dirty="0" err="1"/>
+              <a:t>Pramod</a:t>
+            </a:r>
+            <a:r>
+              <a:rPr lang="it-IT" dirty="0"/>
+              <a:t> </a:t>
+            </a:r>
+            <a:r>
+              <a:rPr lang="it-IT" dirty="0" err="1"/>
+              <a:t>Sadalahe</a:t>
+            </a:r>
+            <a:endParaRPr lang="it-IT" dirty="0"/>
+          </a:p>
+        </p:txBody>
+      </p:sp>
+      <p:pic>
+        <p:nvPicPr>
+          <p:cNvPr id="1026" name="Picture 2" descr="Building Evolutionary Architectures: 2nd Edition | Thoughtworks">
+            <a:extLst>
+              <a:ext uri="{FF2B5EF4-FFF2-40B4-BE49-F238E27FC236}">
+                <a16:creationId xmlns:a16="http://schemas.microsoft.com/office/drawing/2014/main" id="{D82C4961-B242-63A0-DBED-A6DFA272E890}"/>
+              </a:ext>
+            </a:extLst>
+          </p:cNvPr>
+          <p:cNvPicPr>
+            <a:picLocks noChangeAspect="1" noChangeArrowheads="1"/>
+          </p:cNvPicPr>
+          <p:nvPr/>
+        </p:nvPicPr>
+        <p:blipFill>
+          <a:blip r:embed="rId2">
+            <a:extLst>
+              <a:ext uri="{28A0092B-C50C-407E-A947-70E740481C1C}">
+                <a14:useLocalDpi xmlns:a14="http://schemas.microsoft.com/office/drawing/2010/main" val="0"/>
+              </a:ext>
+            </a:extLst>
+          </a:blip>
+          <a:srcRect/>
+          <a:stretch>
+            <a:fillRect/>
+          </a:stretch>
+        </p:blipFill>
+        <p:spPr bwMode="auto">
+          <a:xfrm>
+            <a:off x="601539" y="2045052"/>
+            <a:ext cx="2160000" cy="2833648"/>
+          </a:xfrm>
+          <a:prstGeom prst="round2DiagRect">
+            <a:avLst>
+              <a:gd name="adj1" fmla="val 16667"/>
+              <a:gd name="adj2" fmla="val 0"/>
+            </a:avLst>
+          </a:prstGeom>
+          <a:ln w="88900" cap="sq">
+            <a:solidFill>
+              <a:schemeClr val="bg1">
+                <a:lumMod val="85000"/>
+              </a:schemeClr>
+            </a:solidFill>
+            <a:miter lim="800000"/>
+          </a:ln>
+          <a:effectLst>
+            <a:outerShdw blurRad="254000" algn="tl" rotWithShape="0">
+              <a:srgbClr val="000000">
+                <a:alpha val="43000"/>
+              </a:srgbClr>
+            </a:outerShdw>
+          </a:effectLst>
+          <a:extLst>
+            <a:ext uri="{909E8E84-426E-40DD-AFC4-6F175D3DCCD1}">
+              <a14:hiddenFill xmlns:a14="http://schemas.microsoft.com/office/drawing/2010/main">
+                <a:solidFill>
+                  <a:srgbClr val="FFFFFF"/>
+                </a:solidFill>
+              </a14:hiddenFill>
+            </a:ext>
+          </a:extLst>
+        </p:spPr>
+      </p:pic>
+      <p:pic>
+        <p:nvPicPr>
+          <p:cNvPr id="1028" name="Picture 4">
+            <a:extLst>
+              <a:ext uri="{FF2B5EF4-FFF2-40B4-BE49-F238E27FC236}">
+                <a16:creationId xmlns:a16="http://schemas.microsoft.com/office/drawing/2014/main" id="{BFC06B04-7B3B-88E7-1494-5DB62FAD9E0F}"/>
+              </a:ext>
+            </a:extLst>
+          </p:cNvPr>
+          <p:cNvPicPr>
+            <a:picLocks noChangeAspect="1" noChangeArrowheads="1"/>
+          </p:cNvPicPr>
+          <p:nvPr/>
+        </p:nvPicPr>
+        <p:blipFill>
+          <a:blip r:embed="rId3">
+            <a:extLst>
+              <a:ext uri="{28A0092B-C50C-407E-A947-70E740481C1C}">
+                <a14:useLocalDpi xmlns:a14="http://schemas.microsoft.com/office/drawing/2010/main" val="0"/>
+              </a:ext>
+            </a:extLst>
+          </a:blip>
+          <a:srcRect/>
+          <a:stretch>
+            <a:fillRect/>
+          </a:stretch>
+        </p:blipFill>
+        <p:spPr bwMode="auto">
+          <a:xfrm>
+            <a:off x="6310744" y="2045052"/>
+            <a:ext cx="2160000" cy="2834646"/>
+          </a:xfrm>
+          <a:prstGeom prst="round2DiagRect">
+            <a:avLst>
+              <a:gd name="adj1" fmla="val 16667"/>
+              <a:gd name="adj2" fmla="val 0"/>
+            </a:avLst>
+          </a:prstGeom>
+          <a:ln w="76200" cap="sq">
+            <a:solidFill>
+              <a:schemeClr val="bg1">
+                <a:lumMod val="85000"/>
+              </a:schemeClr>
+            </a:solidFill>
+            <a:miter lim="800000"/>
+          </a:ln>
+          <a:effectLst>
+            <a:outerShdw blurRad="254000" algn="tl" rotWithShape="0">
+              <a:srgbClr val="000000">
+                <a:alpha val="43000"/>
+              </a:srgbClr>
+            </a:outerShdw>
+          </a:effectLst>
+          <a:extLst>
+            <a:ext uri="{909E8E84-426E-40DD-AFC4-6F175D3DCCD1}">
+              <a14:hiddenFill xmlns:a14="http://schemas.microsoft.com/office/drawing/2010/main">
+                <a:solidFill>
+                  <a:srgbClr val="FFFFFF"/>
+                </a:solidFill>
+              </a14:hiddenFill>
+            </a:ext>
+          </a:extLst>
+        </p:spPr>
+      </p:pic>
+      <p:sp>
+        <p:nvSpPr>
+          <p:cNvPr id="4" name="CasellaDiTesto 9">
+            <a:extLst>
+              <a:ext uri="{FF2B5EF4-FFF2-40B4-BE49-F238E27FC236}">
+                <a16:creationId xmlns:a16="http://schemas.microsoft.com/office/drawing/2014/main" id="{EE5E7659-E48E-8084-026A-F9D0EE3EBCC6}"/>
+              </a:ext>
+            </a:extLst>
+          </p:cNvPr>
+          <p:cNvSpPr txBox="1"/>
+          <p:nvPr/>
+        </p:nvSpPr>
+        <p:spPr>
+          <a:xfrm>
+            <a:off x="2940425" y="3818390"/>
+            <a:ext cx="3172799" cy="1200329"/>
+          </a:xfrm>
+          <a:prstGeom prst="rect">
+            <a:avLst/>
+          </a:prstGeom>
+          <a:noFill/>
+        </p:spPr>
+        <p:txBody>
+          <a:bodyPr wrap="square" rtlCol="0">
+            <a:spAutoFit/>
+          </a:bodyPr>
+          <a:lstStyle/>
+          <a:p>
+            <a:pPr algn="r"/>
+            <a:r>
+              <a:rPr lang="it-IT" dirty="0"/>
+              <a:t>Neal Ford</a:t>
+            </a:r>
+          </a:p>
+          <a:p>
+            <a:pPr algn="r"/>
+            <a:r>
+              <a:rPr lang="it-IT" dirty="0"/>
+              <a:t>Mark Richards</a:t>
+            </a:r>
+          </a:p>
+          <a:p>
+            <a:pPr algn="r"/>
+            <a:r>
+              <a:rPr lang="it-IT" dirty="0" err="1"/>
+              <a:t>Pramad</a:t>
+            </a:r>
+            <a:r>
+              <a:rPr lang="it-IT" dirty="0"/>
+              <a:t> </a:t>
+            </a:r>
+            <a:r>
+              <a:rPr lang="it-IT" dirty="0" err="1"/>
+              <a:t>Sadalage</a:t>
+            </a:r>
+            <a:endParaRPr lang="it-IT" dirty="0"/>
+          </a:p>
+          <a:p>
+            <a:pPr algn="r"/>
+            <a:r>
+              <a:rPr lang="it-IT" dirty="0" err="1"/>
+              <a:t>Zhamak</a:t>
+            </a:r>
+            <a:r>
+              <a:rPr lang="it-IT" dirty="0"/>
+              <a:t> </a:t>
+            </a:r>
+            <a:r>
+              <a:rPr lang="it-IT" dirty="0" err="1"/>
+              <a:t>Dehghani</a:t>
+            </a:r>
+            <a:endParaRPr lang="it-IT" dirty="0"/>
+          </a:p>
         </p:txBody>
       </p:sp>
       <p:sp>
         <p:nvSpPr>
-          <p:cNvPr id="11" name="Rettangolo con angoli arrotondati 10">
+          <p:cNvPr id="5" name="Segnaposto piè di pagina 3">
             <a:extLst>
               <a:ext uri="{FF2B5EF4-FFF2-40B4-BE49-F238E27FC236}">
-                <a16:creationId xmlns:a16="http://schemas.microsoft.com/office/drawing/2014/main" id="{58C28A2D-021C-43F7-9FDB-98B4196A85CF}"/>
+                <a16:creationId xmlns:a16="http://schemas.microsoft.com/office/drawing/2014/main" id="{B59185D5-B57D-E327-A8A0-06FA10E359E4}"/>
+              </a:ext>
+            </a:extLst>
+          </p:cNvPr>
+          <p:cNvSpPr txBox="1">
+            <a:spLocks/>
+          </p:cNvSpPr>
+          <p:nvPr/>
+        </p:nvSpPr>
+        <p:spPr>
+          <a:xfrm>
+            <a:off x="366122" y="6286803"/>
+            <a:ext cx="7196162" cy="519112"/>
+          </a:xfrm>
+          <a:prstGeom prst="rect">
+            <a:avLst/>
+          </a:prstGeom>
+        </p:spPr>
+        <p:txBody>
+          <a:bodyPr/>
+          <a:lstStyle>
+            <a:defPPr>
+              <a:defRPr lang="it-IT"/>
+            </a:defPPr>
+            <a:lvl1pPr marL="0" algn="l" defTabSz="914400" rtl="0" eaLnBrk="1" latinLnBrk="0" hangingPunct="1">
+              <a:defRPr sz="1800" kern="1200">
+                <a:solidFill>
+                  <a:schemeClr val="tx1"/>
+                </a:solidFill>
+                <a:latin typeface="+mn-lt"/>
+                <a:ea typeface="+mn-ea"/>
+                <a:cs typeface="+mn-cs"/>
+              </a:defRPr>
+            </a:lvl1pPr>
+            <a:lvl2pPr marL="457200" algn="l" defTabSz="914400" rtl="0" eaLnBrk="1" latinLnBrk="0" hangingPunct="1">
+              <a:defRPr sz="1800" kern="1200">
+                <a:solidFill>
+                  <a:schemeClr val="tx1"/>
+                </a:solidFill>
+                <a:latin typeface="+mn-lt"/>
+                <a:ea typeface="+mn-ea"/>
+                <a:cs typeface="+mn-cs"/>
+              </a:defRPr>
+            </a:lvl2pPr>
+            <a:lvl3pPr marL="914400" algn="l" defTabSz="914400" rtl="0" eaLnBrk="1" latinLnBrk="0" hangingPunct="1">
+              <a:defRPr sz="1800" kern="1200">
+                <a:solidFill>
+                  <a:schemeClr val="tx1"/>
+                </a:solidFill>
+                <a:latin typeface="+mn-lt"/>
+                <a:ea typeface="+mn-ea"/>
+                <a:cs typeface="+mn-cs"/>
+              </a:defRPr>
+            </a:lvl3pPr>
+            <a:lvl4pPr marL="1371600" algn="l" defTabSz="914400" rtl="0" eaLnBrk="1" latinLnBrk="0" hangingPunct="1">
+              <a:defRPr sz="1800" kern="1200">
+                <a:solidFill>
+                  <a:schemeClr val="tx1"/>
+                </a:solidFill>
+                <a:latin typeface="+mn-lt"/>
+                <a:ea typeface="+mn-ea"/>
+                <a:cs typeface="+mn-cs"/>
+              </a:defRPr>
+            </a:lvl4pPr>
+            <a:lvl5pPr marL="1828800" algn="l" defTabSz="914400" rtl="0" eaLnBrk="1" latinLnBrk="0" hangingPunct="1">
+              <a:defRPr sz="1800" kern="1200">
+                <a:solidFill>
+                  <a:schemeClr val="tx1"/>
+                </a:solidFill>
+                <a:latin typeface="+mn-lt"/>
+                <a:ea typeface="+mn-ea"/>
+                <a:cs typeface="+mn-cs"/>
+              </a:defRPr>
+            </a:lvl5pPr>
+            <a:lvl6pPr marL="2286000" algn="l" defTabSz="914400" rtl="0" eaLnBrk="1" latinLnBrk="0" hangingPunct="1">
+              <a:defRPr sz="1800" kern="1200">
+                <a:solidFill>
+                  <a:schemeClr val="tx1"/>
+                </a:solidFill>
+                <a:latin typeface="+mn-lt"/>
+                <a:ea typeface="+mn-ea"/>
+                <a:cs typeface="+mn-cs"/>
+              </a:defRPr>
+            </a:lvl6pPr>
+            <a:lvl7pPr marL="2743200" algn="l" defTabSz="914400" rtl="0" eaLnBrk="1" latinLnBrk="0" hangingPunct="1">
+              <a:defRPr sz="1800" kern="1200">
+                <a:solidFill>
+                  <a:schemeClr val="tx1"/>
+                </a:solidFill>
+                <a:latin typeface="+mn-lt"/>
+                <a:ea typeface="+mn-ea"/>
+                <a:cs typeface="+mn-cs"/>
+              </a:defRPr>
+            </a:lvl7pPr>
+            <a:lvl8pPr marL="3200400" algn="l" defTabSz="914400" rtl="0" eaLnBrk="1" latinLnBrk="0" hangingPunct="1">
+              <a:defRPr sz="1800" kern="1200">
+                <a:solidFill>
+                  <a:schemeClr val="tx1"/>
+                </a:solidFill>
+                <a:latin typeface="+mn-lt"/>
+                <a:ea typeface="+mn-ea"/>
+                <a:cs typeface="+mn-cs"/>
+              </a:defRPr>
+            </a:lvl8pPr>
+            <a:lvl9pPr marL="3657600" algn="l" defTabSz="914400" rtl="0" eaLnBrk="1" latinLnBrk="0" hangingPunct="1">
+              <a:defRPr sz="1800" kern="1200">
+                <a:solidFill>
+                  <a:schemeClr val="tx1"/>
+                </a:solidFill>
+                <a:latin typeface="+mn-lt"/>
+                <a:ea typeface="+mn-ea"/>
+                <a:cs typeface="+mn-cs"/>
+              </a:defRPr>
+            </a:lvl9pPr>
+          </a:lstStyle>
+          <a:p>
+            <a:pPr>
+              <a:defRPr/>
+            </a:pPr>
+            <a:r>
+              <a:rPr lang="it-IT" altLang="en-US" dirty="0"/>
+              <a:t>i3Camp - 3 Ottobre 2023</a:t>
+            </a:r>
+            <a:endParaRPr lang="en-US" altLang="en-US" dirty="0"/>
+          </a:p>
+        </p:txBody>
+      </p:sp>
+      <p:sp>
+        <p:nvSpPr>
+          <p:cNvPr id="7" name="TextBox 6">
+            <a:extLst>
+              <a:ext uri="{FF2B5EF4-FFF2-40B4-BE49-F238E27FC236}">
+                <a16:creationId xmlns:a16="http://schemas.microsoft.com/office/drawing/2014/main" id="{BDC17BFF-9C07-7F2F-C675-419F00E8038D}"/>
+              </a:ext>
+            </a:extLst>
+          </p:cNvPr>
+          <p:cNvSpPr txBox="1"/>
+          <p:nvPr/>
+        </p:nvSpPr>
+        <p:spPr>
+          <a:xfrm>
+            <a:off x="0" y="5389590"/>
+            <a:ext cx="9144000" cy="369332"/>
+          </a:xfrm>
+          <a:prstGeom prst="rect">
+            <a:avLst/>
+          </a:prstGeom>
+          <a:noFill/>
+        </p:spPr>
+        <p:txBody>
+          <a:bodyPr wrap="square">
+            <a:spAutoFit/>
+          </a:bodyPr>
+          <a:lstStyle/>
+          <a:p>
+            <a:pPr algn="ctr"/>
+            <a:r>
+              <a:rPr lang="en-IT" dirty="0"/>
+              <a:t>Libreria NetArchTest: </a:t>
+            </a:r>
+            <a:r>
+              <a:rPr lang="en-IT" dirty="0">
+                <a:hlinkClick r:id="rId4"/>
+              </a:rPr>
+              <a:t>https://github.com/BenMorris/NetArchTest</a:t>
+            </a:r>
+            <a:endParaRPr lang="en-IT" dirty="0"/>
+          </a:p>
+        </p:txBody>
+      </p:sp>
+    </p:spTree>
+    <p:extLst>
+      <p:ext uri="{BB962C8B-B14F-4D97-AF65-F5344CB8AC3E}">
+        <p14:creationId xmlns:p14="http://schemas.microsoft.com/office/powerpoint/2010/main" val="3648000488"/>
+      </p:ext>
+    </p:extLst>
+  </p:cSld>
+  <p:clrMapOvr>
+    <a:masterClrMapping/>
+  </p:clrMapOvr>
+</p:sld>
+</file>
+
+<file path=ppt/slides/slide12.xml><?xml version="1.0" encoding="utf-8"?>
+<p:sld xmlns:a="http://schemas.openxmlformats.org/drawingml/2006/main" xmlns:r="http://schemas.openxmlformats.org/officeDocument/2006/relationships" xmlns:p="http://schemas.openxmlformats.org/presentationml/2006/main">
+  <p:cSld>
+    <p:spTree>
+      <p:nvGrpSpPr>
+        <p:cNvPr id="1" name=""/>
+        <p:cNvGrpSpPr/>
+        <p:nvPr/>
+      </p:nvGrpSpPr>
+      <p:grpSpPr>
+        <a:xfrm>
+          <a:off x="0" y="0"/>
+          <a:ext cx="0" cy="0"/>
+          <a:chOff x="0" y="0"/>
+          <a:chExt cx="0" cy="0"/>
+        </a:xfrm>
+      </p:grpSpPr>
+      <p:sp>
+        <p:nvSpPr>
+          <p:cNvPr id="2" name="Ritardo 5">
+            <a:extLst>
+              <a:ext uri="{FF2B5EF4-FFF2-40B4-BE49-F238E27FC236}">
+                <a16:creationId xmlns:a16="http://schemas.microsoft.com/office/drawing/2014/main" id="{A5952CB2-7B21-EDF3-DB90-F10B533950B7}"/>
               </a:ext>
             </a:extLst>
           </p:cNvPr>
@@ -4999,75 +5410,218 @@
           <p:nvPr/>
         </p:nvSpPr>
         <p:spPr>
-          <a:xfrm>
-            <a:off x="275616" y="2712708"/>
-            <a:ext cx="2523568" cy="3134877"/>
-          </a:xfrm>
-          <a:prstGeom prst="roundRect">
-            <a:avLst/>
-          </a:prstGeom>
+          <a:xfrm rot="5400000">
+            <a:off x="3852000" y="-3851999"/>
+            <a:ext cx="1440000" cy="9143999"/>
+          </a:xfrm>
+          <a:prstGeom prst="flowChartDelay">
+            <a:avLst/>
+          </a:prstGeom>
+          <a:gradFill>
+            <a:gsLst>
+              <a:gs pos="0">
+                <a:schemeClr val="accent5">
+                  <a:shade val="30000"/>
+                  <a:satMod val="115000"/>
+                </a:schemeClr>
+              </a:gs>
+              <a:gs pos="50000">
+                <a:schemeClr val="accent5">
+                  <a:shade val="67500"/>
+                  <a:satMod val="115000"/>
+                </a:schemeClr>
+              </a:gs>
+              <a:gs pos="100000">
+                <a:schemeClr val="accent5">
+                  <a:shade val="100000"/>
+                  <a:satMod val="115000"/>
+                </a:schemeClr>
+              </a:gs>
+            </a:gsLst>
+            <a:lin ang="8100000" scaled="1"/>
+          </a:gradFill>
+          <a:effectLst>
+            <a:innerShdw blurRad="63500" dist="50800" dir="13500000">
+              <a:prstClr val="black">
+                <a:alpha val="50000"/>
+              </a:prstClr>
+            </a:innerShdw>
+          </a:effectLst>
         </p:spPr>
         <p:style>
           <a:lnRef idx="2">
-            <a:schemeClr val="accent3">
+            <a:schemeClr val="accent5">
               <a:shade val="50000"/>
             </a:schemeClr>
           </a:lnRef>
           <a:fillRef idx="1">
-            <a:schemeClr val="accent3"/>
+            <a:schemeClr val="accent5"/>
           </a:fillRef>
           <a:effectRef idx="0">
-            <a:schemeClr val="accent3"/>
+            <a:schemeClr val="accent5"/>
           </a:effectRef>
           <a:fontRef idx="minor">
             <a:schemeClr val="lt1"/>
           </a:fontRef>
         </p:style>
         <p:txBody>
-          <a:bodyPr rtlCol="0" anchor="ctr"/>
+          <a:bodyPr vert="vert270" rtlCol="0" anchor="ctr" anchorCtr="1"/>
           <a:lstStyle/>
           <a:p>
             <a:pPr algn="ctr"/>
-            <a:endParaRPr lang="it-IT"/>
+            <a:r>
+              <a:rPr lang="it-IT" sz="4000" dirty="0">
+                <a:solidFill>
+                  <a:schemeClr val="bg1"/>
+                </a:solidFill>
+                <a:latin typeface="Open Sans" panose="020B0606030504020204" pitchFamily="34" charset="0"/>
+                <a:ea typeface="Open Sans" panose="020B0606030504020204" pitchFamily="34" charset="0"/>
+                <a:cs typeface="Open Sans" panose="020B0606030504020204" pitchFamily="34" charset="0"/>
+              </a:rPr>
+              <a:t>❤️</a:t>
+            </a:r>
+            <a:endParaRPr lang="it-IT" sz="4000" dirty="0"/>
           </a:p>
         </p:txBody>
       </p:sp>
-      <p:pic>
-        <p:nvPicPr>
-          <p:cNvPr id="20" name="Immagine 19">
+      <p:sp>
+        <p:nvSpPr>
+          <p:cNvPr id="5" name="Segnaposto piè di pagina 3">
             <a:extLst>
               <a:ext uri="{FF2B5EF4-FFF2-40B4-BE49-F238E27FC236}">
-                <a16:creationId xmlns:a16="http://schemas.microsoft.com/office/drawing/2014/main" id="{88CC21A6-0DBC-CBDD-48E6-5A14F00CED2D}"/>
+                <a16:creationId xmlns:a16="http://schemas.microsoft.com/office/drawing/2014/main" id="{B59185D5-B57D-E327-A8A0-06FA10E359E4}"/>
               </a:ext>
             </a:extLst>
           </p:cNvPr>
-          <p:cNvPicPr>
-            <a:picLocks noChangeAspect="1"/>
-          </p:cNvPicPr>
+          <p:cNvSpPr txBox="1">
+            <a:spLocks/>
+          </p:cNvSpPr>
           <p:nvPr/>
-        </p:nvPicPr>
-        <p:blipFill>
-          <a:blip r:embed="rId2"/>
-          <a:stretch>
-            <a:fillRect/>
-          </a:stretch>
-        </p:blipFill>
-        <p:spPr>
-          <a:xfrm>
-            <a:off x="544209" y="3005206"/>
-            <a:ext cx="1971676" cy="2549880"/>
+        </p:nvSpPr>
+        <p:spPr>
+          <a:xfrm>
+            <a:off x="366122" y="6286803"/>
+            <a:ext cx="7196162" cy="519112"/>
           </a:xfrm>
           <a:prstGeom prst="rect">
             <a:avLst/>
           </a:prstGeom>
         </p:spPr>
-      </p:pic>
+        <p:txBody>
+          <a:bodyPr/>
+          <a:lstStyle>
+            <a:defPPr>
+              <a:defRPr lang="it-IT"/>
+            </a:defPPr>
+            <a:lvl1pPr marL="0" algn="l" defTabSz="914400" rtl="0" eaLnBrk="1" latinLnBrk="0" hangingPunct="1">
+              <a:defRPr sz="1800" kern="1200">
+                <a:solidFill>
+                  <a:schemeClr val="tx1"/>
+                </a:solidFill>
+                <a:latin typeface="+mn-lt"/>
+                <a:ea typeface="+mn-ea"/>
+                <a:cs typeface="+mn-cs"/>
+              </a:defRPr>
+            </a:lvl1pPr>
+            <a:lvl2pPr marL="457200" algn="l" defTabSz="914400" rtl="0" eaLnBrk="1" latinLnBrk="0" hangingPunct="1">
+              <a:defRPr sz="1800" kern="1200">
+                <a:solidFill>
+                  <a:schemeClr val="tx1"/>
+                </a:solidFill>
+                <a:latin typeface="+mn-lt"/>
+                <a:ea typeface="+mn-ea"/>
+                <a:cs typeface="+mn-cs"/>
+              </a:defRPr>
+            </a:lvl2pPr>
+            <a:lvl3pPr marL="914400" algn="l" defTabSz="914400" rtl="0" eaLnBrk="1" latinLnBrk="0" hangingPunct="1">
+              <a:defRPr sz="1800" kern="1200">
+                <a:solidFill>
+                  <a:schemeClr val="tx1"/>
+                </a:solidFill>
+                <a:latin typeface="+mn-lt"/>
+                <a:ea typeface="+mn-ea"/>
+                <a:cs typeface="+mn-cs"/>
+              </a:defRPr>
+            </a:lvl3pPr>
+            <a:lvl4pPr marL="1371600" algn="l" defTabSz="914400" rtl="0" eaLnBrk="1" latinLnBrk="0" hangingPunct="1">
+              <a:defRPr sz="1800" kern="1200">
+                <a:solidFill>
+                  <a:schemeClr val="tx1"/>
+                </a:solidFill>
+                <a:latin typeface="+mn-lt"/>
+                <a:ea typeface="+mn-ea"/>
+                <a:cs typeface="+mn-cs"/>
+              </a:defRPr>
+            </a:lvl4pPr>
+            <a:lvl5pPr marL="1828800" algn="l" defTabSz="914400" rtl="0" eaLnBrk="1" latinLnBrk="0" hangingPunct="1">
+              <a:defRPr sz="1800" kern="1200">
+                <a:solidFill>
+                  <a:schemeClr val="tx1"/>
+                </a:solidFill>
+                <a:latin typeface="+mn-lt"/>
+                <a:ea typeface="+mn-ea"/>
+                <a:cs typeface="+mn-cs"/>
+              </a:defRPr>
+            </a:lvl5pPr>
+            <a:lvl6pPr marL="2286000" algn="l" defTabSz="914400" rtl="0" eaLnBrk="1" latinLnBrk="0" hangingPunct="1">
+              <a:defRPr sz="1800" kern="1200">
+                <a:solidFill>
+                  <a:schemeClr val="tx1"/>
+                </a:solidFill>
+                <a:latin typeface="+mn-lt"/>
+                <a:ea typeface="+mn-ea"/>
+                <a:cs typeface="+mn-cs"/>
+              </a:defRPr>
+            </a:lvl6pPr>
+            <a:lvl7pPr marL="2743200" algn="l" defTabSz="914400" rtl="0" eaLnBrk="1" latinLnBrk="0" hangingPunct="1">
+              <a:defRPr sz="1800" kern="1200">
+                <a:solidFill>
+                  <a:schemeClr val="tx1"/>
+                </a:solidFill>
+                <a:latin typeface="+mn-lt"/>
+                <a:ea typeface="+mn-ea"/>
+                <a:cs typeface="+mn-cs"/>
+              </a:defRPr>
+            </a:lvl7pPr>
+            <a:lvl8pPr marL="3200400" algn="l" defTabSz="914400" rtl="0" eaLnBrk="1" latinLnBrk="0" hangingPunct="1">
+              <a:defRPr sz="1800" kern="1200">
+                <a:solidFill>
+                  <a:schemeClr val="tx1"/>
+                </a:solidFill>
+                <a:latin typeface="+mn-lt"/>
+                <a:ea typeface="+mn-ea"/>
+                <a:cs typeface="+mn-cs"/>
+              </a:defRPr>
+            </a:lvl8pPr>
+            <a:lvl9pPr marL="3657600" algn="l" defTabSz="914400" rtl="0" eaLnBrk="1" latinLnBrk="0" hangingPunct="1">
+              <a:defRPr sz="1800" kern="1200">
+                <a:solidFill>
+                  <a:schemeClr val="tx1"/>
+                </a:solidFill>
+                <a:latin typeface="+mn-lt"/>
+                <a:ea typeface="+mn-ea"/>
+                <a:cs typeface="+mn-cs"/>
+              </a:defRPr>
+            </a:lvl9pPr>
+          </a:lstStyle>
+          <a:p>
+            <a:pPr>
+              <a:defRPr/>
+            </a:pPr>
+            <a:r>
+              <a:rPr lang="it-IT" altLang="en-US" dirty="0"/>
+              <a:t>i3Camp - 3 Ottobre 2023</a:t>
+            </a:r>
+            <a:endParaRPr lang="en-US" altLang="en-US" dirty="0"/>
+          </a:p>
+        </p:txBody>
+      </p:sp>
       <p:sp>
         <p:nvSpPr>
-          <p:cNvPr id="21" name="CasellaDiTesto 20">
+          <p:cNvPr id="9" name="TextBox 8">
             <a:extLst>
               <a:ext uri="{FF2B5EF4-FFF2-40B4-BE49-F238E27FC236}">
-                <a16:creationId xmlns:a16="http://schemas.microsoft.com/office/drawing/2014/main" id="{3777100F-1CA1-57AA-F5A2-604560A197DE}"/>
+                <a16:creationId xmlns:a16="http://schemas.microsoft.com/office/drawing/2014/main" id="{E643B867-EF57-9DCB-F666-05335AE911B0}"/>
               </a:ext>
             </a:extLst>
           </p:cNvPr>
@@ -5076,8 +5630,8 @@
         </p:nvSpPr>
         <p:spPr>
           <a:xfrm>
-            <a:off x="2972622" y="3491896"/>
-            <a:ext cx="1748668" cy="369332"/>
+            <a:off x="0" y="4757874"/>
+            <a:ext cx="9144000" cy="923330"/>
           </a:xfrm>
           <a:prstGeom prst="rect">
             <a:avLst/>
@@ -5085,24 +5639,39 @@
           <a:noFill/>
         </p:spPr>
         <p:txBody>
-          <a:bodyPr wrap="square" rtlCol="0">
+          <a:bodyPr wrap="square">
             <a:spAutoFit/>
           </a:bodyPr>
           <a:lstStyle/>
           <a:p>
-            <a:r>
-              <a:rPr lang="it-IT" dirty="0"/>
-              <a:t>Rebecca Parsons</a:t>
-            </a:r>
+            <a:pPr algn="ctr"/>
+            <a:r>
+              <a:rPr lang="en-IT" dirty="0"/>
+              <a:t>Trovate gli esempi al seguente indirizzo</a:t>
+            </a:r>
+          </a:p>
+          <a:p>
+            <a:pPr algn="ctr"/>
+            <a:endParaRPr lang="en-IT" dirty="0"/>
+          </a:p>
+          <a:p>
+            <a:pPr algn="ctr"/>
+            <a:r>
+              <a:rPr lang="en-IT" dirty="0">
+                <a:hlinkClick r:id="rId2"/>
+              </a:rPr>
+              <a:t>https://github.com/BrewUp/ModularArchitecture</a:t>
+            </a:r>
+            <a:endParaRPr lang="en-IT" dirty="0"/>
           </a:p>
         </p:txBody>
       </p:sp>
       <p:sp>
         <p:nvSpPr>
-          <p:cNvPr id="22" name="CasellaDiTesto 21">
+          <p:cNvPr id="6" name="CasellaDiTesto 9">
             <a:extLst>
               <a:ext uri="{FF2B5EF4-FFF2-40B4-BE49-F238E27FC236}">
-                <a16:creationId xmlns:a16="http://schemas.microsoft.com/office/drawing/2014/main" id="{685896C5-04F7-5102-2539-8CD62E9DD32E}"/>
+                <a16:creationId xmlns:a16="http://schemas.microsoft.com/office/drawing/2014/main" id="{07FB8F6F-3B22-4497-F7A5-4DFA2FDA3956}"/>
               </a:ext>
             </a:extLst>
           </p:cNvPr>
@@ -5111,8 +5680,8 @@
         </p:nvSpPr>
         <p:spPr>
           <a:xfrm>
-            <a:off x="2972622" y="3960851"/>
-            <a:ext cx="1916617" cy="646331"/>
+            <a:off x="1" y="2571254"/>
+            <a:ext cx="9143999" cy="1446550"/>
           </a:xfrm>
           <a:prstGeom prst="rect">
             <a:avLst/>
@@ -5125,150 +5694,37 @@
           </a:bodyPr>
           <a:lstStyle/>
           <a:p>
-            <a:r>
-              <a:rPr lang="it-IT" dirty="0"/>
-              <a:t>Patrick Kua &amp; </a:t>
-            </a:r>
-            <a:r>
-              <a:rPr lang="it-IT" dirty="0" err="1"/>
-              <a:t>Pramod</a:t>
-            </a:r>
-            <a:r>
-              <a:rPr lang="it-IT" dirty="0"/>
-              <a:t> </a:t>
-            </a:r>
-            <a:r>
-              <a:rPr lang="it-IT" dirty="0" err="1"/>
-              <a:t>Salage</a:t>
-            </a:r>
-            <a:endParaRPr lang="it-IT" dirty="0"/>
-          </a:p>
-        </p:txBody>
-      </p:sp>
-      <p:sp>
-        <p:nvSpPr>
-          <p:cNvPr id="23" name="Rettangolo con angoli arrotondati 22">
-            <a:extLst>
-              <a:ext uri="{FF2B5EF4-FFF2-40B4-BE49-F238E27FC236}">
-                <a16:creationId xmlns:a16="http://schemas.microsoft.com/office/drawing/2014/main" id="{FA6C3E79-0BB3-8B43-2265-5190320A2B73}"/>
-              </a:ext>
-            </a:extLst>
-          </p:cNvPr>
-          <p:cNvSpPr/>
-          <p:nvPr/>
-        </p:nvSpPr>
-        <p:spPr>
-          <a:xfrm>
-            <a:off x="4863896" y="2712708"/>
-            <a:ext cx="2523568" cy="3134877"/>
-          </a:xfrm>
-          <a:prstGeom prst="roundRect">
-            <a:avLst/>
-          </a:prstGeom>
-        </p:spPr>
-        <p:style>
-          <a:lnRef idx="2">
-            <a:schemeClr val="accent3">
-              <a:shade val="50000"/>
-            </a:schemeClr>
-          </a:lnRef>
-          <a:fillRef idx="1">
-            <a:schemeClr val="accent3"/>
-          </a:fillRef>
-          <a:effectRef idx="0">
-            <a:schemeClr val="accent3"/>
-          </a:effectRef>
-          <a:fontRef idx="minor">
-            <a:schemeClr val="lt1"/>
-          </a:fontRef>
-        </p:style>
-        <p:txBody>
-          <a:bodyPr rtlCol="0" anchor="ctr"/>
-          <a:lstStyle/>
-          <a:p>
             <a:pPr algn="ctr"/>
-            <a:endParaRPr lang="it-IT"/>
-          </a:p>
-        </p:txBody>
-      </p:sp>
-      <p:pic>
-        <p:nvPicPr>
-          <p:cNvPr id="26" name="Immagine 25">
-            <a:extLst>
-              <a:ext uri="{FF2B5EF4-FFF2-40B4-BE49-F238E27FC236}">
-                <a16:creationId xmlns:a16="http://schemas.microsoft.com/office/drawing/2014/main" id="{34A06E56-E6A2-1207-7C1D-05891231DD5B}"/>
-              </a:ext>
-            </a:extLst>
-          </p:cNvPr>
-          <p:cNvPicPr>
-            <a:picLocks noChangeAspect="1"/>
-          </p:cNvPicPr>
-          <p:nvPr/>
-        </p:nvPicPr>
-        <p:blipFill>
-          <a:blip r:embed="rId3"/>
-          <a:stretch>
-            <a:fillRect/>
-          </a:stretch>
-        </p:blipFill>
-        <p:spPr>
-          <a:xfrm>
-            <a:off x="5239959" y="3005206"/>
-            <a:ext cx="1916617" cy="2605401"/>
-          </a:xfrm>
-          <a:prstGeom prst="rect">
-            <a:avLst/>
-          </a:prstGeom>
-        </p:spPr>
-      </p:pic>
-      <p:sp>
-        <p:nvSpPr>
-          <p:cNvPr id="27" name="CasellaDiTesto 26">
-            <a:extLst>
-              <a:ext uri="{FF2B5EF4-FFF2-40B4-BE49-F238E27FC236}">
-                <a16:creationId xmlns:a16="http://schemas.microsoft.com/office/drawing/2014/main" id="{9E2FAC9A-3436-5B02-9C25-402B482B361D}"/>
-              </a:ext>
-            </a:extLst>
-          </p:cNvPr>
-          <p:cNvSpPr txBox="1"/>
-          <p:nvPr/>
-        </p:nvSpPr>
-        <p:spPr>
-          <a:xfrm>
-            <a:off x="2972621" y="4764398"/>
-            <a:ext cx="1916617" cy="369332"/>
-          </a:xfrm>
-          <a:prstGeom prst="rect">
-            <a:avLst/>
-          </a:prstGeom>
-          <a:noFill/>
-        </p:spPr>
-        <p:txBody>
-          <a:bodyPr wrap="square" rtlCol="0">
-            <a:spAutoFit/>
-          </a:bodyPr>
-          <a:lstStyle/>
-          <a:p>
-            <a:r>
-              <a:rPr lang="it-IT" dirty="0" err="1"/>
-              <a:t>Zhamak</a:t>
-            </a:r>
-            <a:r>
-              <a:rPr lang="it-IT" dirty="0"/>
-              <a:t> </a:t>
-            </a:r>
-            <a:r>
-              <a:rPr lang="it-IT" dirty="0" err="1"/>
-              <a:t>Dehghani</a:t>
-            </a:r>
-            <a:endParaRPr lang="it-IT" dirty="0"/>
+            <a:r>
+              <a:rPr lang="it-IT" sz="4400" dirty="0">
+                <a:solidFill>
+                  <a:schemeClr val="accent1">
+                    <a:lumMod val="75000"/>
+                  </a:schemeClr>
+                </a:solidFill>
+              </a:rPr>
+              <a:t>GRAZIE per l’attenzione</a:t>
+            </a:r>
+          </a:p>
+          <a:p>
+            <a:pPr algn="ctr"/>
+            <a:r>
+              <a:rPr lang="it-IT" sz="4400" dirty="0">
+                <a:solidFill>
+                  <a:schemeClr val="accent1">
+                    <a:lumMod val="75000"/>
+                  </a:schemeClr>
+                </a:solidFill>
+              </a:rPr>
+              <a:t>Claudio &amp; Alberto</a:t>
+            </a:r>
           </a:p>
         </p:txBody>
       </p:sp>
     </p:spTree>
     <p:extLst>
       <p:ext uri="{BB962C8B-B14F-4D97-AF65-F5344CB8AC3E}">
-        <p14:creationId xmlns:p14="http://schemas.microsoft.com/office/powerpoint/2010/main" val="3648000488"/>
+        <p14:creationId xmlns:p14="http://schemas.microsoft.com/office/powerpoint/2010/main" val="2233349423"/>
       </p:ext>
     </p:extLst>
   </p:cSld>
@@ -5297,60 +5753,10 @@
       </p:grpSpPr>
       <p:sp>
         <p:nvSpPr>
-          <p:cNvPr id="8" name="Titolo 7">
+          <p:cNvPr id="2" name="Ritardo 5">
             <a:extLst>
               <a:ext uri="{FF2B5EF4-FFF2-40B4-BE49-F238E27FC236}">
-                <a16:creationId xmlns:a16="http://schemas.microsoft.com/office/drawing/2014/main" id="{181722DB-7AF5-1EAF-B0A7-E050A942D89C}"/>
-              </a:ext>
-            </a:extLst>
-          </p:cNvPr>
-          <p:cNvSpPr>
-            <a:spLocks noGrp="1"/>
-          </p:cNvSpPr>
-          <p:nvPr>
-            <p:ph type="ctrTitle" idx="4294967295"/>
-          </p:nvPr>
-        </p:nvSpPr>
-        <p:spPr>
-          <a:xfrm>
-            <a:off x="0" y="390525"/>
-            <a:ext cx="8181975" cy="1509713"/>
-          </a:xfrm>
-          <a:prstGeom prst="rect">
-            <a:avLst/>
-          </a:prstGeom>
-        </p:spPr>
-        <p:txBody>
-          <a:bodyPr vert="horz" lIns="91440" tIns="45720" rIns="91440" bIns="45720" rtlCol="0" anchor="ctr">
-            <a:normAutofit/>
-          </a:bodyPr>
-          <a:lstStyle/>
-          <a:p>
-            <a:pPr algn="ctr">
-              <a:lnSpc>
-                <a:spcPct val="90000"/>
-              </a:lnSpc>
-            </a:pPr>
-            <a:r>
-              <a:rPr lang="en-US" sz="5700" kern="1200">
-                <a:solidFill>
-                  <a:srgbClr val="FFFFFF"/>
-                </a:solidFill>
-                <a:latin typeface="+mj-lt"/>
-                <a:ea typeface="+mj-ea"/>
-                <a:cs typeface="+mj-cs"/>
-              </a:rPr>
-              <a:t>All we need is Data!</a:t>
-            </a:r>
-          </a:p>
-        </p:txBody>
-      </p:sp>
-      <p:sp>
-        <p:nvSpPr>
-          <p:cNvPr id="9" name="Ritardo 8">
-            <a:extLst>
-              <a:ext uri="{FF2B5EF4-FFF2-40B4-BE49-F238E27FC236}">
-                <a16:creationId xmlns:a16="http://schemas.microsoft.com/office/drawing/2014/main" id="{27D85DE3-1ABD-C403-E81E-67388DCF935E}"/>
+                <a16:creationId xmlns:a16="http://schemas.microsoft.com/office/drawing/2014/main" id="{D50ADE11-CB25-7858-C1C4-908319791832}"/>
               </a:ext>
             </a:extLst>
           </p:cNvPr>
@@ -5359,13 +5765,13 @@
         </p:nvSpPr>
         <p:spPr>
           <a:xfrm rot="5400000">
-            <a:off x="3778896" y="-3778897"/>
-            <a:ext cx="1586204" cy="9143999"/>
+            <a:off x="3852000" y="-3851999"/>
+            <a:ext cx="1440000" cy="9143999"/>
           </a:xfrm>
           <a:prstGeom prst="flowChartDelay">
             <a:avLst/>
           </a:prstGeom>
-          <a:gradFill flip="none" rotWithShape="1">
+          <a:gradFill>
             <a:gsLst>
               <a:gs pos="0">
                 <a:schemeClr val="accent5">
@@ -5387,7 +5793,6 @@
               </a:gs>
             </a:gsLst>
             <a:lin ang="8100000" scaled="1"/>
-            <a:tileRect/>
           </a:gradFill>
           <a:effectLst>
             <a:innerShdw blurRad="63500" dist="50800" dir="13500000">
@@ -5414,62 +5819,15 @@
           </a:fontRef>
         </p:style>
         <p:txBody>
-          <a:bodyPr rtlCol="0" anchor="ctr"/>
+          <a:bodyPr vert="vert270" rtlCol="0" anchor="ctr" anchorCtr="1"/>
           <a:lstStyle/>
           <a:p>
             <a:pPr algn="ctr"/>
-            <a:endParaRPr lang="it-IT" sz="2800" dirty="0"/>
-          </a:p>
-        </p:txBody>
-      </p:sp>
-      <p:sp>
-        <p:nvSpPr>
-          <p:cNvPr id="11" name="CasellaDiTesto 10">
-            <a:extLst>
-              <a:ext uri="{FF2B5EF4-FFF2-40B4-BE49-F238E27FC236}">
-                <a16:creationId xmlns:a16="http://schemas.microsoft.com/office/drawing/2014/main" id="{C1DE2121-BA8C-8FFD-EAEF-85591B54D13C}"/>
-              </a:ext>
-            </a:extLst>
-          </p:cNvPr>
-          <p:cNvSpPr txBox="1"/>
-          <p:nvPr/>
-        </p:nvSpPr>
-        <p:spPr>
-          <a:xfrm>
-            <a:off x="2" y="87843"/>
-            <a:ext cx="9143998" cy="769441"/>
-          </a:xfrm>
-          <a:prstGeom prst="rect">
-            <a:avLst/>
-          </a:prstGeom>
-          <a:noFill/>
-        </p:spPr>
-        <p:txBody>
-          <a:bodyPr wrap="square" rtlCol="0">
-            <a:spAutoFit/>
-          </a:bodyPr>
-          <a:lstStyle/>
-          <a:p>
-            <a:pPr algn="ctr"/>
-            <a:r>
-              <a:rPr lang="it-IT" sz="4400" dirty="0" err="1">
-                <a:solidFill>
-                  <a:schemeClr val="bg1"/>
-                </a:solidFill>
-                <a:latin typeface="Open Sans" panose="020B0606030504020204" pitchFamily="34" charset="0"/>
-                <a:ea typeface="Open Sans" panose="020B0606030504020204" pitchFamily="34" charset="0"/>
-                <a:cs typeface="Open Sans" panose="020B0606030504020204" pitchFamily="34" charset="0"/>
-              </a:rPr>
+            <a:r>
+              <a:rPr lang="it-IT" sz="4000" dirty="0" err="1"/>
               <a:t>Monolithic</a:t>
             </a:r>
-            <a:endParaRPr lang="it-IT" sz="4400" dirty="0">
-              <a:solidFill>
-                <a:schemeClr val="bg1"/>
-              </a:solidFill>
-              <a:latin typeface="Open Sans" panose="020B0606030504020204" pitchFamily="34" charset="0"/>
-              <a:ea typeface="Open Sans" panose="020B0606030504020204" pitchFamily="34" charset="0"/>
-              <a:cs typeface="Open Sans" panose="020B0606030504020204" pitchFamily="34" charset="0"/>
-            </a:endParaRPr>
+            <a:endParaRPr lang="it-IT" sz="4000" dirty="0"/>
           </a:p>
         </p:txBody>
       </p:sp>
@@ -5487,8 +5845,8 @@
         </p:nvSpPr>
         <p:spPr>
           <a:xfrm>
-            <a:off x="1516372" y="1888887"/>
-            <a:ext cx="6665603" cy="4116160"/>
+            <a:off x="900000" y="1800000"/>
+            <a:ext cx="7200000" cy="3960000"/>
           </a:xfrm>
           <a:prstGeom prst="flowChartMagneticTape">
             <a:avLst/>
@@ -5521,144 +5879,141 @@
             <a:pPr algn="ctr"/>
             <a:r>
               <a:rPr lang="it-IT" sz="2800" dirty="0"/>
-              <a:t>A </a:t>
-            </a:r>
-            <a:r>
-              <a:rPr lang="it-IT" sz="2800" dirty="0" err="1"/>
-              <a:t>monolithic</a:t>
-            </a:r>
-            <a:r>
-              <a:rPr lang="it-IT" sz="2800" dirty="0"/>
-              <a:t> </a:t>
-            </a:r>
-            <a:r>
-              <a:rPr lang="it-IT" sz="2800" dirty="0" err="1"/>
-              <a:t>architecture</a:t>
-            </a:r>
-            <a:r>
-              <a:rPr lang="it-IT" sz="2800" dirty="0"/>
-              <a:t> </a:t>
-            </a:r>
-            <a:r>
-              <a:rPr lang="it-IT" sz="2800" dirty="0" err="1"/>
-              <a:t>is</a:t>
-            </a:r>
-            <a:r>
-              <a:rPr lang="it-IT" sz="2800" dirty="0"/>
-              <a:t> a </a:t>
-            </a:r>
-            <a:r>
-              <a:rPr lang="it-IT" sz="2800" dirty="0" err="1"/>
-              <a:t>traditional</a:t>
-            </a:r>
-            <a:r>
-              <a:rPr lang="it-IT" sz="2800" dirty="0"/>
-              <a:t> model of a software </a:t>
-            </a:r>
-            <a:r>
-              <a:rPr lang="it-IT" sz="2800" dirty="0" err="1"/>
-              <a:t>program</a:t>
-            </a:r>
-            <a:r>
-              <a:rPr lang="it-IT" sz="2800" dirty="0"/>
-              <a:t>, </a:t>
-            </a:r>
-            <a:r>
-              <a:rPr lang="it-IT" sz="2800" dirty="0" err="1"/>
-              <a:t>which</a:t>
-            </a:r>
-            <a:r>
-              <a:rPr lang="it-IT" sz="2800" dirty="0"/>
-              <a:t> </a:t>
-            </a:r>
-            <a:r>
-              <a:rPr lang="it-IT" sz="2800" dirty="0" err="1"/>
-              <a:t>is</a:t>
-            </a:r>
-            <a:r>
-              <a:rPr lang="it-IT" sz="2800" dirty="0"/>
-              <a:t> </a:t>
-            </a:r>
-            <a:r>
-              <a:rPr lang="it-IT" sz="2800" dirty="0" err="1"/>
-              <a:t>built</a:t>
-            </a:r>
-            <a:r>
-              <a:rPr lang="it-IT" sz="2800" dirty="0"/>
-              <a:t> </a:t>
-            </a:r>
-            <a:r>
-              <a:rPr lang="it-IT" sz="2800" dirty="0" err="1"/>
-              <a:t>as</a:t>
-            </a:r>
-            <a:r>
-              <a:rPr lang="it-IT" sz="2800" dirty="0"/>
-              <a:t> a </a:t>
-            </a:r>
-            <a:r>
-              <a:rPr lang="it-IT" sz="2800" dirty="0" err="1"/>
-              <a:t>unfied</a:t>
-            </a:r>
-            <a:r>
-              <a:rPr lang="it-IT" sz="2800" dirty="0"/>
-              <a:t> </a:t>
-            </a:r>
-            <a:r>
-              <a:rPr lang="it-IT" sz="2800" dirty="0" err="1"/>
-              <a:t>unit</a:t>
-            </a:r>
-            <a:r>
-              <a:rPr lang="it-IT" sz="2800" dirty="0"/>
-              <a:t> </a:t>
-            </a:r>
-            <a:r>
-              <a:rPr lang="it-IT" sz="2800" dirty="0" err="1"/>
-              <a:t>that</a:t>
-            </a:r>
-            <a:r>
-              <a:rPr lang="it-IT" sz="2800" dirty="0"/>
-              <a:t> </a:t>
-            </a:r>
-            <a:r>
-              <a:rPr lang="it-IT" sz="2800" dirty="0" err="1"/>
-              <a:t>is</a:t>
-            </a:r>
-            <a:r>
-              <a:rPr lang="it-IT" sz="2800" dirty="0"/>
-              <a:t> self-</a:t>
-            </a:r>
-            <a:r>
-              <a:rPr lang="it-IT" sz="2800" dirty="0" err="1"/>
-              <a:t>contained</a:t>
-            </a:r>
-            <a:r>
-              <a:rPr lang="it-IT" sz="2800" dirty="0"/>
-              <a:t> and </a:t>
-            </a:r>
-            <a:r>
-              <a:rPr lang="it-IT" sz="2800" dirty="0" err="1"/>
-              <a:t>independent</a:t>
-            </a:r>
-            <a:r>
-              <a:rPr lang="it-IT" sz="2800" dirty="0"/>
-              <a:t> from </a:t>
-            </a:r>
-            <a:r>
-              <a:rPr lang="it-IT" sz="2800" dirty="0" err="1"/>
-              <a:t>other</a:t>
-            </a:r>
-            <a:r>
-              <a:rPr lang="it-IT" sz="2800" dirty="0"/>
-              <a:t> </a:t>
-            </a:r>
-            <a:r>
-              <a:rPr lang="it-IT" sz="2800" dirty="0" err="1"/>
-              <a:t>applications</a:t>
-            </a:r>
-            <a:r>
-              <a:rPr lang="it-IT" sz="3200" dirty="0"/>
-              <a:t>.</a:t>
-            </a:r>
+              <a:t>Un'architettura monolitica è un modello tradizionale di programma software, costruito come un'unità indipendente e autonoma da altre applicazioni.</a:t>
+            </a:r>
+            <a:endParaRPr lang="it-IT" sz="3200" dirty="0"/>
+          </a:p>
+        </p:txBody>
+      </p:sp>
+      <p:sp>
+        <p:nvSpPr>
+          <p:cNvPr id="6" name="Segnaposto piè di pagina 3">
+            <a:extLst>
+              <a:ext uri="{FF2B5EF4-FFF2-40B4-BE49-F238E27FC236}">
+                <a16:creationId xmlns:a16="http://schemas.microsoft.com/office/drawing/2014/main" id="{9C86A0D7-CED6-F13A-89AE-1448874F471A}"/>
+              </a:ext>
+            </a:extLst>
+          </p:cNvPr>
+          <p:cNvSpPr txBox="1">
+            <a:spLocks/>
+          </p:cNvSpPr>
+          <p:nvPr/>
+        </p:nvSpPr>
+        <p:spPr>
+          <a:xfrm>
+            <a:off x="366122" y="6286803"/>
+            <a:ext cx="7196162" cy="519112"/>
+          </a:xfrm>
+          <a:prstGeom prst="rect">
+            <a:avLst/>
+          </a:prstGeom>
+        </p:spPr>
+        <p:txBody>
+          <a:bodyPr/>
+          <a:lstStyle>
+            <a:defPPr>
+              <a:defRPr lang="it-IT"/>
+            </a:defPPr>
+            <a:lvl1pPr marL="0" algn="l" defTabSz="914400" rtl="0" eaLnBrk="1" latinLnBrk="0" hangingPunct="1">
+              <a:defRPr sz="1800" kern="1200">
+                <a:solidFill>
+                  <a:schemeClr val="tx1"/>
+                </a:solidFill>
+                <a:latin typeface="+mn-lt"/>
+                <a:ea typeface="+mn-ea"/>
+                <a:cs typeface="+mn-cs"/>
+              </a:defRPr>
+            </a:lvl1pPr>
+            <a:lvl2pPr marL="457200" algn="l" defTabSz="914400" rtl="0" eaLnBrk="1" latinLnBrk="0" hangingPunct="1">
+              <a:defRPr sz="1800" kern="1200">
+                <a:solidFill>
+                  <a:schemeClr val="tx1"/>
+                </a:solidFill>
+                <a:latin typeface="+mn-lt"/>
+                <a:ea typeface="+mn-ea"/>
+                <a:cs typeface="+mn-cs"/>
+              </a:defRPr>
+            </a:lvl2pPr>
+            <a:lvl3pPr marL="914400" algn="l" defTabSz="914400" rtl="0" eaLnBrk="1" latinLnBrk="0" hangingPunct="1">
+              <a:defRPr sz="1800" kern="1200">
+                <a:solidFill>
+                  <a:schemeClr val="tx1"/>
+                </a:solidFill>
+                <a:latin typeface="+mn-lt"/>
+                <a:ea typeface="+mn-ea"/>
+                <a:cs typeface="+mn-cs"/>
+              </a:defRPr>
+            </a:lvl3pPr>
+            <a:lvl4pPr marL="1371600" algn="l" defTabSz="914400" rtl="0" eaLnBrk="1" latinLnBrk="0" hangingPunct="1">
+              <a:defRPr sz="1800" kern="1200">
+                <a:solidFill>
+                  <a:schemeClr val="tx1"/>
+                </a:solidFill>
+                <a:latin typeface="+mn-lt"/>
+                <a:ea typeface="+mn-ea"/>
+                <a:cs typeface="+mn-cs"/>
+              </a:defRPr>
+            </a:lvl4pPr>
+            <a:lvl5pPr marL="1828800" algn="l" defTabSz="914400" rtl="0" eaLnBrk="1" latinLnBrk="0" hangingPunct="1">
+              <a:defRPr sz="1800" kern="1200">
+                <a:solidFill>
+                  <a:schemeClr val="tx1"/>
+                </a:solidFill>
+                <a:latin typeface="+mn-lt"/>
+                <a:ea typeface="+mn-ea"/>
+                <a:cs typeface="+mn-cs"/>
+              </a:defRPr>
+            </a:lvl5pPr>
+            <a:lvl6pPr marL="2286000" algn="l" defTabSz="914400" rtl="0" eaLnBrk="1" latinLnBrk="0" hangingPunct="1">
+              <a:defRPr sz="1800" kern="1200">
+                <a:solidFill>
+                  <a:schemeClr val="tx1"/>
+                </a:solidFill>
+                <a:latin typeface="+mn-lt"/>
+                <a:ea typeface="+mn-ea"/>
+                <a:cs typeface="+mn-cs"/>
+              </a:defRPr>
+            </a:lvl6pPr>
+            <a:lvl7pPr marL="2743200" algn="l" defTabSz="914400" rtl="0" eaLnBrk="1" latinLnBrk="0" hangingPunct="1">
+              <a:defRPr sz="1800" kern="1200">
+                <a:solidFill>
+                  <a:schemeClr val="tx1"/>
+                </a:solidFill>
+                <a:latin typeface="+mn-lt"/>
+                <a:ea typeface="+mn-ea"/>
+                <a:cs typeface="+mn-cs"/>
+              </a:defRPr>
+            </a:lvl7pPr>
+            <a:lvl8pPr marL="3200400" algn="l" defTabSz="914400" rtl="0" eaLnBrk="1" latinLnBrk="0" hangingPunct="1">
+              <a:defRPr sz="1800" kern="1200">
+                <a:solidFill>
+                  <a:schemeClr val="tx1"/>
+                </a:solidFill>
+                <a:latin typeface="+mn-lt"/>
+                <a:ea typeface="+mn-ea"/>
+                <a:cs typeface="+mn-cs"/>
+              </a:defRPr>
+            </a:lvl8pPr>
+            <a:lvl9pPr marL="3657600" algn="l" defTabSz="914400" rtl="0" eaLnBrk="1" latinLnBrk="0" hangingPunct="1">
+              <a:defRPr sz="1800" kern="1200">
+                <a:solidFill>
+                  <a:schemeClr val="tx1"/>
+                </a:solidFill>
+                <a:latin typeface="+mn-lt"/>
+                <a:ea typeface="+mn-ea"/>
+                <a:cs typeface="+mn-cs"/>
+              </a:defRPr>
+            </a:lvl9pPr>
+          </a:lstStyle>
+          <a:p>
+            <a:pPr>
+              <a:defRPr/>
+            </a:pPr>
+            <a:r>
+              <a:rPr lang="it-IT" altLang="en-US" dirty="0"/>
+              <a:t>i3Camp - 3 Ottobre 2023</a:t>
+            </a:r>
+            <a:endParaRPr lang="en-US" altLang="en-US" dirty="0"/>
           </a:p>
         </p:txBody>
       </p:sp>
@@ -5694,60 +6049,10 @@
       </p:grpSpPr>
       <p:sp>
         <p:nvSpPr>
-          <p:cNvPr id="8" name="Titolo 7">
+          <p:cNvPr id="2" name="Ritardo 5">
             <a:extLst>
               <a:ext uri="{FF2B5EF4-FFF2-40B4-BE49-F238E27FC236}">
-                <a16:creationId xmlns:a16="http://schemas.microsoft.com/office/drawing/2014/main" id="{181722DB-7AF5-1EAF-B0A7-E050A942D89C}"/>
-              </a:ext>
-            </a:extLst>
-          </p:cNvPr>
-          <p:cNvSpPr>
-            <a:spLocks noGrp="1"/>
-          </p:cNvSpPr>
-          <p:nvPr>
-            <p:ph type="ctrTitle" idx="4294967295"/>
-          </p:nvPr>
-        </p:nvSpPr>
-        <p:spPr>
-          <a:xfrm>
-            <a:off x="0" y="390525"/>
-            <a:ext cx="8181975" cy="1509713"/>
-          </a:xfrm>
-          <a:prstGeom prst="rect">
-            <a:avLst/>
-          </a:prstGeom>
-        </p:spPr>
-        <p:txBody>
-          <a:bodyPr vert="horz" lIns="91440" tIns="45720" rIns="91440" bIns="45720" rtlCol="0" anchor="ctr">
-            <a:normAutofit/>
-          </a:bodyPr>
-          <a:lstStyle/>
-          <a:p>
-            <a:pPr algn="ctr">
-              <a:lnSpc>
-                <a:spcPct val="90000"/>
-              </a:lnSpc>
-            </a:pPr>
-            <a:r>
-              <a:rPr lang="en-US" sz="5700" kern="1200">
-                <a:solidFill>
-                  <a:srgbClr val="FFFFFF"/>
-                </a:solidFill>
-                <a:latin typeface="+mj-lt"/>
-                <a:ea typeface="+mj-ea"/>
-                <a:cs typeface="+mj-cs"/>
-              </a:rPr>
-              <a:t>All we need is Data!</a:t>
-            </a:r>
-          </a:p>
-        </p:txBody>
-      </p:sp>
-      <p:sp>
-        <p:nvSpPr>
-          <p:cNvPr id="9" name="Ritardo 8">
-            <a:extLst>
-              <a:ext uri="{FF2B5EF4-FFF2-40B4-BE49-F238E27FC236}">
-                <a16:creationId xmlns:a16="http://schemas.microsoft.com/office/drawing/2014/main" id="{27D85DE3-1ABD-C403-E81E-67388DCF935E}"/>
+                <a16:creationId xmlns:a16="http://schemas.microsoft.com/office/drawing/2014/main" id="{A9EF342B-BFB3-8E48-AD05-3CB0FD706B4F}"/>
               </a:ext>
             </a:extLst>
           </p:cNvPr>
@@ -5756,13 +6061,13 @@
         </p:nvSpPr>
         <p:spPr>
           <a:xfrm rot="5400000">
-            <a:off x="3778896" y="-3778897"/>
-            <a:ext cx="1586204" cy="9143999"/>
+            <a:off x="3852000" y="-3852000"/>
+            <a:ext cx="1440000" cy="9143999"/>
           </a:xfrm>
           <a:prstGeom prst="flowChartDelay">
             <a:avLst/>
           </a:prstGeom>
-          <a:gradFill flip="none" rotWithShape="1">
+          <a:gradFill>
             <a:gsLst>
               <a:gs pos="0">
                 <a:schemeClr val="accent5">
@@ -5784,7 +6089,6 @@
               </a:gs>
             </a:gsLst>
             <a:lin ang="8100000" scaled="1"/>
-            <a:tileRect/>
           </a:gradFill>
           <a:effectLst>
             <a:innerShdw blurRad="63500" dist="50800" dir="13500000">
@@ -5811,62 +6115,15 @@
           </a:fontRef>
         </p:style>
         <p:txBody>
-          <a:bodyPr rtlCol="0" anchor="ctr"/>
+          <a:bodyPr vert="vert270" rtlCol="0" anchor="ctr" anchorCtr="1"/>
           <a:lstStyle/>
           <a:p>
             <a:pPr algn="ctr"/>
-            <a:endParaRPr lang="it-IT" sz="2800" dirty="0"/>
-          </a:p>
-        </p:txBody>
-      </p:sp>
-      <p:sp>
-        <p:nvSpPr>
-          <p:cNvPr id="11" name="CasellaDiTesto 10">
-            <a:extLst>
-              <a:ext uri="{FF2B5EF4-FFF2-40B4-BE49-F238E27FC236}">
-                <a16:creationId xmlns:a16="http://schemas.microsoft.com/office/drawing/2014/main" id="{C1DE2121-BA8C-8FFD-EAEF-85591B54D13C}"/>
-              </a:ext>
-            </a:extLst>
-          </p:cNvPr>
-          <p:cNvSpPr txBox="1"/>
-          <p:nvPr/>
-        </p:nvSpPr>
-        <p:spPr>
-          <a:xfrm>
-            <a:off x="2" y="87843"/>
-            <a:ext cx="9143998" cy="769441"/>
-          </a:xfrm>
-          <a:prstGeom prst="rect">
-            <a:avLst/>
-          </a:prstGeom>
-          <a:noFill/>
-        </p:spPr>
-        <p:txBody>
-          <a:bodyPr wrap="square" rtlCol="0">
-            <a:spAutoFit/>
-          </a:bodyPr>
-          <a:lstStyle/>
-          <a:p>
-            <a:pPr algn="ctr"/>
-            <a:r>
-              <a:rPr lang="it-IT" sz="4400" dirty="0" err="1">
-                <a:solidFill>
-                  <a:schemeClr val="bg1"/>
-                </a:solidFill>
-                <a:latin typeface="Open Sans" panose="020B0606030504020204" pitchFamily="34" charset="0"/>
-                <a:ea typeface="Open Sans" panose="020B0606030504020204" pitchFamily="34" charset="0"/>
-                <a:cs typeface="Open Sans" panose="020B0606030504020204" pitchFamily="34" charset="0"/>
-              </a:rPr>
+            <a:r>
+              <a:rPr lang="it-IT" sz="4000" dirty="0" err="1"/>
               <a:t>Microservices</a:t>
             </a:r>
-            <a:endParaRPr lang="it-IT" sz="4400" dirty="0">
-              <a:solidFill>
-                <a:schemeClr val="bg1"/>
-              </a:solidFill>
-              <a:latin typeface="Open Sans" panose="020B0606030504020204" pitchFamily="34" charset="0"/>
-              <a:ea typeface="Open Sans" panose="020B0606030504020204" pitchFamily="34" charset="0"/>
-              <a:cs typeface="Open Sans" panose="020B0606030504020204" pitchFamily="34" charset="0"/>
-            </a:endParaRPr>
+            <a:endParaRPr lang="it-IT" sz="4000" dirty="0"/>
           </a:p>
         </p:txBody>
       </p:sp>
@@ -5884,8 +6141,8 @@
         </p:nvSpPr>
         <p:spPr>
           <a:xfrm>
-            <a:off x="1516372" y="1888887"/>
-            <a:ext cx="6665603" cy="4116160"/>
+            <a:off x="900000" y="1800000"/>
+            <a:ext cx="7200000" cy="3960000"/>
           </a:xfrm>
           <a:prstGeom prst="flowChartMagneticTape">
             <a:avLst/>
@@ -5912,37 +6169,25 @@
           </a:fontRef>
         </p:style>
         <p:txBody>
-          <a:bodyPr rtlCol="0" anchor="ctr"/>
+          <a:bodyPr lIns="90000" rtlCol="0" anchor="ctr"/>
           <a:lstStyle/>
           <a:p>
             <a:pPr algn="ctr"/>
             <a:r>
+              <a:rPr lang="it-IT" sz="2800" dirty="0"/>
+              <a:t>I micro servizi sono piccoli servizi autonomi che gestiscono funzioni specifiche di </a:t>
+            </a:r>
+            <a:r>
               <a:rPr lang="it-IT" sz="2800" dirty="0" err="1"/>
-              <a:t>Microservices</a:t>
+              <a:t>budiness</a:t>
             </a:r>
             <a:r>
               <a:rPr lang="it-IT" sz="2800" dirty="0"/>
-              <a:t> are self-</a:t>
+              <a:t> all'interno di confini chiaramente definiti, noti come </a:t>
             </a:r>
             <a:r>
               <a:rPr lang="it-IT" sz="2800" dirty="0" err="1"/>
-              <a:t>contained</a:t>
-            </a:r>
-            <a:r>
-              <a:rPr lang="it-IT" sz="2800" dirty="0"/>
-              <a:t> small services </a:t>
-            </a:r>
-            <a:r>
-              <a:rPr lang="it-IT" sz="2800" dirty="0" err="1"/>
-              <a:t>that</a:t>
-            </a:r>
-            <a:r>
-              <a:rPr lang="it-IT" sz="2800" dirty="0"/>
-              <a:t> handle </a:t>
-            </a:r>
-            <a:r>
-              <a:rPr lang="it-IT" sz="2800" dirty="0" err="1"/>
-              <a:t>specific</a:t>
+              <a:t>Bounded</a:t>
             </a:r>
             <a:r>
               <a:rPr lang="it-IT" sz="2800" dirty="0"/>
@@ -5950,84 +6195,145 @@
             </a:r>
             <a:r>
               <a:rPr lang="it-IT" sz="2800" dirty="0" err="1"/>
-              <a:t>budiness</a:t>
+              <a:t>Context</a:t>
             </a:r>
             <a:r>
               <a:rPr lang="it-IT" sz="2800" dirty="0"/>
-              <a:t> </a:t>
-            </a:r>
-            <a:r>
-              <a:rPr lang="it-IT" sz="2800" dirty="0" err="1"/>
-              <a:t>functions</a:t>
-            </a:r>
-            <a:r>
-              <a:rPr lang="it-IT" sz="2800" dirty="0"/>
-              <a:t> </a:t>
-            </a:r>
-            <a:r>
-              <a:rPr lang="it-IT" sz="2800" dirty="0" err="1"/>
-              <a:t>within</a:t>
-            </a:r>
-            <a:r>
-              <a:rPr lang="it-IT" sz="2800" dirty="0"/>
-              <a:t> </a:t>
-            </a:r>
-            <a:r>
-              <a:rPr lang="it-IT" sz="2800" dirty="0" err="1"/>
-              <a:t>clearly</a:t>
-            </a:r>
-            <a:r>
-              <a:rPr lang="it-IT" sz="2800" dirty="0"/>
-              <a:t> </a:t>
-            </a:r>
-            <a:r>
-              <a:rPr lang="it-IT" sz="2800" dirty="0" err="1"/>
-              <a:t>defined</a:t>
-            </a:r>
-            <a:r>
-              <a:rPr lang="it-IT" sz="2800" dirty="0"/>
-              <a:t> </a:t>
-            </a:r>
-            <a:r>
-              <a:rPr lang="it-IT" sz="2800" dirty="0" err="1"/>
-              <a:t>boundaries</a:t>
-            </a:r>
-            <a:r>
-              <a:rPr lang="it-IT" sz="2800" dirty="0"/>
-              <a:t> </a:t>
-            </a:r>
-            <a:r>
-              <a:rPr lang="it-IT" sz="2800" dirty="0" err="1"/>
-              <a:t>known</a:t>
-            </a:r>
-            <a:r>
-              <a:rPr lang="it-IT" sz="2800" dirty="0"/>
-              <a:t> </a:t>
-            </a:r>
-            <a:r>
-              <a:rPr lang="it-IT" sz="2800" dirty="0" err="1"/>
-              <a:t>as</a:t>
-            </a:r>
-            <a:r>
-              <a:rPr lang="it-IT" sz="2800" dirty="0"/>
-              <a:t> </a:t>
-            </a:r>
-            <a:r>
-              <a:rPr lang="it-IT" sz="2800" dirty="0" err="1"/>
-              <a:t>Bounded</a:t>
-            </a:r>
-            <a:r>
-              <a:rPr lang="it-IT" sz="2800" dirty="0"/>
-              <a:t> </a:t>
-            </a:r>
-            <a:r>
-              <a:rPr lang="it-IT" sz="2800" dirty="0" err="1"/>
-              <a:t>Context</a:t>
-            </a:r>
-            <a:r>
-              <a:rPr lang="it-IT" sz="3200" dirty="0"/>
               <a:t>.</a:t>
             </a:r>
+            <a:endParaRPr lang="it-IT" sz="3200" dirty="0"/>
+          </a:p>
+        </p:txBody>
+      </p:sp>
+      <p:sp>
+        <p:nvSpPr>
+          <p:cNvPr id="3" name="Segnaposto piè di pagina 3">
+            <a:extLst>
+              <a:ext uri="{FF2B5EF4-FFF2-40B4-BE49-F238E27FC236}">
+                <a16:creationId xmlns:a16="http://schemas.microsoft.com/office/drawing/2014/main" id="{55982B25-E585-AEC0-CB65-5FD486291FF2}"/>
+              </a:ext>
+            </a:extLst>
+          </p:cNvPr>
+          <p:cNvSpPr txBox="1">
+            <a:spLocks/>
+          </p:cNvSpPr>
+          <p:nvPr/>
+        </p:nvSpPr>
+        <p:spPr>
+          <a:xfrm>
+            <a:off x="366122" y="6286803"/>
+            <a:ext cx="7196162" cy="519112"/>
+          </a:xfrm>
+          <a:prstGeom prst="rect">
+            <a:avLst/>
+          </a:prstGeom>
+        </p:spPr>
+        <p:txBody>
+          <a:bodyPr/>
+          <a:lstStyle>
+            <a:defPPr>
+              <a:defRPr lang="it-IT"/>
+            </a:defPPr>
+            <a:lvl1pPr marL="0" algn="l" defTabSz="914400" rtl="0" eaLnBrk="1" latinLnBrk="0" hangingPunct="1">
+              <a:defRPr sz="1800" kern="1200">
+                <a:solidFill>
+                  <a:schemeClr val="tx1"/>
+                </a:solidFill>
+                <a:latin typeface="+mn-lt"/>
+                <a:ea typeface="+mn-ea"/>
+                <a:cs typeface="+mn-cs"/>
+              </a:defRPr>
+            </a:lvl1pPr>
+            <a:lvl2pPr marL="457200" algn="l" defTabSz="914400" rtl="0" eaLnBrk="1" latinLnBrk="0" hangingPunct="1">
+              <a:defRPr sz="1800" kern="1200">
+                <a:solidFill>
+                  <a:schemeClr val="tx1"/>
+                </a:solidFill>
+                <a:latin typeface="+mn-lt"/>
+                <a:ea typeface="+mn-ea"/>
+                <a:cs typeface="+mn-cs"/>
+              </a:defRPr>
+            </a:lvl2pPr>
+            <a:lvl3pPr marL="914400" algn="l" defTabSz="914400" rtl="0" eaLnBrk="1" latinLnBrk="0" hangingPunct="1">
+              <a:defRPr sz="1800" kern="1200">
+                <a:solidFill>
+                  <a:schemeClr val="tx1"/>
+                </a:solidFill>
+                <a:latin typeface="+mn-lt"/>
+                <a:ea typeface="+mn-ea"/>
+                <a:cs typeface="+mn-cs"/>
+              </a:defRPr>
+            </a:lvl3pPr>
+            <a:lvl4pPr marL="1371600" algn="l" defTabSz="914400" rtl="0" eaLnBrk="1" latinLnBrk="0" hangingPunct="1">
+              <a:defRPr sz="1800" kern="1200">
+                <a:solidFill>
+                  <a:schemeClr val="tx1"/>
+                </a:solidFill>
+                <a:latin typeface="+mn-lt"/>
+                <a:ea typeface="+mn-ea"/>
+                <a:cs typeface="+mn-cs"/>
+              </a:defRPr>
+            </a:lvl4pPr>
+            <a:lvl5pPr marL="1828800" algn="l" defTabSz="914400" rtl="0" eaLnBrk="1" latinLnBrk="0" hangingPunct="1">
+              <a:defRPr sz="1800" kern="1200">
+                <a:solidFill>
+                  <a:schemeClr val="tx1"/>
+                </a:solidFill>
+                <a:latin typeface="+mn-lt"/>
+                <a:ea typeface="+mn-ea"/>
+                <a:cs typeface="+mn-cs"/>
+              </a:defRPr>
+            </a:lvl5pPr>
+            <a:lvl6pPr marL="2286000" algn="l" defTabSz="914400" rtl="0" eaLnBrk="1" latinLnBrk="0" hangingPunct="1">
+              <a:defRPr sz="1800" kern="1200">
+                <a:solidFill>
+                  <a:schemeClr val="tx1"/>
+                </a:solidFill>
+                <a:latin typeface="+mn-lt"/>
+                <a:ea typeface="+mn-ea"/>
+                <a:cs typeface="+mn-cs"/>
+              </a:defRPr>
+            </a:lvl6pPr>
+            <a:lvl7pPr marL="2743200" algn="l" defTabSz="914400" rtl="0" eaLnBrk="1" latinLnBrk="0" hangingPunct="1">
+              <a:defRPr sz="1800" kern="1200">
+                <a:solidFill>
+                  <a:schemeClr val="tx1"/>
+                </a:solidFill>
+                <a:latin typeface="+mn-lt"/>
+                <a:ea typeface="+mn-ea"/>
+                <a:cs typeface="+mn-cs"/>
+              </a:defRPr>
+            </a:lvl7pPr>
+            <a:lvl8pPr marL="3200400" algn="l" defTabSz="914400" rtl="0" eaLnBrk="1" latinLnBrk="0" hangingPunct="1">
+              <a:defRPr sz="1800" kern="1200">
+                <a:solidFill>
+                  <a:schemeClr val="tx1"/>
+                </a:solidFill>
+                <a:latin typeface="+mn-lt"/>
+                <a:ea typeface="+mn-ea"/>
+                <a:cs typeface="+mn-cs"/>
+              </a:defRPr>
+            </a:lvl8pPr>
+            <a:lvl9pPr marL="3657600" algn="l" defTabSz="914400" rtl="0" eaLnBrk="1" latinLnBrk="0" hangingPunct="1">
+              <a:defRPr sz="1800" kern="1200">
+                <a:solidFill>
+                  <a:schemeClr val="tx1"/>
+                </a:solidFill>
+                <a:latin typeface="+mn-lt"/>
+                <a:ea typeface="+mn-ea"/>
+                <a:cs typeface="+mn-cs"/>
+              </a:defRPr>
+            </a:lvl9pPr>
+          </a:lstStyle>
+          <a:p>
+            <a:pPr>
+              <a:defRPr/>
+            </a:pPr>
+            <a:r>
+              <a:rPr lang="it-IT" altLang="en-US" dirty="0"/>
+              <a:t>i3Camp - 3 Ottobre 2023</a:t>
+            </a:r>
+            <a:endParaRPr lang="en-US" altLang="en-US" dirty="0"/>
           </a:p>
         </p:txBody>
       </p:sp>
@@ -6135,7 +6441,7 @@
         </p:blipFill>
         <p:spPr>
           <a:xfrm>
-            <a:off x="81552" y="1508677"/>
+            <a:off x="216688" y="2016002"/>
             <a:ext cx="3703641" cy="3360711"/>
           </a:xfrm>
           <a:prstGeom prst="rect">
@@ -6145,393 +6451,363 @@
       </p:pic>
       <p:sp>
         <p:nvSpPr>
-          <p:cNvPr id="5" name="Ovale 4">
+          <p:cNvPr id="4" name="Segnaposto piè di pagina 3">
             <a:extLst>
               <a:ext uri="{FF2B5EF4-FFF2-40B4-BE49-F238E27FC236}">
-                <a16:creationId xmlns:a16="http://schemas.microsoft.com/office/drawing/2014/main" id="{0DE1D457-86AA-F8AE-70F4-0913ED1AF2E5}"/>
+                <a16:creationId xmlns:a16="http://schemas.microsoft.com/office/drawing/2014/main" id="{A506FC33-EE07-F3A2-F2EA-CDAF5FC29B43}"/>
+              </a:ext>
+            </a:extLst>
+          </p:cNvPr>
+          <p:cNvSpPr txBox="1">
+            <a:spLocks/>
+          </p:cNvSpPr>
+          <p:nvPr/>
+        </p:nvSpPr>
+        <p:spPr>
+          <a:xfrm>
+            <a:off x="366122" y="6286803"/>
+            <a:ext cx="7196162" cy="519112"/>
+          </a:xfrm>
+          <a:prstGeom prst="rect">
+            <a:avLst/>
+          </a:prstGeom>
+        </p:spPr>
+        <p:txBody>
+          <a:bodyPr/>
+          <a:lstStyle>
+            <a:defPPr>
+              <a:defRPr lang="it-IT"/>
+            </a:defPPr>
+            <a:lvl1pPr marL="0" algn="l" defTabSz="914400" rtl="0" eaLnBrk="1" latinLnBrk="0" hangingPunct="1">
+              <a:defRPr sz="1800" kern="1200">
+                <a:solidFill>
+                  <a:schemeClr val="tx1"/>
+                </a:solidFill>
+                <a:latin typeface="+mn-lt"/>
+                <a:ea typeface="+mn-ea"/>
+                <a:cs typeface="+mn-cs"/>
+              </a:defRPr>
+            </a:lvl1pPr>
+            <a:lvl2pPr marL="457200" algn="l" defTabSz="914400" rtl="0" eaLnBrk="1" latinLnBrk="0" hangingPunct="1">
+              <a:defRPr sz="1800" kern="1200">
+                <a:solidFill>
+                  <a:schemeClr val="tx1"/>
+                </a:solidFill>
+                <a:latin typeface="+mn-lt"/>
+                <a:ea typeface="+mn-ea"/>
+                <a:cs typeface="+mn-cs"/>
+              </a:defRPr>
+            </a:lvl2pPr>
+            <a:lvl3pPr marL="914400" algn="l" defTabSz="914400" rtl="0" eaLnBrk="1" latinLnBrk="0" hangingPunct="1">
+              <a:defRPr sz="1800" kern="1200">
+                <a:solidFill>
+                  <a:schemeClr val="tx1"/>
+                </a:solidFill>
+                <a:latin typeface="+mn-lt"/>
+                <a:ea typeface="+mn-ea"/>
+                <a:cs typeface="+mn-cs"/>
+              </a:defRPr>
+            </a:lvl3pPr>
+            <a:lvl4pPr marL="1371600" algn="l" defTabSz="914400" rtl="0" eaLnBrk="1" latinLnBrk="0" hangingPunct="1">
+              <a:defRPr sz="1800" kern="1200">
+                <a:solidFill>
+                  <a:schemeClr val="tx1"/>
+                </a:solidFill>
+                <a:latin typeface="+mn-lt"/>
+                <a:ea typeface="+mn-ea"/>
+                <a:cs typeface="+mn-cs"/>
+              </a:defRPr>
+            </a:lvl4pPr>
+            <a:lvl5pPr marL="1828800" algn="l" defTabSz="914400" rtl="0" eaLnBrk="1" latinLnBrk="0" hangingPunct="1">
+              <a:defRPr sz="1800" kern="1200">
+                <a:solidFill>
+                  <a:schemeClr val="tx1"/>
+                </a:solidFill>
+                <a:latin typeface="+mn-lt"/>
+                <a:ea typeface="+mn-ea"/>
+                <a:cs typeface="+mn-cs"/>
+              </a:defRPr>
+            </a:lvl5pPr>
+            <a:lvl6pPr marL="2286000" algn="l" defTabSz="914400" rtl="0" eaLnBrk="1" latinLnBrk="0" hangingPunct="1">
+              <a:defRPr sz="1800" kern="1200">
+                <a:solidFill>
+                  <a:schemeClr val="tx1"/>
+                </a:solidFill>
+                <a:latin typeface="+mn-lt"/>
+                <a:ea typeface="+mn-ea"/>
+                <a:cs typeface="+mn-cs"/>
+              </a:defRPr>
+            </a:lvl6pPr>
+            <a:lvl7pPr marL="2743200" algn="l" defTabSz="914400" rtl="0" eaLnBrk="1" latinLnBrk="0" hangingPunct="1">
+              <a:defRPr sz="1800" kern="1200">
+                <a:solidFill>
+                  <a:schemeClr val="tx1"/>
+                </a:solidFill>
+                <a:latin typeface="+mn-lt"/>
+                <a:ea typeface="+mn-ea"/>
+                <a:cs typeface="+mn-cs"/>
+              </a:defRPr>
+            </a:lvl7pPr>
+            <a:lvl8pPr marL="3200400" algn="l" defTabSz="914400" rtl="0" eaLnBrk="1" latinLnBrk="0" hangingPunct="1">
+              <a:defRPr sz="1800" kern="1200">
+                <a:solidFill>
+                  <a:schemeClr val="tx1"/>
+                </a:solidFill>
+                <a:latin typeface="+mn-lt"/>
+                <a:ea typeface="+mn-ea"/>
+                <a:cs typeface="+mn-cs"/>
+              </a:defRPr>
+            </a:lvl8pPr>
+            <a:lvl9pPr marL="3657600" algn="l" defTabSz="914400" rtl="0" eaLnBrk="1" latinLnBrk="0" hangingPunct="1">
+              <a:defRPr sz="1800" kern="1200">
+                <a:solidFill>
+                  <a:schemeClr val="tx1"/>
+                </a:solidFill>
+                <a:latin typeface="+mn-lt"/>
+                <a:ea typeface="+mn-ea"/>
+                <a:cs typeface="+mn-cs"/>
+              </a:defRPr>
+            </a:lvl9pPr>
+          </a:lstStyle>
+          <a:p>
+            <a:pPr>
+              <a:defRPr/>
+            </a:pPr>
+            <a:r>
+              <a:rPr lang="it-IT" altLang="en-US" dirty="0"/>
+              <a:t>i3Camp - 3 Ottobre 2023</a:t>
+            </a:r>
+            <a:endParaRPr lang="en-US" altLang="en-US" dirty="0"/>
+          </a:p>
+        </p:txBody>
+      </p:sp>
+      <p:sp>
+        <p:nvSpPr>
+          <p:cNvPr id="6" name="Ritardo 5">
+            <a:extLst>
+              <a:ext uri="{FF2B5EF4-FFF2-40B4-BE49-F238E27FC236}">
+                <a16:creationId xmlns:a16="http://schemas.microsoft.com/office/drawing/2014/main" id="{09052D1F-E522-12E2-47D7-F18B6EC661D6}"/>
               </a:ext>
             </a:extLst>
           </p:cNvPr>
           <p:cNvSpPr/>
           <p:nvPr/>
         </p:nvSpPr>
-        <p:spPr bwMode="auto">
-          <a:xfrm>
-            <a:off x="3495944" y="392631"/>
-            <a:ext cx="2838750" cy="1522964"/>
-          </a:xfrm>
-          <a:prstGeom prst="ellipse">
-            <a:avLst/>
-          </a:prstGeom>
-          <a:solidFill>
-            <a:schemeClr val="accent1"/>
-          </a:solidFill>
-          <a:ln>
-            <a:noFill/>
-            <a:headEnd type="none" w="med" len="med"/>
-            <a:tailEnd type="none" w="med" len="med"/>
-          </a:ln>
-          <a:effectLst/>
+        <p:spPr>
+          <a:xfrm rot="5400000">
+            <a:off x="3852000" y="-3852000"/>
+            <a:ext cx="1440000" cy="9143999"/>
+          </a:xfrm>
+          <a:prstGeom prst="flowChartDelay">
+            <a:avLst/>
+          </a:prstGeom>
+          <a:gradFill>
+            <a:gsLst>
+              <a:gs pos="0">
+                <a:schemeClr val="accent5">
+                  <a:shade val="30000"/>
+                  <a:satMod val="115000"/>
+                </a:schemeClr>
+              </a:gs>
+              <a:gs pos="50000">
+                <a:schemeClr val="accent5">
+                  <a:shade val="67500"/>
+                  <a:satMod val="115000"/>
+                </a:schemeClr>
+              </a:gs>
+              <a:gs pos="100000">
+                <a:schemeClr val="accent5">
+                  <a:shade val="100000"/>
+                  <a:satMod val="115000"/>
+                </a:schemeClr>
+              </a:gs>
+            </a:gsLst>
+            <a:lin ang="8100000" scaled="1"/>
+          </a:gradFill>
+          <a:effectLst>
+            <a:innerShdw blurRad="63500" dist="50800" dir="13500000">
+              <a:prstClr val="black">
+                <a:alpha val="50000"/>
+              </a:prstClr>
+            </a:innerShdw>
+          </a:effectLst>
         </p:spPr>
         <p:style>
-          <a:lnRef idx="1">
-            <a:schemeClr val="accent2"/>
+          <a:lnRef idx="2">
+            <a:schemeClr val="accent5">
+              <a:shade val="50000"/>
+            </a:schemeClr>
           </a:lnRef>
-          <a:fillRef idx="3">
-            <a:schemeClr val="accent2"/>
+          <a:fillRef idx="1">
+            <a:schemeClr val="accent5"/>
           </a:fillRef>
-          <a:effectRef idx="2">
-            <a:schemeClr val="accent2"/>
+          <a:effectRef idx="0">
+            <a:schemeClr val="accent5"/>
           </a:effectRef>
           <a:fontRef idx="minor">
             <a:schemeClr val="lt1"/>
           </a:fontRef>
         </p:style>
         <p:txBody>
-          <a:bodyPr rot="0" spcFirstLastPara="0" vertOverflow="overflow" horzOverflow="overflow" vert="horz" wrap="square" lIns="182880" tIns="146304" rIns="182880" bIns="146304" numCol="1" spcCol="0" rtlCol="0" fromWordArt="0" anchor="t" anchorCtr="0" forceAA="0" compatLnSpc="1">
-            <a:prstTxWarp prst="textNoShape">
-              <a:avLst/>
-            </a:prstTxWarp>
-            <a:noAutofit/>
-          </a:bodyPr>
+          <a:bodyPr vert="vert270" rtlCol="0" anchor="ctr" anchorCtr="1"/>
           <a:lstStyle/>
           <a:p>
-            <a:pPr algn="ctr" defTabSz="932472" fontAlgn="base">
-              <a:lnSpc>
-                <a:spcPct val="90000"/>
-              </a:lnSpc>
-              <a:spcBef>
-                <a:spcPct val="0"/>
-              </a:spcBef>
-              <a:spcAft>
-                <a:spcPct val="0"/>
-              </a:spcAft>
-            </a:pPr>
-            <a:endParaRPr lang="it-IT" sz="2000" dirty="0">
-              <a:gradFill>
-                <a:gsLst>
-                  <a:gs pos="0">
-                    <a:srgbClr val="FFFFFF"/>
-                  </a:gs>
-                  <a:gs pos="100000">
-                    <a:srgbClr val="FFFFFF"/>
-                  </a:gs>
-                </a:gsLst>
-                <a:lin ang="5400000" scaled="0"/>
-              </a:gradFill>
-              <a:ea typeface="Segoe UI" pitchFamily="34" charset="0"/>
-              <a:cs typeface="Segoe UI" pitchFamily="34" charset="0"/>
-            </a:endParaRPr>
-          </a:p>
-          <a:p>
-            <a:pPr algn="ctr" defTabSz="932472" fontAlgn="base">
-              <a:lnSpc>
-                <a:spcPct val="90000"/>
-              </a:lnSpc>
-              <a:spcBef>
-                <a:spcPct val="0"/>
-              </a:spcBef>
-              <a:spcAft>
-                <a:spcPct val="0"/>
-              </a:spcAft>
-            </a:pPr>
-            <a:r>
-              <a:rPr lang="it-IT" sz="2000" dirty="0" err="1">
-                <a:gradFill>
-                  <a:gsLst>
-                    <a:gs pos="0">
-                      <a:srgbClr val="FFFFFF"/>
-                    </a:gs>
-                    <a:gs pos="100000">
-                      <a:srgbClr val="FFFFFF"/>
-                    </a:gs>
-                  </a:gsLst>
-                  <a:lin ang="5400000" scaled="0"/>
-                </a:gradFill>
-                <a:ea typeface="Segoe UI" pitchFamily="34" charset="0"/>
-                <a:cs typeface="Segoe UI" pitchFamily="34" charset="0"/>
-              </a:rPr>
-              <a:t>Monolithic</a:t>
-            </a:r>
-            <a:r>
-              <a:rPr lang="it-IT" sz="2000" dirty="0">
-                <a:gradFill>
-                  <a:gsLst>
-                    <a:gs pos="0">
-                      <a:srgbClr val="FFFFFF"/>
-                    </a:gs>
-                    <a:gs pos="100000">
-                      <a:srgbClr val="FFFFFF"/>
-                    </a:gs>
-                  </a:gsLst>
-                  <a:lin ang="5400000" scaled="0"/>
-                </a:gradFill>
-                <a:ea typeface="Segoe UI" pitchFamily="34" charset="0"/>
-                <a:cs typeface="Segoe UI" pitchFamily="34" charset="0"/>
-              </a:rPr>
-              <a:t>?</a:t>
-            </a:r>
+            <a:pPr algn="ctr"/>
+            <a:r>
+              <a:rPr lang="it-IT" sz="4000" dirty="0"/>
+              <a:t>The </a:t>
+            </a:r>
+            <a:r>
+              <a:rPr lang="it-IT" sz="4000" dirty="0" err="1"/>
+              <a:t>Questions</a:t>
+            </a:r>
+            <a:endParaRPr lang="it-IT" sz="4000" dirty="0"/>
           </a:p>
         </p:txBody>
       </p:sp>
       <p:sp>
         <p:nvSpPr>
-          <p:cNvPr id="7" name="Ovale 6">
+          <p:cNvPr id="11" name="Cloud 10">
             <a:extLst>
               <a:ext uri="{FF2B5EF4-FFF2-40B4-BE49-F238E27FC236}">
-                <a16:creationId xmlns:a16="http://schemas.microsoft.com/office/drawing/2014/main" id="{34FFFEC0-243D-8F34-559D-43E5344D5B4F}"/>
+                <a16:creationId xmlns:a16="http://schemas.microsoft.com/office/drawing/2014/main" id="{612FFF31-94AB-20C3-297C-17972AE751FD}"/>
               </a:ext>
             </a:extLst>
           </p:cNvPr>
           <p:cNvSpPr/>
           <p:nvPr/>
         </p:nvSpPr>
-        <p:spPr bwMode="auto">
-          <a:xfrm>
-            <a:off x="4766030" y="2357389"/>
-            <a:ext cx="2838750" cy="1522963"/>
-          </a:xfrm>
-          <a:prstGeom prst="ellipse">
-            <a:avLst/>
-          </a:prstGeom>
-          <a:solidFill>
+        <p:spPr>
+          <a:xfrm>
+            <a:off x="3856910" y="1832701"/>
+            <a:ext cx="2599765" cy="1453579"/>
+          </a:xfrm>
+          <a:prstGeom prst="cloud">
+            <a:avLst/>
+          </a:prstGeom>
+        </p:spPr>
+        <p:style>
+          <a:lnRef idx="2">
+            <a:schemeClr val="accent1">
+              <a:shade val="15000"/>
+            </a:schemeClr>
+          </a:lnRef>
+          <a:fillRef idx="1">
             <a:schemeClr val="accent1"/>
-          </a:solidFill>
-          <a:ln>
-            <a:noFill/>
-            <a:headEnd type="none" w="med" len="med"/>
-            <a:tailEnd type="none" w="med" len="med"/>
-          </a:ln>
-          <a:effectLst/>
-        </p:spPr>
-        <p:style>
-          <a:lnRef idx="1">
-            <a:schemeClr val="accent2"/>
-          </a:lnRef>
-          <a:fillRef idx="3">
-            <a:schemeClr val="accent2"/>
           </a:fillRef>
-          <a:effectRef idx="2">
-            <a:schemeClr val="accent2"/>
+          <a:effectRef idx="0">
+            <a:schemeClr val="accent1"/>
           </a:effectRef>
           <a:fontRef idx="minor">
             <a:schemeClr val="lt1"/>
           </a:fontRef>
         </p:style>
         <p:txBody>
-          <a:bodyPr rot="0" spcFirstLastPara="0" vertOverflow="overflow" horzOverflow="overflow" vert="horz" wrap="square" lIns="182880" tIns="146304" rIns="182880" bIns="146304" numCol="1" spcCol="0" rtlCol="0" fromWordArt="0" anchor="t" anchorCtr="0" forceAA="0" compatLnSpc="1">
-            <a:prstTxWarp prst="textNoShape">
-              <a:avLst/>
-            </a:prstTxWarp>
-            <a:noAutofit/>
-          </a:bodyPr>
+          <a:bodyPr rtlCol="0" anchor="ctr"/>
           <a:lstStyle/>
           <a:p>
-            <a:pPr algn="ctr" defTabSz="932472" fontAlgn="base">
-              <a:lnSpc>
-                <a:spcPct val="90000"/>
-              </a:lnSpc>
-              <a:spcBef>
-                <a:spcPct val="0"/>
-              </a:spcBef>
-              <a:spcAft>
-                <a:spcPct val="0"/>
-              </a:spcAft>
-            </a:pPr>
-            <a:endParaRPr lang="it-IT" sz="2000" dirty="0">
-              <a:gradFill>
-                <a:gsLst>
-                  <a:gs pos="0">
-                    <a:srgbClr val="FFFFFF"/>
-                  </a:gs>
-                  <a:gs pos="100000">
-                    <a:srgbClr val="FFFFFF"/>
-                  </a:gs>
-                </a:gsLst>
-                <a:lin ang="5400000" scaled="0"/>
-              </a:gradFill>
-              <a:ea typeface="Segoe UI" pitchFamily="34" charset="0"/>
-              <a:cs typeface="Segoe UI" pitchFamily="34" charset="0"/>
-            </a:endParaRPr>
-          </a:p>
-          <a:p>
-            <a:pPr algn="ctr" defTabSz="932472" fontAlgn="base">
-              <a:lnSpc>
-                <a:spcPct val="90000"/>
-              </a:lnSpc>
-              <a:spcBef>
-                <a:spcPct val="0"/>
-              </a:spcBef>
-              <a:spcAft>
-                <a:spcPct val="0"/>
-              </a:spcAft>
-            </a:pPr>
-            <a:r>
-              <a:rPr lang="it-IT" sz="2000" dirty="0" err="1">
-                <a:gradFill>
-                  <a:gsLst>
-                    <a:gs pos="0">
-                      <a:srgbClr val="FFFFFF"/>
-                    </a:gs>
-                    <a:gs pos="100000">
-                      <a:srgbClr val="FFFFFF"/>
-                    </a:gs>
-                  </a:gsLst>
-                  <a:lin ang="5400000" scaled="0"/>
-                </a:gradFill>
-                <a:ea typeface="Segoe UI" pitchFamily="34" charset="0"/>
-                <a:cs typeface="Segoe UI" pitchFamily="34" charset="0"/>
-              </a:rPr>
-              <a:t>Microservices</a:t>
-            </a:r>
-            <a:r>
-              <a:rPr lang="it-IT" sz="2000" dirty="0">
-                <a:gradFill>
-                  <a:gsLst>
-                    <a:gs pos="0">
-                      <a:srgbClr val="FFFFFF"/>
-                    </a:gs>
-                    <a:gs pos="100000">
-                      <a:srgbClr val="FFFFFF"/>
-                    </a:gs>
-                  </a:gsLst>
-                  <a:lin ang="5400000" scaled="0"/>
-                </a:gradFill>
-                <a:ea typeface="Segoe UI" pitchFamily="34" charset="0"/>
-                <a:cs typeface="Segoe UI" pitchFamily="34" charset="0"/>
-              </a:rPr>
-              <a:t>?</a:t>
+            <a:pPr algn="ctr"/>
+            <a:r>
+              <a:rPr lang="en-IT" dirty="0"/>
+              <a:t>Monolithic?</a:t>
             </a:r>
           </a:p>
         </p:txBody>
       </p:sp>
       <p:sp>
         <p:nvSpPr>
-          <p:cNvPr id="8" name="Ovale 7">
+          <p:cNvPr id="12" name="Cloud 11">
             <a:extLst>
               <a:ext uri="{FF2B5EF4-FFF2-40B4-BE49-F238E27FC236}">
-                <a16:creationId xmlns:a16="http://schemas.microsoft.com/office/drawing/2014/main" id="{A9387891-E699-DD43-B3F5-AE6B98CFE054}"/>
+                <a16:creationId xmlns:a16="http://schemas.microsoft.com/office/drawing/2014/main" id="{6F46DE9D-561E-FA4B-2BB7-85AB8EFF45AA}"/>
               </a:ext>
             </a:extLst>
           </p:cNvPr>
           <p:cNvSpPr/>
           <p:nvPr/>
         </p:nvSpPr>
-        <p:spPr bwMode="auto">
-          <a:xfrm>
-            <a:off x="5492548" y="4322147"/>
-            <a:ext cx="2838750" cy="1522963"/>
-          </a:xfrm>
-          <a:prstGeom prst="ellipse">
-            <a:avLst/>
-          </a:prstGeom>
-          <a:solidFill>
+        <p:spPr>
+          <a:xfrm>
+            <a:off x="6042213" y="3127924"/>
+            <a:ext cx="2599765" cy="1453579"/>
+          </a:xfrm>
+          <a:prstGeom prst="cloud">
+            <a:avLst/>
+          </a:prstGeom>
+        </p:spPr>
+        <p:style>
+          <a:lnRef idx="2">
+            <a:schemeClr val="accent1">
+              <a:shade val="15000"/>
+            </a:schemeClr>
+          </a:lnRef>
+          <a:fillRef idx="1">
             <a:schemeClr val="accent1"/>
-          </a:solidFill>
-          <a:ln>
-            <a:noFill/>
-            <a:headEnd type="none" w="med" len="med"/>
-            <a:tailEnd type="none" w="med" len="med"/>
-          </a:ln>
-          <a:effectLst/>
-        </p:spPr>
-        <p:style>
-          <a:lnRef idx="1">
-            <a:schemeClr val="accent2"/>
-          </a:lnRef>
-          <a:fillRef idx="3">
-            <a:schemeClr val="accent2"/>
           </a:fillRef>
-          <a:effectRef idx="2">
-            <a:schemeClr val="accent2"/>
+          <a:effectRef idx="0">
+            <a:schemeClr val="accent1"/>
           </a:effectRef>
           <a:fontRef idx="minor">
             <a:schemeClr val="lt1"/>
           </a:fontRef>
         </p:style>
         <p:txBody>
-          <a:bodyPr rot="0" spcFirstLastPara="0" vertOverflow="overflow" horzOverflow="overflow" vert="horz" wrap="square" lIns="182880" tIns="146304" rIns="182880" bIns="146304" numCol="1" spcCol="0" rtlCol="0" fromWordArt="0" anchor="t" anchorCtr="0" forceAA="0" compatLnSpc="1">
-            <a:prstTxWarp prst="textNoShape">
-              <a:avLst/>
-            </a:prstTxWarp>
-            <a:noAutofit/>
-          </a:bodyPr>
+          <a:bodyPr rtlCol="0" anchor="ctr"/>
           <a:lstStyle/>
           <a:p>
-            <a:pPr algn="ctr" defTabSz="932472" fontAlgn="base">
-              <a:lnSpc>
-                <a:spcPct val="90000"/>
-              </a:lnSpc>
-              <a:spcBef>
-                <a:spcPct val="0"/>
-              </a:spcBef>
-              <a:spcAft>
-                <a:spcPct val="0"/>
-              </a:spcAft>
-            </a:pPr>
-            <a:endParaRPr lang="it-IT" sz="2000" dirty="0">
-              <a:gradFill>
-                <a:gsLst>
-                  <a:gs pos="0">
-                    <a:srgbClr val="FFFFFF"/>
-                  </a:gs>
-                  <a:gs pos="100000">
-                    <a:srgbClr val="FFFFFF"/>
-                  </a:gs>
-                </a:gsLst>
-                <a:lin ang="5400000" scaled="0"/>
-              </a:gradFill>
-              <a:ea typeface="Segoe UI" pitchFamily="34" charset="0"/>
-              <a:cs typeface="Segoe UI" pitchFamily="34" charset="0"/>
-            </a:endParaRPr>
-          </a:p>
-          <a:p>
-            <a:pPr algn="ctr" defTabSz="932472" fontAlgn="base">
-              <a:lnSpc>
-                <a:spcPct val="90000"/>
-              </a:lnSpc>
-              <a:spcBef>
-                <a:spcPct val="0"/>
-              </a:spcBef>
-              <a:spcAft>
-                <a:spcPct val="0"/>
-              </a:spcAft>
-            </a:pPr>
-            <a:r>
-              <a:rPr lang="it-IT" sz="2000" dirty="0" err="1">
-                <a:gradFill>
-                  <a:gsLst>
-                    <a:gs pos="0">
-                      <a:srgbClr val="FFFFFF"/>
-                    </a:gs>
-                    <a:gs pos="100000">
-                      <a:srgbClr val="FFFFFF"/>
-                    </a:gs>
-                  </a:gsLst>
-                  <a:lin ang="5400000" scaled="0"/>
-                </a:gradFill>
-                <a:ea typeface="Segoe UI" pitchFamily="34" charset="0"/>
-                <a:cs typeface="Segoe UI" pitchFamily="34" charset="0"/>
-              </a:rPr>
-              <a:t>What</a:t>
-            </a:r>
-            <a:r>
-              <a:rPr lang="it-IT" sz="2000" dirty="0">
-                <a:gradFill>
-                  <a:gsLst>
-                    <a:gs pos="0">
-                      <a:srgbClr val="FFFFFF"/>
-                    </a:gs>
-                    <a:gs pos="100000">
-                      <a:srgbClr val="FFFFFF"/>
-                    </a:gs>
-                  </a:gsLst>
-                  <a:lin ang="5400000" scaled="0"/>
-                </a:gradFill>
-                <a:ea typeface="Segoe UI" pitchFamily="34" charset="0"/>
-                <a:cs typeface="Segoe UI" pitchFamily="34" charset="0"/>
-              </a:rPr>
-              <a:t> else?</a:t>
+            <a:pPr algn="ctr"/>
+            <a:r>
+              <a:rPr lang="en-IT" dirty="0"/>
+              <a:t>Microservices?</a:t>
+            </a:r>
+          </a:p>
+        </p:txBody>
+      </p:sp>
+      <p:sp>
+        <p:nvSpPr>
+          <p:cNvPr id="13" name="Cloud 12">
+            <a:extLst>
+              <a:ext uri="{FF2B5EF4-FFF2-40B4-BE49-F238E27FC236}">
+                <a16:creationId xmlns:a16="http://schemas.microsoft.com/office/drawing/2014/main" id="{C9445831-3166-8CFB-70C1-F587FE893F70}"/>
+              </a:ext>
+            </a:extLst>
+          </p:cNvPr>
+          <p:cNvSpPr/>
+          <p:nvPr/>
+        </p:nvSpPr>
+        <p:spPr>
+          <a:xfrm>
+            <a:off x="3856910" y="4649924"/>
+            <a:ext cx="2599765" cy="1453579"/>
+          </a:xfrm>
+          <a:prstGeom prst="cloud">
+            <a:avLst/>
+          </a:prstGeom>
+        </p:spPr>
+        <p:style>
+          <a:lnRef idx="2">
+            <a:schemeClr val="accent1">
+              <a:shade val="15000"/>
+            </a:schemeClr>
+          </a:lnRef>
+          <a:fillRef idx="1">
+            <a:schemeClr val="accent1"/>
+          </a:fillRef>
+          <a:effectRef idx="0">
+            <a:schemeClr val="accent1"/>
+          </a:effectRef>
+          <a:fontRef idx="minor">
+            <a:schemeClr val="lt1"/>
+          </a:fontRef>
+        </p:style>
+        <p:txBody>
+          <a:bodyPr rtlCol="0" anchor="ctr"/>
+          <a:lstStyle/>
+          <a:p>
+            <a:pPr algn="ctr"/>
+            <a:r>
+              <a:rPr lang="en-IT" dirty="0"/>
+              <a:t>What else?</a:t>
             </a:r>
           </a:p>
         </p:txBody>
@@ -6580,7 +6856,7 @@
                                           </p:stCondLst>
                                         </p:cTn>
                                         <p:tgtEl>
-                                          <p:spTgt spid="5"/>
+                                          <p:spTgt spid="11"/>
                                         </p:tgtEl>
                                         <p:attrNameLst>
                                           <p:attrName>style.visibility</p:attrName>
@@ -6625,7 +6901,7 @@
                                           </p:stCondLst>
                                         </p:cTn>
                                         <p:tgtEl>
-                                          <p:spTgt spid="7"/>
+                                          <p:spTgt spid="12"/>
                                         </p:tgtEl>
                                         <p:attrNameLst>
                                           <p:attrName>style.visibility</p:attrName>
@@ -6670,7 +6946,7 @@
                                           </p:stCondLst>
                                         </p:cTn>
                                         <p:tgtEl>
-                                          <p:spTgt spid="8"/>
+                                          <p:spTgt spid="13"/>
                                         </p:tgtEl>
                                         <p:attrNameLst>
                                           <p:attrName>style.visibility</p:attrName>
@@ -6711,9 +6987,9 @@
       </p:par>
     </p:tnLst>
     <p:bldLst>
-      <p:bldP spid="5" grpId="0" animBg="1"/>
-      <p:bldP spid="7" grpId="0" animBg="1"/>
-      <p:bldP spid="8" grpId="0" animBg="1"/>
+      <p:bldP spid="11" grpId="0" animBg="1"/>
+      <p:bldP spid="12" grpId="0" animBg="1"/>
+      <p:bldP spid="13" grpId="0" animBg="1"/>
     </p:bldLst>
   </p:timing>
 </p:sld>
@@ -6746,10 +7022,10 @@
       </p:grpSpPr>
       <p:sp>
         <p:nvSpPr>
-          <p:cNvPr id="33" name="Rettangolo con angoli arrotondati 32">
+          <p:cNvPr id="2" name="Ritardo 5">
             <a:extLst>
               <a:ext uri="{FF2B5EF4-FFF2-40B4-BE49-F238E27FC236}">
-                <a16:creationId xmlns:a16="http://schemas.microsoft.com/office/drawing/2014/main" id="{86992A24-C56B-24F6-06A9-9A90A96F6B15}"/>
+                <a16:creationId xmlns:a16="http://schemas.microsoft.com/office/drawing/2014/main" id="{87030E1E-969A-9A84-56BF-FC182ED55A05}"/>
               </a:ext>
             </a:extLst>
           </p:cNvPr>
@@ -6757,58 +7033,14 @@
           <p:nvPr/>
         </p:nvSpPr>
         <p:spPr>
-          <a:xfrm>
-            <a:off x="356119" y="2649894"/>
-            <a:ext cx="4114800" cy="3209729"/>
-          </a:xfrm>
-          <a:prstGeom prst="roundRect">
-            <a:avLst/>
-          </a:prstGeom>
-        </p:spPr>
-        <p:style>
-          <a:lnRef idx="2">
-            <a:schemeClr val="accent6"/>
-          </a:lnRef>
-          <a:fillRef idx="1">
-            <a:schemeClr val="lt1"/>
-          </a:fillRef>
-          <a:effectRef idx="0">
-            <a:schemeClr val="accent6"/>
-          </a:effectRef>
-          <a:fontRef idx="minor">
-            <a:schemeClr val="dk1"/>
-          </a:fontRef>
-        </p:style>
-        <p:txBody>
-          <a:bodyPr rtlCol="0" anchor="ctr"/>
-          <a:lstStyle/>
-          <a:p>
-            <a:pPr algn="ctr"/>
-            <a:endParaRPr lang="it-IT"/>
-          </a:p>
-        </p:txBody>
-      </p:sp>
-      <p:sp>
-        <p:nvSpPr>
-          <p:cNvPr id="6" name="Ritardo 5">
-            <a:extLst>
-              <a:ext uri="{FF2B5EF4-FFF2-40B4-BE49-F238E27FC236}">
-                <a16:creationId xmlns:a16="http://schemas.microsoft.com/office/drawing/2014/main" id="{22899667-E004-128A-EC9A-5A9DE17B009F}"/>
-              </a:ext>
-            </a:extLst>
-          </p:cNvPr>
-          <p:cNvSpPr/>
-          <p:nvPr/>
-        </p:nvSpPr>
-        <p:spPr>
           <a:xfrm rot="5400000">
-            <a:off x="3834878" y="-3834879"/>
-            <a:ext cx="1474239" cy="9143999"/>
+            <a:off x="3852000" y="-3851999"/>
+            <a:ext cx="1440000" cy="9143999"/>
           </a:xfrm>
           <a:prstGeom prst="flowChartDelay">
             <a:avLst/>
           </a:prstGeom>
-          <a:gradFill flip="none" rotWithShape="1">
+          <a:gradFill>
             <a:gsLst>
               <a:gs pos="0">
                 <a:schemeClr val="accent5">
@@ -6830,7 +7062,6 @@
               </a:gs>
             </a:gsLst>
             <a:lin ang="8100000" scaled="1"/>
-            <a:tileRect/>
           </a:gradFill>
           <a:effectLst>
             <a:innerShdw blurRad="63500" dist="50800" dir="13500000">
@@ -6857,65 +7088,68 @@
           </a:fontRef>
         </p:style>
         <p:txBody>
-          <a:bodyPr rtlCol="0" anchor="ctr"/>
+          <a:bodyPr vert="vert270" rtlCol="0" anchor="ctr" anchorCtr="1"/>
           <a:lstStyle/>
           <a:p>
             <a:pPr algn="ctr"/>
-            <a:endParaRPr lang="it-IT" sz="2800" dirty="0"/>
+            <a:r>
+              <a:rPr lang="it-IT" sz="4000" dirty="0" err="1"/>
+              <a:t>Evolutionary</a:t>
+            </a:r>
+            <a:r>
+              <a:rPr lang="it-IT" sz="4000" dirty="0"/>
+              <a:t> Architecture</a:t>
+            </a:r>
           </a:p>
         </p:txBody>
       </p:sp>
       <p:sp>
         <p:nvSpPr>
-          <p:cNvPr id="7" name="CasellaDiTesto 6">
+          <p:cNvPr id="33" name="Rettangolo con angoli arrotondati 32">
             <a:extLst>
               <a:ext uri="{FF2B5EF4-FFF2-40B4-BE49-F238E27FC236}">
-                <a16:creationId xmlns:a16="http://schemas.microsoft.com/office/drawing/2014/main" id="{B1801A9A-DCE1-052F-1499-5376AD8420B8}"/>
+                <a16:creationId xmlns:a16="http://schemas.microsoft.com/office/drawing/2014/main" id="{86992A24-C56B-24F6-06A9-9A90A96F6B15}"/>
               </a:ext>
             </a:extLst>
           </p:cNvPr>
-          <p:cNvSpPr txBox="1"/>
+          <p:cNvSpPr/>
           <p:nvPr/>
         </p:nvSpPr>
         <p:spPr>
           <a:xfrm>
-            <a:off x="0" y="218469"/>
-            <a:ext cx="9143998" cy="769441"/>
-          </a:xfrm>
-          <a:prstGeom prst="rect">
-            <a:avLst/>
-          </a:prstGeom>
-          <a:noFill/>
-        </p:spPr>
+            <a:off x="345357" y="2628304"/>
+            <a:ext cx="3600000" cy="3240000"/>
+          </a:xfrm>
+          <a:prstGeom prst="roundRect">
+            <a:avLst/>
+          </a:prstGeom>
+          <a:ln w="38100">
+            <a:solidFill>
+              <a:schemeClr val="accent4"/>
+            </a:solidFill>
+            <a:prstDash val="sysDash"/>
+          </a:ln>
+        </p:spPr>
+        <p:style>
+          <a:lnRef idx="2">
+            <a:schemeClr val="accent6"/>
+          </a:lnRef>
+          <a:fillRef idx="1">
+            <a:schemeClr val="lt1"/>
+          </a:fillRef>
+          <a:effectRef idx="0">
+            <a:schemeClr val="accent6"/>
+          </a:effectRef>
+          <a:fontRef idx="minor">
+            <a:schemeClr val="dk1"/>
+          </a:fontRef>
+        </p:style>
         <p:txBody>
-          <a:bodyPr wrap="square" rtlCol="0">
-            <a:spAutoFit/>
-          </a:bodyPr>
+          <a:bodyPr rtlCol="0" anchor="ctr"/>
           <a:lstStyle/>
           <a:p>
             <a:pPr algn="ctr"/>
-            <a:r>
-              <a:rPr lang="it-IT" sz="4400" dirty="0" err="1">
-                <a:solidFill>
-                  <a:schemeClr val="bg1"/>
-                </a:solidFill>
-                <a:latin typeface="Open Sans" panose="020B0606030504020204" pitchFamily="34" charset="0"/>
-                <a:ea typeface="Open Sans" panose="020B0606030504020204" pitchFamily="34" charset="0"/>
-                <a:cs typeface="Open Sans" panose="020B0606030504020204" pitchFamily="34" charset="0"/>
-              </a:rPr>
-              <a:t>Evolutionary</a:t>
-            </a:r>
-            <a:r>
-              <a:rPr lang="it-IT" sz="4400" dirty="0">
-                <a:solidFill>
-                  <a:schemeClr val="bg1"/>
-                </a:solidFill>
-                <a:latin typeface="Open Sans" panose="020B0606030504020204" pitchFamily="34" charset="0"/>
-                <a:ea typeface="Open Sans" panose="020B0606030504020204" pitchFamily="34" charset="0"/>
-                <a:cs typeface="Open Sans" panose="020B0606030504020204" pitchFamily="34" charset="0"/>
-              </a:rPr>
-              <a:t> Architecture</a:t>
-            </a:r>
+            <a:endParaRPr lang="it-IT"/>
           </a:p>
         </p:txBody>
       </p:sp>
@@ -6933,12 +7167,17 @@
         </p:nvSpPr>
         <p:spPr>
           <a:xfrm>
-            <a:off x="1054360" y="3114865"/>
+            <a:off x="730931" y="3156623"/>
             <a:ext cx="1968759" cy="1091681"/>
           </a:xfrm>
           <a:prstGeom prst="ellipse">
             <a:avLst/>
           </a:prstGeom>
+          <a:ln w="28575">
+            <a:solidFill>
+              <a:srgbClr val="0070C0"/>
+            </a:solidFill>
+          </a:ln>
         </p:spPr>
         <p:style>
           <a:lnRef idx="2">
@@ -6982,12 +7221,17 @@
         </p:nvSpPr>
         <p:spPr>
           <a:xfrm>
-            <a:off x="646922" y="4061921"/>
+            <a:off x="501473" y="4170112"/>
             <a:ext cx="1968759" cy="1091681"/>
           </a:xfrm>
           <a:prstGeom prst="ellipse">
             <a:avLst/>
           </a:prstGeom>
+          <a:ln w="28575">
+            <a:solidFill>
+              <a:srgbClr val="0070C0"/>
+            </a:solidFill>
+          </a:ln>
         </p:spPr>
         <p:style>
           <a:lnRef idx="2">
@@ -7032,12 +7276,17 @@
         </p:nvSpPr>
         <p:spPr>
           <a:xfrm>
-            <a:off x="2241681" y="3727579"/>
+            <a:off x="1775761" y="3709855"/>
             <a:ext cx="1968759" cy="1091681"/>
           </a:xfrm>
           <a:prstGeom prst="ellipse">
             <a:avLst/>
           </a:prstGeom>
+          <a:ln w="28575">
+            <a:solidFill>
+              <a:srgbClr val="0070C0"/>
+            </a:solidFill>
+          </a:ln>
         </p:spPr>
         <p:style>
           <a:lnRef idx="2">
@@ -7082,12 +7331,18 @@
         </p:nvSpPr>
         <p:spPr>
           <a:xfrm>
-            <a:off x="4761722" y="2649894"/>
-            <a:ext cx="4114800" cy="3209729"/>
+            <a:off x="5152434" y="2586546"/>
+            <a:ext cx="3600000" cy="3240000"/>
           </a:xfrm>
           <a:prstGeom prst="roundRect">
             <a:avLst/>
           </a:prstGeom>
+          <a:ln w="38100">
+            <a:solidFill>
+              <a:schemeClr val="accent4"/>
+            </a:solidFill>
+            <a:prstDash val="sysDash"/>
+          </a:ln>
         </p:spPr>
         <p:style>
           <a:lnRef idx="2">
@@ -7126,12 +7381,17 @@
         </p:nvSpPr>
         <p:spPr>
           <a:xfrm>
-            <a:off x="5169160" y="2775859"/>
+            <a:off x="5249843" y="2754559"/>
             <a:ext cx="1968759" cy="1091681"/>
           </a:xfrm>
           <a:prstGeom prst="ellipse">
             <a:avLst/>
           </a:prstGeom>
+          <a:ln w="28575">
+            <a:solidFill>
+              <a:srgbClr val="0070C0"/>
+            </a:solidFill>
+          </a:ln>
         </p:spPr>
         <p:style>
           <a:lnRef idx="2">
@@ -7175,12 +7435,17 @@
         </p:nvSpPr>
         <p:spPr>
           <a:xfrm>
-            <a:off x="5005871" y="4520681"/>
+            <a:off x="5307383" y="4638402"/>
             <a:ext cx="1968759" cy="1091681"/>
           </a:xfrm>
           <a:prstGeom prst="ellipse">
             <a:avLst/>
           </a:prstGeom>
+          <a:ln w="28575">
+            <a:solidFill>
+              <a:srgbClr val="0070C0"/>
+            </a:solidFill>
+          </a:ln>
         </p:spPr>
         <p:style>
           <a:lnRef idx="2">
@@ -7225,12 +7490,17 @@
         </p:nvSpPr>
         <p:spPr>
           <a:xfrm>
-            <a:off x="6819122" y="3727579"/>
+            <a:off x="6673768" y="3696481"/>
             <a:ext cx="1968759" cy="1091681"/>
           </a:xfrm>
           <a:prstGeom prst="ellipse">
             <a:avLst/>
           </a:prstGeom>
+          <a:ln w="28575">
+            <a:solidFill>
+              <a:srgbClr val="0070C0"/>
+            </a:solidFill>
+          </a:ln>
         </p:spPr>
         <p:style>
           <a:lnRef idx="2">
@@ -7293,6 +7563,189 @@
               <a:rPr lang="it-IT" sz="2000" dirty="0"/>
               <a:t>"Un'architettura evolutiva supporta cambiamenti guidati e incrementali su più dimensioni", ovvero le caratteristiche architettoniche rilevanti per il progetto.</a:t>
             </a:r>
+          </a:p>
+        </p:txBody>
+      </p:sp>
+      <p:sp>
+        <p:nvSpPr>
+          <p:cNvPr id="3" name="Segnaposto piè di pagina 3">
+            <a:extLst>
+              <a:ext uri="{FF2B5EF4-FFF2-40B4-BE49-F238E27FC236}">
+                <a16:creationId xmlns:a16="http://schemas.microsoft.com/office/drawing/2014/main" id="{9984FF37-2C35-26DB-FDB6-BD1233719417}"/>
+              </a:ext>
+            </a:extLst>
+          </p:cNvPr>
+          <p:cNvSpPr txBox="1">
+            <a:spLocks/>
+          </p:cNvSpPr>
+          <p:nvPr/>
+        </p:nvSpPr>
+        <p:spPr>
+          <a:xfrm>
+            <a:off x="366122" y="6286803"/>
+            <a:ext cx="7196162" cy="519112"/>
+          </a:xfrm>
+          <a:prstGeom prst="rect">
+            <a:avLst/>
+          </a:prstGeom>
+        </p:spPr>
+        <p:txBody>
+          <a:bodyPr/>
+          <a:lstStyle>
+            <a:defPPr>
+              <a:defRPr lang="it-IT"/>
+            </a:defPPr>
+            <a:lvl1pPr marL="0" algn="l" defTabSz="914400" rtl="0" eaLnBrk="1" latinLnBrk="0" hangingPunct="1">
+              <a:defRPr sz="1800" kern="1200">
+                <a:solidFill>
+                  <a:schemeClr val="tx1"/>
+                </a:solidFill>
+                <a:latin typeface="+mn-lt"/>
+                <a:ea typeface="+mn-ea"/>
+                <a:cs typeface="+mn-cs"/>
+              </a:defRPr>
+            </a:lvl1pPr>
+            <a:lvl2pPr marL="457200" algn="l" defTabSz="914400" rtl="0" eaLnBrk="1" latinLnBrk="0" hangingPunct="1">
+              <a:defRPr sz="1800" kern="1200">
+                <a:solidFill>
+                  <a:schemeClr val="tx1"/>
+                </a:solidFill>
+                <a:latin typeface="+mn-lt"/>
+                <a:ea typeface="+mn-ea"/>
+                <a:cs typeface="+mn-cs"/>
+              </a:defRPr>
+            </a:lvl2pPr>
+            <a:lvl3pPr marL="914400" algn="l" defTabSz="914400" rtl="0" eaLnBrk="1" latinLnBrk="0" hangingPunct="1">
+              <a:defRPr sz="1800" kern="1200">
+                <a:solidFill>
+                  <a:schemeClr val="tx1"/>
+                </a:solidFill>
+                <a:latin typeface="+mn-lt"/>
+                <a:ea typeface="+mn-ea"/>
+                <a:cs typeface="+mn-cs"/>
+              </a:defRPr>
+            </a:lvl3pPr>
+            <a:lvl4pPr marL="1371600" algn="l" defTabSz="914400" rtl="0" eaLnBrk="1" latinLnBrk="0" hangingPunct="1">
+              <a:defRPr sz="1800" kern="1200">
+                <a:solidFill>
+                  <a:schemeClr val="tx1"/>
+                </a:solidFill>
+                <a:latin typeface="+mn-lt"/>
+                <a:ea typeface="+mn-ea"/>
+                <a:cs typeface="+mn-cs"/>
+              </a:defRPr>
+            </a:lvl4pPr>
+            <a:lvl5pPr marL="1828800" algn="l" defTabSz="914400" rtl="0" eaLnBrk="1" latinLnBrk="0" hangingPunct="1">
+              <a:defRPr sz="1800" kern="1200">
+                <a:solidFill>
+                  <a:schemeClr val="tx1"/>
+                </a:solidFill>
+                <a:latin typeface="+mn-lt"/>
+                <a:ea typeface="+mn-ea"/>
+                <a:cs typeface="+mn-cs"/>
+              </a:defRPr>
+            </a:lvl5pPr>
+            <a:lvl6pPr marL="2286000" algn="l" defTabSz="914400" rtl="0" eaLnBrk="1" latinLnBrk="0" hangingPunct="1">
+              <a:defRPr sz="1800" kern="1200">
+                <a:solidFill>
+                  <a:schemeClr val="tx1"/>
+                </a:solidFill>
+                <a:latin typeface="+mn-lt"/>
+                <a:ea typeface="+mn-ea"/>
+                <a:cs typeface="+mn-cs"/>
+              </a:defRPr>
+            </a:lvl6pPr>
+            <a:lvl7pPr marL="2743200" algn="l" defTabSz="914400" rtl="0" eaLnBrk="1" latinLnBrk="0" hangingPunct="1">
+              <a:defRPr sz="1800" kern="1200">
+                <a:solidFill>
+                  <a:schemeClr val="tx1"/>
+                </a:solidFill>
+                <a:latin typeface="+mn-lt"/>
+                <a:ea typeface="+mn-ea"/>
+                <a:cs typeface="+mn-cs"/>
+              </a:defRPr>
+            </a:lvl7pPr>
+            <a:lvl8pPr marL="3200400" algn="l" defTabSz="914400" rtl="0" eaLnBrk="1" latinLnBrk="0" hangingPunct="1">
+              <a:defRPr sz="1800" kern="1200">
+                <a:solidFill>
+                  <a:schemeClr val="tx1"/>
+                </a:solidFill>
+                <a:latin typeface="+mn-lt"/>
+                <a:ea typeface="+mn-ea"/>
+                <a:cs typeface="+mn-cs"/>
+              </a:defRPr>
+            </a:lvl8pPr>
+            <a:lvl9pPr marL="3657600" algn="l" defTabSz="914400" rtl="0" eaLnBrk="1" latinLnBrk="0" hangingPunct="1">
+              <a:defRPr sz="1800" kern="1200">
+                <a:solidFill>
+                  <a:schemeClr val="tx1"/>
+                </a:solidFill>
+                <a:latin typeface="+mn-lt"/>
+                <a:ea typeface="+mn-ea"/>
+                <a:cs typeface="+mn-cs"/>
+              </a:defRPr>
+            </a:lvl9pPr>
+          </a:lstStyle>
+          <a:p>
+            <a:pPr>
+              <a:defRPr/>
+            </a:pPr>
+            <a:r>
+              <a:rPr lang="it-IT" altLang="en-US" dirty="0"/>
+              <a:t>i3Camp - 3 Ottobre 2023</a:t>
+            </a:r>
+            <a:endParaRPr lang="en-US" altLang="en-US" dirty="0"/>
+          </a:p>
+        </p:txBody>
+      </p:sp>
+      <p:sp>
+        <p:nvSpPr>
+          <p:cNvPr id="5" name="Right Arrow 4">
+            <a:extLst>
+              <a:ext uri="{FF2B5EF4-FFF2-40B4-BE49-F238E27FC236}">
+                <a16:creationId xmlns:a16="http://schemas.microsoft.com/office/drawing/2014/main" id="{27B30604-3324-DECC-0BF3-2F35F779EDC0}"/>
+              </a:ext>
+            </a:extLst>
+          </p:cNvPr>
+          <p:cNvSpPr/>
+          <p:nvPr/>
+        </p:nvSpPr>
+        <p:spPr>
+          <a:xfrm>
+            <a:off x="4312024" y="3696481"/>
+            <a:ext cx="510988" cy="1019471"/>
+          </a:xfrm>
+          <a:prstGeom prst="rightArrow">
+            <a:avLst/>
+          </a:prstGeom>
+          <a:solidFill>
+            <a:schemeClr val="bg1">
+              <a:lumMod val="95000"/>
+            </a:schemeClr>
+          </a:solidFill>
+        </p:spPr>
+        <p:style>
+          <a:lnRef idx="2">
+            <a:schemeClr val="accent1">
+              <a:shade val="15000"/>
+            </a:schemeClr>
+          </a:lnRef>
+          <a:fillRef idx="1">
+            <a:schemeClr val="accent1"/>
+          </a:fillRef>
+          <a:effectRef idx="0">
+            <a:schemeClr val="accent1"/>
+          </a:effectRef>
+          <a:fontRef idx="minor">
+            <a:schemeClr val="lt1"/>
+          </a:fontRef>
+        </p:style>
+        <p:txBody>
+          <a:bodyPr rtlCol="0" anchor="ctr"/>
+          <a:lstStyle/>
+          <a:p>
+            <a:pPr algn="ctr"/>
+            <a:endParaRPr lang="en-IT"/>
           </a:p>
         </p:txBody>
       </p:sp>
@@ -7466,7 +7919,7 @@
                                           </p:stCondLst>
                                         </p:cTn>
                                         <p:tgtEl>
-                                          <p:spTgt spid="34"/>
+                                          <p:spTgt spid="5"/>
                                         </p:tgtEl>
                                         <p:attrNameLst>
                                           <p:attrName>style.visibility</p:attrName>
@@ -7479,35 +7932,26 @@
                                   </p:childTnLst>
                                 </p:cTn>
                               </p:par>
+                            </p:childTnLst>
+                          </p:cTn>
+                        </p:par>
+                      </p:childTnLst>
+                    </p:cTn>
+                  </p:par>
+                  <p:par>
+                    <p:cTn id="17" fill="hold">
+                      <p:stCondLst>
+                        <p:cond delay="indefinite"/>
+                      </p:stCondLst>
+                      <p:childTnLst>
+                        <p:par>
+                          <p:cTn id="18" fill="hold">
+                            <p:stCondLst>
+                              <p:cond delay="0"/>
+                            </p:stCondLst>
+                            <p:childTnLst>
                               <p:par>
-                                <p:cTn id="17" presetID="1" presetClass="entr" presetSubtype="0" fill="hold" grpId="0" nodeType="withEffect">
-                                  <p:stCondLst>
-                                    <p:cond delay="0"/>
-                                  </p:stCondLst>
-                                  <p:childTnLst>
-                                    <p:set>
-                                      <p:cBhvr>
-                                        <p:cTn id="18" dur="1" fill="hold">
-                                          <p:stCondLst>
-                                            <p:cond delay="0"/>
-                                          </p:stCondLst>
-                                        </p:cTn>
-                                        <p:tgtEl>
-                                          <p:spTgt spid="35"/>
-                                        </p:tgtEl>
-                                        <p:attrNameLst>
-                                          <p:attrName>style.visibility</p:attrName>
-                                        </p:attrNameLst>
-                                      </p:cBhvr>
-                                      <p:to>
-                                        <p:strVal val="visible"/>
-                                      </p:to>
-                                    </p:set>
-                                  </p:childTnLst>
-                                </p:cTn>
-                              </p:par>
-                              <p:par>
-                                <p:cTn id="19" presetID="1" presetClass="entr" presetSubtype="0" fill="hold" grpId="0" nodeType="withEffect">
+                                <p:cTn id="19" presetID="1" presetClass="entr" presetSubtype="0" fill="hold" grpId="0" nodeType="clickEffect">
                                   <p:stCondLst>
                                     <p:cond delay="0"/>
                                   </p:stCondLst>
@@ -7520,7 +7964,7 @@
                                           </p:stCondLst>
                                         </p:cTn>
                                         <p:tgtEl>
-                                          <p:spTgt spid="37"/>
+                                          <p:spTgt spid="34"/>
                                         </p:tgtEl>
                                         <p:attrNameLst>
                                           <p:attrName>style.visibility</p:attrName>
@@ -7542,6 +7986,60 @@
                                     <p:set>
                                       <p:cBhvr>
                                         <p:cTn id="22" dur="1" fill="hold">
+                                          <p:stCondLst>
+                                            <p:cond delay="0"/>
+                                          </p:stCondLst>
+                                        </p:cTn>
+                                        <p:tgtEl>
+                                          <p:spTgt spid="35"/>
+                                        </p:tgtEl>
+                                        <p:attrNameLst>
+                                          <p:attrName>style.visibility</p:attrName>
+                                        </p:attrNameLst>
+                                      </p:cBhvr>
+                                      <p:to>
+                                        <p:strVal val="visible"/>
+                                      </p:to>
+                                    </p:set>
+                                  </p:childTnLst>
+                                </p:cTn>
+                              </p:par>
+                              <p:par>
+                                <p:cTn id="23" presetID="1" presetClass="entr" presetSubtype="0" fill="hold" grpId="0" nodeType="withEffect">
+                                  <p:stCondLst>
+                                    <p:cond delay="0"/>
+                                  </p:stCondLst>
+                                  <p:childTnLst>
+                                    <p:set>
+                                      <p:cBhvr>
+                                        <p:cTn id="24" dur="1" fill="hold">
+                                          <p:stCondLst>
+                                            <p:cond delay="0"/>
+                                          </p:stCondLst>
+                                        </p:cTn>
+                                        <p:tgtEl>
+                                          <p:spTgt spid="37"/>
+                                        </p:tgtEl>
+                                        <p:attrNameLst>
+                                          <p:attrName>style.visibility</p:attrName>
+                                        </p:attrNameLst>
+                                      </p:cBhvr>
+                                      <p:to>
+                                        <p:strVal val="visible"/>
+                                      </p:to>
+                                    </p:set>
+                                  </p:childTnLst>
+                                </p:cTn>
+                              </p:par>
+                              <p:par>
+                                <p:cTn id="25" presetID="1" presetClass="entr" presetSubtype="0" fill="hold" grpId="0" nodeType="withEffect">
+                                  <p:stCondLst>
+                                    <p:cond delay="0"/>
+                                  </p:stCondLst>
+                                  <p:childTnLst>
+                                    <p:set>
+                                      <p:cBhvr>
+                                        <p:cTn id="26" dur="1" fill="hold">
                                           <p:stCondLst>
                                             <p:cond delay="0"/>
                                           </p:stCondLst>
@@ -7596,6 +8094,7 @@
       <p:bldP spid="35" grpId="0" animBg="1"/>
       <p:bldP spid="36" grpId="0" animBg="1"/>
       <p:bldP spid="37" grpId="0" animBg="1"/>
+      <p:bldP spid="5" grpId="0" animBg="1"/>
     </p:bldLst>
   </p:timing>
 </p:sld>
@@ -7618,20 +8117,52 @@
           <a:chExt cx="0" cy="0"/>
         </a:xfrm>
       </p:grpSpPr>
+      <p:pic>
+        <p:nvPicPr>
+          <p:cNvPr id="5" name="Immagine 4">
+            <a:extLst>
+              <a:ext uri="{FF2B5EF4-FFF2-40B4-BE49-F238E27FC236}">
+                <a16:creationId xmlns:a16="http://schemas.microsoft.com/office/drawing/2014/main" id="{3D0CE578-2E98-825F-90E0-81DC217D27E6}"/>
+              </a:ext>
+            </a:extLst>
+          </p:cNvPr>
+          <p:cNvPicPr>
+            <a:picLocks noChangeAspect="1"/>
+          </p:cNvPicPr>
+          <p:nvPr/>
+        </p:nvPicPr>
+        <p:blipFill>
+          <a:blip r:embed="rId2"/>
+          <a:stretch>
+            <a:fillRect/>
+          </a:stretch>
+        </p:blipFill>
+        <p:spPr>
+          <a:xfrm>
+            <a:off x="1326875" y="2608706"/>
+            <a:ext cx="6298162" cy="3590354"/>
+          </a:xfrm>
+          <a:prstGeom prst="rect">
+            <a:avLst/>
+          </a:prstGeom>
+        </p:spPr>
+      </p:pic>
       <p:sp>
         <p:nvSpPr>
-          <p:cNvPr id="3" name="Titolo 2"/>
-          <p:cNvSpPr>
-            <a:spLocks noGrp="1"/>
-          </p:cNvSpPr>
-          <p:nvPr>
-            <p:ph type="ctrTitle" idx="4294967295"/>
-          </p:nvPr>
+          <p:cNvPr id="6" name="CasellaDiTesto 5">
+            <a:extLst>
+              <a:ext uri="{FF2B5EF4-FFF2-40B4-BE49-F238E27FC236}">
+                <a16:creationId xmlns:a16="http://schemas.microsoft.com/office/drawing/2014/main" id="{3F8C8DBA-F5BA-6484-7EB8-1B0257487576}"/>
+              </a:ext>
+            </a:extLst>
+          </p:cNvPr>
+          <p:cNvSpPr txBox="1"/>
+          <p:nvPr/>
         </p:nvSpPr>
         <p:spPr>
           <a:xfrm>
-            <a:off x="0" y="1966913"/>
-            <a:ext cx="1971675" cy="2547937"/>
+            <a:off x="1" y="1566857"/>
+            <a:ext cx="9144000" cy="954107"/>
           </a:xfrm>
           <a:prstGeom prst="rect">
             <a:avLst/>
@@ -7639,36 +8170,157 @@
           <a:noFill/>
         </p:spPr>
         <p:txBody>
-          <a:bodyPr vert="horz" lIns="91440" tIns="45720" rIns="91440" bIns="45720" rtlCol="0" anchor="ctr">
-            <a:normAutofit/>
+          <a:bodyPr wrap="square" lIns="1080000" tIns="46800" rIns="1080000" rtlCol="0">
+            <a:spAutoFit/>
           </a:bodyPr>
           <a:lstStyle/>
           <a:p>
-            <a:pPr algn="ctr">
-              <a:lnSpc>
-                <a:spcPct val="90000"/>
-              </a:lnSpc>
-            </a:pPr>
-            <a:r>
-              <a:rPr lang="en-US" sz="3100" kern="1200">
-                <a:solidFill>
-                  <a:srgbClr val="FFFFFF"/>
-                </a:solidFill>
-                <a:latin typeface="+mj-lt"/>
-                <a:ea typeface="+mj-ea"/>
-                <a:cs typeface="+mj-cs"/>
-              </a:rPr>
-              <a:t>Failure Symptoms</a:t>
+            <a:pPr algn="ctr"/>
+            <a:r>
+              <a:rPr lang="it-IT" sz="2800" dirty="0"/>
+              <a:t>Automatizzazione dei controlli delle caratteristiche architettoniche </a:t>
             </a:r>
           </a:p>
         </p:txBody>
       </p:sp>
       <p:sp>
         <p:nvSpPr>
-          <p:cNvPr id="7" name="Ritardo 6">
+          <p:cNvPr id="2" name="Segnaposto piè di pagina 3">
             <a:extLst>
               <a:ext uri="{FF2B5EF4-FFF2-40B4-BE49-F238E27FC236}">
-                <a16:creationId xmlns:a16="http://schemas.microsoft.com/office/drawing/2014/main" id="{1A8B21AC-BC1F-56ED-E0B8-8DD8E711E5CE}"/>
+                <a16:creationId xmlns:a16="http://schemas.microsoft.com/office/drawing/2014/main" id="{DF6B5645-FA77-37CD-688C-5A0D0A46378C}"/>
+              </a:ext>
+            </a:extLst>
+          </p:cNvPr>
+          <p:cNvSpPr txBox="1">
+            <a:spLocks/>
+          </p:cNvSpPr>
+          <p:nvPr/>
+        </p:nvSpPr>
+        <p:spPr>
+          <a:xfrm>
+            <a:off x="366122" y="6286803"/>
+            <a:ext cx="7196162" cy="519112"/>
+          </a:xfrm>
+          <a:prstGeom prst="rect">
+            <a:avLst/>
+          </a:prstGeom>
+        </p:spPr>
+        <p:txBody>
+          <a:bodyPr/>
+          <a:lstStyle>
+            <a:defPPr>
+              <a:defRPr lang="it-IT"/>
+            </a:defPPr>
+            <a:lvl1pPr marL="0" algn="l" defTabSz="914400" rtl="0" eaLnBrk="1" latinLnBrk="0" hangingPunct="1">
+              <a:defRPr sz="1800" kern="1200">
+                <a:solidFill>
+                  <a:schemeClr val="tx1"/>
+                </a:solidFill>
+                <a:latin typeface="+mn-lt"/>
+                <a:ea typeface="+mn-ea"/>
+                <a:cs typeface="+mn-cs"/>
+              </a:defRPr>
+            </a:lvl1pPr>
+            <a:lvl2pPr marL="457200" algn="l" defTabSz="914400" rtl="0" eaLnBrk="1" latinLnBrk="0" hangingPunct="1">
+              <a:defRPr sz="1800" kern="1200">
+                <a:solidFill>
+                  <a:schemeClr val="tx1"/>
+                </a:solidFill>
+                <a:latin typeface="+mn-lt"/>
+                <a:ea typeface="+mn-ea"/>
+                <a:cs typeface="+mn-cs"/>
+              </a:defRPr>
+            </a:lvl2pPr>
+            <a:lvl3pPr marL="914400" algn="l" defTabSz="914400" rtl="0" eaLnBrk="1" latinLnBrk="0" hangingPunct="1">
+              <a:defRPr sz="1800" kern="1200">
+                <a:solidFill>
+                  <a:schemeClr val="tx1"/>
+                </a:solidFill>
+                <a:latin typeface="+mn-lt"/>
+                <a:ea typeface="+mn-ea"/>
+                <a:cs typeface="+mn-cs"/>
+              </a:defRPr>
+            </a:lvl3pPr>
+            <a:lvl4pPr marL="1371600" algn="l" defTabSz="914400" rtl="0" eaLnBrk="1" latinLnBrk="0" hangingPunct="1">
+              <a:defRPr sz="1800" kern="1200">
+                <a:solidFill>
+                  <a:schemeClr val="tx1"/>
+                </a:solidFill>
+                <a:latin typeface="+mn-lt"/>
+                <a:ea typeface="+mn-ea"/>
+                <a:cs typeface="+mn-cs"/>
+              </a:defRPr>
+            </a:lvl4pPr>
+            <a:lvl5pPr marL="1828800" algn="l" defTabSz="914400" rtl="0" eaLnBrk="1" latinLnBrk="0" hangingPunct="1">
+              <a:defRPr sz="1800" kern="1200">
+                <a:solidFill>
+                  <a:schemeClr val="tx1"/>
+                </a:solidFill>
+                <a:latin typeface="+mn-lt"/>
+                <a:ea typeface="+mn-ea"/>
+                <a:cs typeface="+mn-cs"/>
+              </a:defRPr>
+            </a:lvl5pPr>
+            <a:lvl6pPr marL="2286000" algn="l" defTabSz="914400" rtl="0" eaLnBrk="1" latinLnBrk="0" hangingPunct="1">
+              <a:defRPr sz="1800" kern="1200">
+                <a:solidFill>
+                  <a:schemeClr val="tx1"/>
+                </a:solidFill>
+                <a:latin typeface="+mn-lt"/>
+                <a:ea typeface="+mn-ea"/>
+                <a:cs typeface="+mn-cs"/>
+              </a:defRPr>
+            </a:lvl6pPr>
+            <a:lvl7pPr marL="2743200" algn="l" defTabSz="914400" rtl="0" eaLnBrk="1" latinLnBrk="0" hangingPunct="1">
+              <a:defRPr sz="1800" kern="1200">
+                <a:solidFill>
+                  <a:schemeClr val="tx1"/>
+                </a:solidFill>
+                <a:latin typeface="+mn-lt"/>
+                <a:ea typeface="+mn-ea"/>
+                <a:cs typeface="+mn-cs"/>
+              </a:defRPr>
+            </a:lvl7pPr>
+            <a:lvl8pPr marL="3200400" algn="l" defTabSz="914400" rtl="0" eaLnBrk="1" latinLnBrk="0" hangingPunct="1">
+              <a:defRPr sz="1800" kern="1200">
+                <a:solidFill>
+                  <a:schemeClr val="tx1"/>
+                </a:solidFill>
+                <a:latin typeface="+mn-lt"/>
+                <a:ea typeface="+mn-ea"/>
+                <a:cs typeface="+mn-cs"/>
+              </a:defRPr>
+            </a:lvl8pPr>
+            <a:lvl9pPr marL="3657600" algn="l" defTabSz="914400" rtl="0" eaLnBrk="1" latinLnBrk="0" hangingPunct="1">
+              <a:defRPr sz="1800" kern="1200">
+                <a:solidFill>
+                  <a:schemeClr val="tx1"/>
+                </a:solidFill>
+                <a:latin typeface="+mn-lt"/>
+                <a:ea typeface="+mn-ea"/>
+                <a:cs typeface="+mn-cs"/>
+              </a:defRPr>
+            </a:lvl9pPr>
+          </a:lstStyle>
+          <a:p>
+            <a:pPr>
+              <a:defRPr/>
+            </a:pPr>
+            <a:r>
+              <a:rPr lang="it-IT" altLang="en-US" dirty="0"/>
+              <a:t>i3Camp - 3 Ottobre 2023</a:t>
+            </a:r>
+            <a:endParaRPr lang="en-US" altLang="en-US" dirty="0"/>
+          </a:p>
+        </p:txBody>
+      </p:sp>
+      <p:sp>
+        <p:nvSpPr>
+          <p:cNvPr id="8" name="Ritardo 5">
+            <a:extLst>
+              <a:ext uri="{FF2B5EF4-FFF2-40B4-BE49-F238E27FC236}">
+                <a16:creationId xmlns:a16="http://schemas.microsoft.com/office/drawing/2014/main" id="{A6A49870-514B-57B2-E31F-3A0E999CB098}"/>
               </a:ext>
             </a:extLst>
           </p:cNvPr>
@@ -7676,14 +8328,14 @@
           <p:nvPr/>
         </p:nvSpPr>
         <p:spPr>
-          <a:xfrm>
-            <a:off x="-1344" y="0"/>
-            <a:ext cx="2147386" cy="6857999"/>
+          <a:xfrm rot="5400000">
+            <a:off x="3852000" y="-3851999"/>
+            <a:ext cx="1440000" cy="9143999"/>
           </a:xfrm>
           <a:prstGeom prst="flowChartDelay">
             <a:avLst/>
           </a:prstGeom>
-          <a:gradFill flip="none" rotWithShape="1">
+          <a:gradFill>
             <a:gsLst>
               <a:gs pos="0">
                 <a:schemeClr val="accent5">
@@ -7705,7 +8357,6 @@
               </a:gs>
             </a:gsLst>
             <a:lin ang="8100000" scaled="1"/>
-            <a:tileRect/>
           </a:gradFill>
           <a:effectLst>
             <a:innerShdw blurRad="63500" dist="50800" dir="13500000">
@@ -7732,87 +8383,19 @@
           </a:fontRef>
         </p:style>
         <p:txBody>
-          <a:bodyPr rtlCol="0" anchor="ctr"/>
+          <a:bodyPr vert="vert270" rtlCol="0" anchor="ctr" anchorCtr="1"/>
           <a:lstStyle/>
           <a:p>
             <a:pPr algn="ctr"/>
             <a:r>
-              <a:rPr lang="it-IT" sz="3200" dirty="0"/>
-              <a:t>Fitness</a:t>
-            </a:r>
-          </a:p>
-          <a:p>
-            <a:pPr algn="ctr"/>
-            <a:r>
-              <a:rPr lang="it-IT" sz="3200" dirty="0" err="1"/>
+              <a:rPr lang="it-IT" sz="4000" dirty="0"/>
+              <a:t>Fitness </a:t>
+            </a:r>
+            <a:r>
+              <a:rPr lang="it-IT" sz="4000" dirty="0" err="1"/>
               <a:t>Functions</a:t>
             </a:r>
-            <a:endParaRPr lang="it-IT" sz="3200" dirty="0"/>
-          </a:p>
-        </p:txBody>
-      </p:sp>
-      <p:pic>
-        <p:nvPicPr>
-          <p:cNvPr id="5" name="Immagine 4">
-            <a:extLst>
-              <a:ext uri="{FF2B5EF4-FFF2-40B4-BE49-F238E27FC236}">
-                <a16:creationId xmlns:a16="http://schemas.microsoft.com/office/drawing/2014/main" id="{3D0CE578-2E98-825F-90E0-81DC217D27E6}"/>
-              </a:ext>
-            </a:extLst>
-          </p:cNvPr>
-          <p:cNvPicPr>
-            <a:picLocks noChangeAspect="1"/>
-          </p:cNvPicPr>
-          <p:nvPr/>
-        </p:nvPicPr>
-        <p:blipFill>
-          <a:blip r:embed="rId2"/>
-          <a:stretch>
-            <a:fillRect/>
-          </a:stretch>
-        </p:blipFill>
-        <p:spPr>
-          <a:xfrm>
-            <a:off x="2374641" y="2154490"/>
-            <a:ext cx="6298162" cy="3590354"/>
-          </a:xfrm>
-          <a:prstGeom prst="rect">
-            <a:avLst/>
-          </a:prstGeom>
-        </p:spPr>
-      </p:pic>
-      <p:sp>
-        <p:nvSpPr>
-          <p:cNvPr id="6" name="CasellaDiTesto 5">
-            <a:extLst>
-              <a:ext uri="{FF2B5EF4-FFF2-40B4-BE49-F238E27FC236}">
-                <a16:creationId xmlns:a16="http://schemas.microsoft.com/office/drawing/2014/main" id="{3F8C8DBA-F5BA-6484-7EB8-1B0257487576}"/>
-              </a:ext>
-            </a:extLst>
-          </p:cNvPr>
-          <p:cNvSpPr txBox="1"/>
-          <p:nvPr/>
-        </p:nvSpPr>
-        <p:spPr>
-          <a:xfrm>
-            <a:off x="2556588" y="513184"/>
-            <a:ext cx="6116215" cy="954107"/>
-          </a:xfrm>
-          <a:prstGeom prst="rect">
-            <a:avLst/>
-          </a:prstGeom>
-          <a:noFill/>
-        </p:spPr>
-        <p:txBody>
-          <a:bodyPr wrap="square" rtlCol="0">
-            <a:spAutoFit/>
-          </a:bodyPr>
-          <a:lstStyle/>
-          <a:p>
-            <a:r>
-              <a:rPr lang="it-IT" sz="2800" dirty="0"/>
-              <a:t>Automatizzazione dei controlli delle caratteristiche architettoniche </a:t>
-            </a:r>
+            <a:endParaRPr lang="it-IT" sz="4000" dirty="0"/>
           </a:p>
         </p:txBody>
       </p:sp>
@@ -7826,6 +8409,129 @@
   <p:clrMapOvr>
     <a:masterClrMapping/>
   </p:clrMapOvr>
+  <p:timing>
+    <p:tnLst>
+      <p:par>
+        <p:cTn id="1" dur="indefinite" restart="never" nodeType="tmRoot">
+          <p:childTnLst>
+            <p:seq concurrent="1" nextAc="seek">
+              <p:cTn id="2" dur="indefinite" nodeType="mainSeq">
+                <p:childTnLst>
+                  <p:par>
+                    <p:cTn id="3" fill="hold">
+                      <p:stCondLst>
+                        <p:cond delay="indefinite"/>
+                      </p:stCondLst>
+                      <p:childTnLst>
+                        <p:par>
+                          <p:cTn id="4" fill="hold">
+                            <p:stCondLst>
+                              <p:cond delay="0"/>
+                            </p:stCondLst>
+                            <p:childTnLst>
+                              <p:par>
+                                <p:cTn id="5" presetID="1" presetClass="entr" presetSubtype="0" fill="hold" grpId="0" nodeType="clickEffect">
+                                  <p:stCondLst>
+                                    <p:cond delay="0"/>
+                                  </p:stCondLst>
+                                  <p:childTnLst>
+                                    <p:set>
+                                      <p:cBhvr>
+                                        <p:cTn id="6" dur="1" fill="hold">
+                                          <p:stCondLst>
+                                            <p:cond delay="0"/>
+                                          </p:stCondLst>
+                                        </p:cTn>
+                                        <p:tgtEl>
+                                          <p:spTgt spid="6"/>
+                                        </p:tgtEl>
+                                        <p:attrNameLst>
+                                          <p:attrName>style.visibility</p:attrName>
+                                        </p:attrNameLst>
+                                      </p:cBhvr>
+                                      <p:to>
+                                        <p:strVal val="visible"/>
+                                      </p:to>
+                                    </p:set>
+                                  </p:childTnLst>
+                                </p:cTn>
+                              </p:par>
+                            </p:childTnLst>
+                          </p:cTn>
+                        </p:par>
+                      </p:childTnLst>
+                    </p:cTn>
+                  </p:par>
+                  <p:par>
+                    <p:cTn id="7" fill="hold">
+                      <p:stCondLst>
+                        <p:cond delay="indefinite"/>
+                      </p:stCondLst>
+                      <p:childTnLst>
+                        <p:par>
+                          <p:cTn id="8" fill="hold">
+                            <p:stCondLst>
+                              <p:cond delay="0"/>
+                            </p:stCondLst>
+                            <p:childTnLst>
+                              <p:par>
+                                <p:cTn id="9" presetID="1" presetClass="entr" presetSubtype="0" fill="hold" nodeType="clickEffect">
+                                  <p:stCondLst>
+                                    <p:cond delay="0"/>
+                                  </p:stCondLst>
+                                  <p:childTnLst>
+                                    <p:set>
+                                      <p:cBhvr>
+                                        <p:cTn id="10" dur="1" fill="hold">
+                                          <p:stCondLst>
+                                            <p:cond delay="0"/>
+                                          </p:stCondLst>
+                                        </p:cTn>
+                                        <p:tgtEl>
+                                          <p:spTgt spid="5"/>
+                                        </p:tgtEl>
+                                        <p:attrNameLst>
+                                          <p:attrName>style.visibility</p:attrName>
+                                        </p:attrNameLst>
+                                      </p:cBhvr>
+                                      <p:to>
+                                        <p:strVal val="visible"/>
+                                      </p:to>
+                                    </p:set>
+                                  </p:childTnLst>
+                                </p:cTn>
+                              </p:par>
+                            </p:childTnLst>
+                          </p:cTn>
+                        </p:par>
+                      </p:childTnLst>
+                    </p:cTn>
+                  </p:par>
+                </p:childTnLst>
+              </p:cTn>
+              <p:prevCondLst>
+                <p:cond evt="onPrev" delay="0">
+                  <p:tgtEl>
+                    <p:sldTgt/>
+                  </p:tgtEl>
+                </p:cond>
+              </p:prevCondLst>
+              <p:nextCondLst>
+                <p:cond evt="onNext" delay="0">
+                  <p:tgtEl>
+                    <p:sldTgt/>
+                  </p:tgtEl>
+                </p:cond>
+              </p:nextCondLst>
+            </p:seq>
+          </p:childTnLst>
+        </p:cTn>
+      </p:par>
+    </p:tnLst>
+    <p:bldLst>
+      <p:bldP spid="6" grpId="0"/>
+    </p:bldLst>
+  </p:timing>
 </p:sld>
 </file>
 
@@ -7893,10 +8599,218 @@
       </p:sp>
       <p:sp>
         <p:nvSpPr>
-          <p:cNvPr id="7" name="Ritardo 6">
+          <p:cNvPr id="11" name="CasellaDiTesto 10">
             <a:extLst>
               <a:ext uri="{FF2B5EF4-FFF2-40B4-BE49-F238E27FC236}">
-                <a16:creationId xmlns:a16="http://schemas.microsoft.com/office/drawing/2014/main" id="{1A8B21AC-BC1F-56ED-E0B8-8DD8E711E5CE}"/>
+                <a16:creationId xmlns:a16="http://schemas.microsoft.com/office/drawing/2014/main" id="{123C3D86-8012-037D-F18E-2270BE4E22D7}"/>
+              </a:ext>
+            </a:extLst>
+          </p:cNvPr>
+          <p:cNvSpPr txBox="1"/>
+          <p:nvPr/>
+        </p:nvSpPr>
+        <p:spPr>
+          <a:xfrm>
+            <a:off x="0" y="2076897"/>
+            <a:ext cx="9144000" cy="1569660"/>
+          </a:xfrm>
+          <a:prstGeom prst="rect">
+            <a:avLst/>
+          </a:prstGeom>
+          <a:noFill/>
+        </p:spPr>
+        <p:txBody>
+          <a:bodyPr wrap="square" lIns="1080000" tIns="46800" rIns="1080000" rtlCol="0">
+            <a:spAutoFit/>
+          </a:bodyPr>
+          <a:lstStyle/>
+          <a:p>
+            <a:r>
+              <a:rPr lang="it-IT" sz="2400" dirty="0"/>
+              <a:t>Il software si degrada nel tempo, come le crepe che appaiono in un edificio. I difetti strutturali possono iniziare da piccoli e diventare sempre più problematici. </a:t>
+            </a:r>
+          </a:p>
+          <a:p>
+            <a:r>
+              <a:rPr lang="it-IT" sz="2400" dirty="0"/>
+              <a:t>Sembra inevitabile, ma non è così …</a:t>
+            </a:r>
+          </a:p>
+        </p:txBody>
+      </p:sp>
+      <p:sp>
+        <p:nvSpPr>
+          <p:cNvPr id="12" name="CasellaDiTesto 11">
+            <a:extLst>
+              <a:ext uri="{FF2B5EF4-FFF2-40B4-BE49-F238E27FC236}">
+                <a16:creationId xmlns:a16="http://schemas.microsoft.com/office/drawing/2014/main" id="{E36EAC43-C33F-3D25-A0E7-4E52B853C8C9}"/>
+              </a:ext>
+            </a:extLst>
+          </p:cNvPr>
+          <p:cNvSpPr txBox="1"/>
+          <p:nvPr/>
+        </p:nvSpPr>
+        <p:spPr>
+          <a:xfrm>
+            <a:off x="1" y="3996273"/>
+            <a:ext cx="9143999" cy="1200329"/>
+          </a:xfrm>
+          <a:prstGeom prst="rect">
+            <a:avLst/>
+          </a:prstGeom>
+          <a:noFill/>
+        </p:spPr>
+        <p:txBody>
+          <a:bodyPr wrap="square" lIns="1080000" tIns="46800" rIns="1080000" rtlCol="0">
+            <a:spAutoFit/>
+          </a:bodyPr>
+          <a:lstStyle/>
+          <a:p>
+            <a:r>
+              <a:rPr lang="it-IT" sz="2400" dirty="0"/>
+              <a:t>La Q&amp;A aiuta a ridurre il degrado, ma non copre tutto. Mancano le caratteristiche architettoniche, ad esempio la verificabilità, la scalabilità, le prestazioni, ecc.</a:t>
+            </a:r>
+          </a:p>
+        </p:txBody>
+      </p:sp>
+      <p:sp>
+        <p:nvSpPr>
+          <p:cNvPr id="2" name="Segnaposto piè di pagina 3">
+            <a:extLst>
+              <a:ext uri="{FF2B5EF4-FFF2-40B4-BE49-F238E27FC236}">
+                <a16:creationId xmlns:a16="http://schemas.microsoft.com/office/drawing/2014/main" id="{C7506716-D18C-6426-307C-2C0FA7FF9711}"/>
+              </a:ext>
+            </a:extLst>
+          </p:cNvPr>
+          <p:cNvSpPr txBox="1">
+            <a:spLocks/>
+          </p:cNvSpPr>
+          <p:nvPr/>
+        </p:nvSpPr>
+        <p:spPr>
+          <a:xfrm>
+            <a:off x="366122" y="6286803"/>
+            <a:ext cx="7196162" cy="519112"/>
+          </a:xfrm>
+          <a:prstGeom prst="rect">
+            <a:avLst/>
+          </a:prstGeom>
+        </p:spPr>
+        <p:txBody>
+          <a:bodyPr/>
+          <a:lstStyle>
+            <a:defPPr>
+              <a:defRPr lang="it-IT"/>
+            </a:defPPr>
+            <a:lvl1pPr marL="0" algn="l" defTabSz="914400" rtl="0" eaLnBrk="1" latinLnBrk="0" hangingPunct="1">
+              <a:defRPr sz="1800" kern="1200">
+                <a:solidFill>
+                  <a:schemeClr val="tx1"/>
+                </a:solidFill>
+                <a:latin typeface="+mn-lt"/>
+                <a:ea typeface="+mn-ea"/>
+                <a:cs typeface="+mn-cs"/>
+              </a:defRPr>
+            </a:lvl1pPr>
+            <a:lvl2pPr marL="457200" algn="l" defTabSz="914400" rtl="0" eaLnBrk="1" latinLnBrk="0" hangingPunct="1">
+              <a:defRPr sz="1800" kern="1200">
+                <a:solidFill>
+                  <a:schemeClr val="tx1"/>
+                </a:solidFill>
+                <a:latin typeface="+mn-lt"/>
+                <a:ea typeface="+mn-ea"/>
+                <a:cs typeface="+mn-cs"/>
+              </a:defRPr>
+            </a:lvl2pPr>
+            <a:lvl3pPr marL="914400" algn="l" defTabSz="914400" rtl="0" eaLnBrk="1" latinLnBrk="0" hangingPunct="1">
+              <a:defRPr sz="1800" kern="1200">
+                <a:solidFill>
+                  <a:schemeClr val="tx1"/>
+                </a:solidFill>
+                <a:latin typeface="+mn-lt"/>
+                <a:ea typeface="+mn-ea"/>
+                <a:cs typeface="+mn-cs"/>
+              </a:defRPr>
+            </a:lvl3pPr>
+            <a:lvl4pPr marL="1371600" algn="l" defTabSz="914400" rtl="0" eaLnBrk="1" latinLnBrk="0" hangingPunct="1">
+              <a:defRPr sz="1800" kern="1200">
+                <a:solidFill>
+                  <a:schemeClr val="tx1"/>
+                </a:solidFill>
+                <a:latin typeface="+mn-lt"/>
+                <a:ea typeface="+mn-ea"/>
+                <a:cs typeface="+mn-cs"/>
+              </a:defRPr>
+            </a:lvl4pPr>
+            <a:lvl5pPr marL="1828800" algn="l" defTabSz="914400" rtl="0" eaLnBrk="1" latinLnBrk="0" hangingPunct="1">
+              <a:defRPr sz="1800" kern="1200">
+                <a:solidFill>
+                  <a:schemeClr val="tx1"/>
+                </a:solidFill>
+                <a:latin typeface="+mn-lt"/>
+                <a:ea typeface="+mn-ea"/>
+                <a:cs typeface="+mn-cs"/>
+              </a:defRPr>
+            </a:lvl5pPr>
+            <a:lvl6pPr marL="2286000" algn="l" defTabSz="914400" rtl="0" eaLnBrk="1" latinLnBrk="0" hangingPunct="1">
+              <a:defRPr sz="1800" kern="1200">
+                <a:solidFill>
+                  <a:schemeClr val="tx1"/>
+                </a:solidFill>
+                <a:latin typeface="+mn-lt"/>
+                <a:ea typeface="+mn-ea"/>
+                <a:cs typeface="+mn-cs"/>
+              </a:defRPr>
+            </a:lvl6pPr>
+            <a:lvl7pPr marL="2743200" algn="l" defTabSz="914400" rtl="0" eaLnBrk="1" latinLnBrk="0" hangingPunct="1">
+              <a:defRPr sz="1800" kern="1200">
+                <a:solidFill>
+                  <a:schemeClr val="tx1"/>
+                </a:solidFill>
+                <a:latin typeface="+mn-lt"/>
+                <a:ea typeface="+mn-ea"/>
+                <a:cs typeface="+mn-cs"/>
+              </a:defRPr>
+            </a:lvl7pPr>
+            <a:lvl8pPr marL="3200400" algn="l" defTabSz="914400" rtl="0" eaLnBrk="1" latinLnBrk="0" hangingPunct="1">
+              <a:defRPr sz="1800" kern="1200">
+                <a:solidFill>
+                  <a:schemeClr val="tx1"/>
+                </a:solidFill>
+                <a:latin typeface="+mn-lt"/>
+                <a:ea typeface="+mn-ea"/>
+                <a:cs typeface="+mn-cs"/>
+              </a:defRPr>
+            </a:lvl8pPr>
+            <a:lvl9pPr marL="3657600" algn="l" defTabSz="914400" rtl="0" eaLnBrk="1" latinLnBrk="0" hangingPunct="1">
+              <a:defRPr sz="1800" kern="1200">
+                <a:solidFill>
+                  <a:schemeClr val="tx1"/>
+                </a:solidFill>
+                <a:latin typeface="+mn-lt"/>
+                <a:ea typeface="+mn-ea"/>
+                <a:cs typeface="+mn-cs"/>
+              </a:defRPr>
+            </a:lvl9pPr>
+          </a:lstStyle>
+          <a:p>
+            <a:pPr>
+              <a:defRPr/>
+            </a:pPr>
+            <a:r>
+              <a:rPr lang="it-IT" altLang="en-US" dirty="0"/>
+              <a:t>i3Camp - 3 Ottobre 2023</a:t>
+            </a:r>
+            <a:endParaRPr lang="en-US" altLang="en-US" dirty="0"/>
+          </a:p>
+        </p:txBody>
+      </p:sp>
+      <p:sp>
+        <p:nvSpPr>
+          <p:cNvPr id="4" name="Ritardo 5">
+            <a:extLst>
+              <a:ext uri="{FF2B5EF4-FFF2-40B4-BE49-F238E27FC236}">
+                <a16:creationId xmlns:a16="http://schemas.microsoft.com/office/drawing/2014/main" id="{42A03FA1-D51A-A706-8DE9-B279F8CA54CC}"/>
               </a:ext>
             </a:extLst>
           </p:cNvPr>
@@ -7904,14 +8818,14 @@
           <p:nvPr/>
         </p:nvSpPr>
         <p:spPr>
-          <a:xfrm>
-            <a:off x="-1344" y="0"/>
-            <a:ext cx="2119394" cy="6857999"/>
+          <a:xfrm rot="5400000">
+            <a:off x="3852000" y="-3851999"/>
+            <a:ext cx="1440000" cy="9143999"/>
           </a:xfrm>
           <a:prstGeom prst="flowChartDelay">
             <a:avLst/>
           </a:prstGeom>
-          <a:gradFill flip="none" rotWithShape="1">
+          <a:gradFill>
             <a:gsLst>
               <a:gs pos="0">
                 <a:schemeClr val="accent5">
@@ -7933,7 +8847,6 @@
               </a:gs>
             </a:gsLst>
             <a:lin ang="8100000" scaled="1"/>
-            <a:tileRect/>
           </a:gradFill>
           <a:effectLst>
             <a:innerShdw blurRad="63500" dist="50800" dir="13500000">
@@ -7960,89 +8873,13 @@
           </a:fontRef>
         </p:style>
         <p:txBody>
-          <a:bodyPr rtlCol="0" anchor="ctr"/>
+          <a:bodyPr vert="vert270" rtlCol="0" anchor="ctr" anchorCtr="1"/>
           <a:lstStyle/>
           <a:p>
             <a:pPr algn="ctr"/>
             <a:r>
-              <a:rPr lang="it-IT" sz="2400" dirty="0"/>
+              <a:rPr lang="it-IT" sz="4000" dirty="0"/>
               <a:t>Bit Rot</a:t>
-            </a:r>
-          </a:p>
-        </p:txBody>
-      </p:sp>
-      <p:sp>
-        <p:nvSpPr>
-          <p:cNvPr id="11" name="CasellaDiTesto 10">
-            <a:extLst>
-              <a:ext uri="{FF2B5EF4-FFF2-40B4-BE49-F238E27FC236}">
-                <a16:creationId xmlns:a16="http://schemas.microsoft.com/office/drawing/2014/main" id="{123C3D86-8012-037D-F18E-2270BE4E22D7}"/>
-              </a:ext>
-            </a:extLst>
-          </p:cNvPr>
-          <p:cNvSpPr txBox="1"/>
-          <p:nvPr/>
-        </p:nvSpPr>
-        <p:spPr>
-          <a:xfrm>
-            <a:off x="2621902" y="634481"/>
-            <a:ext cx="5850294" cy="1938992"/>
-          </a:xfrm>
-          <a:prstGeom prst="rect">
-            <a:avLst/>
-          </a:prstGeom>
-          <a:noFill/>
-        </p:spPr>
-        <p:txBody>
-          <a:bodyPr wrap="square" rtlCol="0">
-            <a:spAutoFit/>
-          </a:bodyPr>
-          <a:lstStyle/>
-          <a:p>
-            <a:r>
-              <a:rPr lang="it-IT" sz="2400" dirty="0"/>
-              <a:t>Il software si degrada nel tempo, come le crepe che appaiono in un edificio. I difetti strutturali possono iniziare da piccoli e diventare sempre più problematici. </a:t>
-            </a:r>
-          </a:p>
-          <a:p>
-            <a:r>
-              <a:rPr lang="it-IT" sz="2400" dirty="0"/>
-              <a:t>Sembra inevitabile, ma non è così …</a:t>
-            </a:r>
-          </a:p>
-        </p:txBody>
-      </p:sp>
-      <p:sp>
-        <p:nvSpPr>
-          <p:cNvPr id="12" name="CasellaDiTesto 11">
-            <a:extLst>
-              <a:ext uri="{FF2B5EF4-FFF2-40B4-BE49-F238E27FC236}">
-                <a16:creationId xmlns:a16="http://schemas.microsoft.com/office/drawing/2014/main" id="{E36EAC43-C33F-3D25-A0E7-4E52B853C8C9}"/>
-              </a:ext>
-            </a:extLst>
-          </p:cNvPr>
-          <p:cNvSpPr txBox="1"/>
-          <p:nvPr/>
-        </p:nvSpPr>
-        <p:spPr>
-          <a:xfrm>
-            <a:off x="2621902" y="3499698"/>
-            <a:ext cx="5850294" cy="1569660"/>
-          </a:xfrm>
-          <a:prstGeom prst="rect">
-            <a:avLst/>
-          </a:prstGeom>
-          <a:noFill/>
-        </p:spPr>
-        <p:txBody>
-          <a:bodyPr wrap="square" rtlCol="0">
-            <a:spAutoFit/>
-          </a:bodyPr>
-          <a:lstStyle/>
-          <a:p>
-            <a:r>
-              <a:rPr lang="it-IT" sz="2400" dirty="0"/>
-              <a:t>La Q&amp;A aiuta a ridurre il degrado, ma non copre tutto. Mancano le caratteristiche architettoniche, ad esempio la verificabilità, la scalabilità, le prestazioni, ecc.</a:t>
             </a:r>
           </a:p>
         </p:txBody>
@@ -8203,94 +9040,10 @@
       </p:grpSpPr>
       <p:sp>
         <p:nvSpPr>
-          <p:cNvPr id="2" name="Segnaposto piè di pagina 1"/>
-          <p:cNvSpPr>
-            <a:spLocks noGrp="1"/>
-          </p:cNvSpPr>
-          <p:nvPr>
-            <p:ph type="ftr" sz="quarter" idx="10"/>
-          </p:nvPr>
-        </p:nvSpPr>
-        <p:spPr/>
-        <p:txBody>
-          <a:bodyPr vert="horz" lIns="91440" tIns="45720" rIns="91440" bIns="45720" rtlCol="0" anchor="ctr">
-            <a:normAutofit/>
-          </a:bodyPr>
-          <a:lstStyle/>
-          <a:p>
-            <a:pPr>
-              <a:spcAft>
-                <a:spcPts val="600"/>
-              </a:spcAft>
-              <a:defRPr/>
-            </a:pPr>
-            <a:r>
-              <a:rPr lang="en-US" altLang="en-US" sz="1200" kern="1200" dirty="0">
-                <a:solidFill>
-                  <a:schemeClr val="tx1">
-                    <a:alpha val="80000"/>
-                  </a:schemeClr>
-                </a:solidFill>
-                <a:latin typeface="+mn-lt"/>
-                <a:ea typeface="+mn-ea"/>
-                <a:cs typeface="+mn-cs"/>
-              </a:rPr>
-              <a:t>03/10/2023</a:t>
-            </a:r>
-          </a:p>
-        </p:txBody>
-      </p:sp>
-      <p:sp>
-        <p:nvSpPr>
-          <p:cNvPr id="3" name="Titolo 2"/>
-          <p:cNvSpPr>
-            <a:spLocks noGrp="1"/>
-          </p:cNvSpPr>
-          <p:nvPr>
-            <p:ph type="ctrTitle" idx="4294967295"/>
-          </p:nvPr>
-        </p:nvSpPr>
-        <p:spPr>
-          <a:xfrm>
-            <a:off x="0" y="1966913"/>
-            <a:ext cx="1971675" cy="2547937"/>
-          </a:xfrm>
-          <a:prstGeom prst="rect">
-            <a:avLst/>
-          </a:prstGeom>
-          <a:noFill/>
-        </p:spPr>
-        <p:txBody>
-          <a:bodyPr vert="horz" lIns="91440" tIns="45720" rIns="91440" bIns="45720" rtlCol="0" anchor="ctr">
-            <a:normAutofit/>
-          </a:bodyPr>
-          <a:lstStyle/>
-          <a:p>
-            <a:pPr algn="ctr">
-              <a:lnSpc>
-                <a:spcPct val="90000"/>
-              </a:lnSpc>
-            </a:pPr>
-            <a:r>
-              <a:rPr lang="en-US" sz="2400" kern="1200">
-                <a:solidFill>
-                  <a:srgbClr val="FFFFFF"/>
-                </a:solidFill>
-                <a:latin typeface="+mj-lt"/>
-                <a:ea typeface="+mj-ea"/>
-                <a:cs typeface="+mj-cs"/>
-              </a:rPr>
-              <a:t>Misintegration</a:t>
-            </a:r>
-          </a:p>
-        </p:txBody>
-      </p:sp>
-      <p:sp>
-        <p:nvSpPr>
-          <p:cNvPr id="6" name="Ritardo 5">
+          <p:cNvPr id="30" name="Ritardo 5">
             <a:extLst>
               <a:ext uri="{FF2B5EF4-FFF2-40B4-BE49-F238E27FC236}">
-                <a16:creationId xmlns:a16="http://schemas.microsoft.com/office/drawing/2014/main" id="{22899667-E004-128A-EC9A-5A9DE17B009F}"/>
+                <a16:creationId xmlns:a16="http://schemas.microsoft.com/office/drawing/2014/main" id="{980AFEDB-5781-D875-BE5F-A992562240C9}"/>
               </a:ext>
             </a:extLst>
           </p:cNvPr>
@@ -8299,13 +9052,13 @@
         </p:nvSpPr>
         <p:spPr>
           <a:xfrm rot="5400000">
-            <a:off x="3764900" y="-3764901"/>
-            <a:ext cx="1614196" cy="9143999"/>
+            <a:off x="3852000" y="-3851999"/>
+            <a:ext cx="1440000" cy="9143999"/>
           </a:xfrm>
           <a:prstGeom prst="flowChartDelay">
             <a:avLst/>
           </a:prstGeom>
-          <a:gradFill flip="none" rotWithShape="1">
+          <a:gradFill>
             <a:gsLst>
               <a:gs pos="0">
                 <a:schemeClr val="accent5">
@@ -8327,7 +9080,6 @@
               </a:gs>
             </a:gsLst>
             <a:lin ang="8100000" scaled="1"/>
-            <a:tileRect/>
           </a:gradFill>
           <a:effectLst>
             <a:innerShdw blurRad="63500" dist="50800" dir="13500000">
@@ -8354,30 +9106,31 @@
           </a:fontRef>
         </p:style>
         <p:txBody>
-          <a:bodyPr rtlCol="0" anchor="ctr"/>
+          <a:bodyPr vert="vert270" rtlCol="0" anchor="ctr" anchorCtr="1"/>
           <a:lstStyle/>
           <a:p>
             <a:pPr algn="ctr"/>
-            <a:endParaRPr lang="it-IT" sz="2800" dirty="0"/>
+            <a:r>
+              <a:rPr lang="it-IT" sz="4000" dirty="0"/>
+              <a:t>Modular Architecture</a:t>
+            </a:r>
           </a:p>
         </p:txBody>
       </p:sp>
       <p:sp>
         <p:nvSpPr>
-          <p:cNvPr id="7" name="CasellaDiTesto 6">
-            <a:extLst>
-              <a:ext uri="{FF2B5EF4-FFF2-40B4-BE49-F238E27FC236}">
-                <a16:creationId xmlns:a16="http://schemas.microsoft.com/office/drawing/2014/main" id="{B1801A9A-DCE1-052F-1499-5376AD8420B8}"/>
-              </a:ext>
-            </a:extLst>
-          </p:cNvPr>
-          <p:cNvSpPr txBox="1"/>
-          <p:nvPr/>
+          <p:cNvPr id="3" name="Titolo 2"/>
+          <p:cNvSpPr>
+            <a:spLocks noGrp="1"/>
+          </p:cNvSpPr>
+          <p:nvPr>
+            <p:ph type="ctrTitle" idx="4294967295"/>
+          </p:nvPr>
         </p:nvSpPr>
         <p:spPr>
           <a:xfrm>
-            <a:off x="0" y="218469"/>
-            <a:ext cx="9143998" cy="769441"/>
+            <a:off x="0" y="1966913"/>
+            <a:ext cx="1971675" cy="2547937"/>
           </a:xfrm>
           <a:prstGeom prst="rect">
             <a:avLst/>
@@ -8385,22 +9138,26 @@
           <a:noFill/>
         </p:spPr>
         <p:txBody>
-          <a:bodyPr wrap="square" rtlCol="0">
-            <a:spAutoFit/>
+          <a:bodyPr vert="horz" lIns="91440" tIns="45720" rIns="91440" bIns="45720" rtlCol="0" anchor="ctr">
+            <a:normAutofit/>
           </a:bodyPr>
           <a:lstStyle/>
           <a:p>
-            <a:pPr algn="ctr"/>
-            <a:r>
-              <a:rPr lang="it-IT" sz="4400" dirty="0">
-                <a:solidFill>
-                  <a:schemeClr val="bg1"/>
-                </a:solidFill>
-                <a:latin typeface="Open Sans" panose="020B0606030504020204" pitchFamily="34" charset="0"/>
-                <a:ea typeface="Open Sans" panose="020B0606030504020204" pitchFamily="34" charset="0"/>
-                <a:cs typeface="Open Sans" panose="020B0606030504020204" pitchFamily="34" charset="0"/>
+            <a:pPr algn="ctr">
+              <a:lnSpc>
+                <a:spcPct val="90000"/>
+              </a:lnSpc>
+            </a:pPr>
+            <a:r>
+              <a:rPr lang="en-US" sz="2400" kern="1200">
+                <a:solidFill>
+                  <a:srgbClr val="FFFFFF"/>
+                </a:solidFill>
+                <a:latin typeface="+mj-lt"/>
+                <a:ea typeface="+mj-ea"/>
+                <a:cs typeface="+mj-cs"/>
               </a:rPr>
-              <a:t>Modular Architecture</a:t>
+              <a:t>Misintegration</a:t>
             </a:r>
           </a:p>
         </p:txBody>
@@ -8425,7 +9182,10 @@
           <a:prstGeom prst="roundRect">
             <a:avLst/>
           </a:prstGeom>
-          <a:ln>
+          <a:ln w="57150">
+            <a:solidFill>
+              <a:schemeClr val="accent4"/>
+            </a:solidFill>
             <a:prstDash val="sysDash"/>
           </a:ln>
         </p:spPr>
@@ -8505,8 +9265,10 @@
           <a:solidFill>
             <a:schemeClr val="accent1"/>
           </a:solidFill>
-          <a:ln>
-            <a:noFill/>
+          <a:ln w="28575">
+            <a:solidFill>
+              <a:srgbClr val="0070C0"/>
+            </a:solidFill>
           </a:ln>
         </p:spPr>
         <p:style>
@@ -8555,6 +9317,13 @@
           <a:prstGeom prst="roundRect">
             <a:avLst/>
           </a:prstGeom>
+          <a:ln w="28575">
+            <a:solidFill>
+              <a:schemeClr val="accent2">
+                <a:lumMod val="75000"/>
+              </a:schemeClr>
+            </a:solidFill>
+          </a:ln>
         </p:spPr>
         <p:style>
           <a:lnRef idx="2">
@@ -8607,8 +9376,10 @@
           <a:solidFill>
             <a:schemeClr val="accent1"/>
           </a:solidFill>
-          <a:ln>
-            <a:noFill/>
+          <a:ln w="28575">
+            <a:solidFill>
+              <a:srgbClr val="0070C0"/>
+            </a:solidFill>
           </a:ln>
         </p:spPr>
         <p:style>
@@ -8660,8 +9431,10 @@
           <a:solidFill>
             <a:schemeClr val="accent1"/>
           </a:solidFill>
-          <a:ln>
-            <a:noFill/>
+          <a:ln w="28575">
+            <a:solidFill>
+              <a:srgbClr val="0070C0"/>
+            </a:solidFill>
           </a:ln>
         </p:spPr>
         <p:style>
@@ -8713,8 +9486,10 @@
           <a:solidFill>
             <a:schemeClr val="accent1"/>
           </a:solidFill>
-          <a:ln>
-            <a:noFill/>
+          <a:ln w="28575">
+            <a:solidFill>
+              <a:srgbClr val="0070C0"/>
+            </a:solidFill>
           </a:ln>
         </p:spPr>
         <p:style>
@@ -8766,8 +9541,10 @@
           <a:solidFill>
             <a:schemeClr val="accent1"/>
           </a:solidFill>
-          <a:ln>
-            <a:noFill/>
+          <a:ln w="28575">
+            <a:solidFill>
+              <a:srgbClr val="0070C0"/>
+            </a:solidFill>
           </a:ln>
         </p:spPr>
         <p:style>
@@ -8820,8 +9597,10 @@
           <a:solidFill>
             <a:schemeClr val="accent1"/>
           </a:solidFill>
-          <a:ln>
-            <a:noFill/>
+          <a:ln w="28575">
+            <a:solidFill>
+              <a:srgbClr val="0070C0"/>
+            </a:solidFill>
           </a:ln>
         </p:spPr>
         <p:style>
@@ -8873,7 +9652,7 @@
           <a:prstGeom prst="straightConnector1">
             <a:avLst/>
           </a:prstGeom>
-          <a:ln>
+          <a:ln w="38100">
             <a:tailEnd type="triangle"/>
           </a:ln>
         </p:spPr>
@@ -8912,7 +9691,7 @@
           <a:prstGeom prst="straightConnector1">
             <a:avLst/>
           </a:prstGeom>
-          <a:ln>
+          <a:ln w="38100">
             <a:tailEnd type="triangle"/>
           </a:ln>
         </p:spPr>
@@ -8947,14 +9726,14 @@
         </p:nvCxnSpPr>
         <p:spPr>
           <a:xfrm>
-            <a:off x="1015917" y="3107420"/>
+            <a:off x="881445" y="3107419"/>
             <a:ext cx="0" cy="1537430"/>
           </a:xfrm>
           <a:prstGeom prst="straightConnector1">
             <a:avLst/>
           </a:prstGeom>
-          <a:ln>
-            <a:prstDash val="sysDash"/>
+          <a:ln w="38100">
+            <a:prstDash val="solid"/>
             <a:tailEnd type="triangle"/>
           </a:ln>
         </p:spPr>
@@ -8989,14 +9768,14 @@
         </p:nvCxnSpPr>
         <p:spPr>
           <a:xfrm>
-            <a:off x="2987973" y="3107420"/>
+            <a:off x="2916256" y="3107419"/>
             <a:ext cx="0" cy="1537430"/>
           </a:xfrm>
           <a:prstGeom prst="straightConnector1">
             <a:avLst/>
           </a:prstGeom>
-          <a:ln>
-            <a:prstDash val="sysDash"/>
+          <a:ln w="38100">
+            <a:prstDash val="solid"/>
             <a:tailEnd type="triangle"/>
           </a:ln>
         </p:spPr>
@@ -9031,14 +9810,14 @@
         </p:nvCxnSpPr>
         <p:spPr>
           <a:xfrm>
-            <a:off x="5127669" y="3107420"/>
+            <a:off x="5038022" y="3107419"/>
             <a:ext cx="0" cy="1537430"/>
           </a:xfrm>
           <a:prstGeom prst="straightConnector1">
             <a:avLst/>
           </a:prstGeom>
-          <a:ln>
-            <a:prstDash val="sysDash"/>
+          <a:ln w="38100">
+            <a:prstDash val="solid"/>
             <a:tailEnd type="triangle"/>
           </a:ln>
         </p:spPr>
@@ -9073,14 +9852,14 @@
         </p:nvCxnSpPr>
         <p:spPr>
           <a:xfrm flipV="1">
-            <a:off x="1198797" y="3107420"/>
+            <a:off x="1064327" y="3107419"/>
             <a:ext cx="0" cy="1537430"/>
           </a:xfrm>
           <a:prstGeom prst="straightConnector1">
             <a:avLst/>
           </a:prstGeom>
-          <a:ln>
-            <a:prstDash val="sysDash"/>
+          <a:ln w="38100">
+            <a:prstDash val="solid"/>
             <a:tailEnd type="triangle"/>
           </a:ln>
         </p:spPr>
@@ -9115,14 +9894,14 @@
         </p:nvCxnSpPr>
         <p:spPr>
           <a:xfrm flipV="1">
-            <a:off x="3253149" y="3079348"/>
+            <a:off x="3100749" y="3107419"/>
             <a:ext cx="0" cy="1537430"/>
           </a:xfrm>
           <a:prstGeom prst="straightConnector1">
             <a:avLst/>
           </a:prstGeom>
-          <a:ln>
-            <a:prstDash val="sysDash"/>
+          <a:ln w="38100">
+            <a:prstDash val="solid"/>
             <a:tailEnd type="triangle"/>
           </a:ln>
         </p:spPr>
@@ -9157,14 +9936,14 @@
         </p:nvCxnSpPr>
         <p:spPr>
           <a:xfrm flipV="1">
-            <a:off x="5401989" y="3107419"/>
+            <a:off x="5231659" y="3107419"/>
             <a:ext cx="0" cy="1537430"/>
           </a:xfrm>
           <a:prstGeom prst="straightConnector1">
             <a:avLst/>
           </a:prstGeom>
-          <a:ln>
-            <a:prstDash val="sysDash"/>
+          <a:ln w="38100">
+            <a:prstDash val="solid"/>
             <a:tailEnd type="triangle"/>
           </a:ln>
         </p:spPr>
@@ -9199,14 +9978,14 @@
         </p:nvCxnSpPr>
         <p:spPr>
           <a:xfrm flipV="1">
-            <a:off x="2329605" y="4247927"/>
+            <a:off x="2383393" y="4247925"/>
             <a:ext cx="0" cy="368853"/>
           </a:xfrm>
           <a:prstGeom prst="straightConnector1">
             <a:avLst/>
           </a:prstGeom>
-          <a:ln>
-            <a:prstDash val="sysDash"/>
+          <a:ln w="38100">
+            <a:prstDash val="solid"/>
             <a:tailEnd type="triangle"/>
           </a:ln>
         </p:spPr>
@@ -9247,8 +10026,8 @@
           <a:prstGeom prst="straightConnector1">
             <a:avLst/>
           </a:prstGeom>
-          <a:ln>
-            <a:prstDash val="sysDash"/>
+          <a:ln w="38100">
+            <a:prstDash val="solid"/>
             <a:tailEnd type="triangle"/>
           </a:ln>
         </p:spPr>
@@ -9289,8 +10068,8 @@
           <a:prstGeom prst="straightConnector1">
             <a:avLst/>
           </a:prstGeom>
-          <a:ln>
-            <a:prstDash val="sysDash"/>
+          <a:ln w="38100">
+            <a:prstDash val="solid"/>
             <a:tailEnd type="triangle"/>
           </a:ln>
         </p:spPr>
@@ -9325,14 +10104,14 @@
         </p:nvCxnSpPr>
         <p:spPr>
           <a:xfrm>
-            <a:off x="2146725" y="4247925"/>
+            <a:off x="2218442" y="4247924"/>
             <a:ext cx="0" cy="396925"/>
           </a:xfrm>
           <a:prstGeom prst="straightConnector1">
             <a:avLst/>
           </a:prstGeom>
-          <a:ln>
-            <a:prstDash val="sysDash"/>
+          <a:ln w="38100">
+            <a:prstDash val="solid"/>
             <a:tailEnd type="triangle"/>
           </a:ln>
         </p:spPr>
@@ -9373,8 +10152,8 @@
           <a:prstGeom prst="straightConnector1">
             <a:avLst/>
           </a:prstGeom>
-          <a:ln>
-            <a:prstDash val="sysDash"/>
+          <a:ln w="38100">
+            <a:prstDash val="solid"/>
             <a:tailEnd type="triangle"/>
           </a:ln>
         </p:spPr>
@@ -9409,14 +10188,14 @@
         </p:nvCxnSpPr>
         <p:spPr>
           <a:xfrm>
-            <a:off x="6320965" y="4251247"/>
+            <a:off x="6356824" y="4247924"/>
             <a:ext cx="0" cy="396925"/>
           </a:xfrm>
           <a:prstGeom prst="straightConnector1">
             <a:avLst/>
           </a:prstGeom>
-          <a:ln>
-            <a:prstDash val="sysDash"/>
+          <a:ln w="38100">
+            <a:prstDash val="solid"/>
             <a:tailEnd type="triangle"/>
           </a:ln>
         </p:spPr>
@@ -9435,6 +10214,138 @@
           </a:fontRef>
         </p:style>
       </p:cxnSp>
+      <p:sp>
+        <p:nvSpPr>
+          <p:cNvPr id="31" name="Segnaposto piè di pagina 3">
+            <a:extLst>
+              <a:ext uri="{FF2B5EF4-FFF2-40B4-BE49-F238E27FC236}">
+                <a16:creationId xmlns:a16="http://schemas.microsoft.com/office/drawing/2014/main" id="{08BD875A-0F26-55E2-FD2A-E65689461D09}"/>
+              </a:ext>
+            </a:extLst>
+          </p:cNvPr>
+          <p:cNvSpPr txBox="1">
+            <a:spLocks/>
+          </p:cNvSpPr>
+          <p:nvPr/>
+        </p:nvSpPr>
+        <p:spPr>
+          <a:xfrm>
+            <a:off x="366122" y="6286803"/>
+            <a:ext cx="7196162" cy="519112"/>
+          </a:xfrm>
+          <a:prstGeom prst="rect">
+            <a:avLst/>
+          </a:prstGeom>
+        </p:spPr>
+        <p:txBody>
+          <a:bodyPr/>
+          <a:lstStyle>
+            <a:defPPr>
+              <a:defRPr lang="it-IT"/>
+            </a:defPPr>
+            <a:lvl1pPr marL="0" algn="l" defTabSz="914400" rtl="0" eaLnBrk="1" latinLnBrk="0" hangingPunct="1">
+              <a:defRPr sz="1800" kern="1200">
+                <a:solidFill>
+                  <a:schemeClr val="tx1"/>
+                </a:solidFill>
+                <a:latin typeface="+mn-lt"/>
+                <a:ea typeface="+mn-ea"/>
+                <a:cs typeface="+mn-cs"/>
+              </a:defRPr>
+            </a:lvl1pPr>
+            <a:lvl2pPr marL="457200" algn="l" defTabSz="914400" rtl="0" eaLnBrk="1" latinLnBrk="0" hangingPunct="1">
+              <a:defRPr sz="1800" kern="1200">
+                <a:solidFill>
+                  <a:schemeClr val="tx1"/>
+                </a:solidFill>
+                <a:latin typeface="+mn-lt"/>
+                <a:ea typeface="+mn-ea"/>
+                <a:cs typeface="+mn-cs"/>
+              </a:defRPr>
+            </a:lvl2pPr>
+            <a:lvl3pPr marL="914400" algn="l" defTabSz="914400" rtl="0" eaLnBrk="1" latinLnBrk="0" hangingPunct="1">
+              <a:defRPr sz="1800" kern="1200">
+                <a:solidFill>
+                  <a:schemeClr val="tx1"/>
+                </a:solidFill>
+                <a:latin typeface="+mn-lt"/>
+                <a:ea typeface="+mn-ea"/>
+                <a:cs typeface="+mn-cs"/>
+              </a:defRPr>
+            </a:lvl3pPr>
+            <a:lvl4pPr marL="1371600" algn="l" defTabSz="914400" rtl="0" eaLnBrk="1" latinLnBrk="0" hangingPunct="1">
+              <a:defRPr sz="1800" kern="1200">
+                <a:solidFill>
+                  <a:schemeClr val="tx1"/>
+                </a:solidFill>
+                <a:latin typeface="+mn-lt"/>
+                <a:ea typeface="+mn-ea"/>
+                <a:cs typeface="+mn-cs"/>
+              </a:defRPr>
+            </a:lvl4pPr>
+            <a:lvl5pPr marL="1828800" algn="l" defTabSz="914400" rtl="0" eaLnBrk="1" latinLnBrk="0" hangingPunct="1">
+              <a:defRPr sz="1800" kern="1200">
+                <a:solidFill>
+                  <a:schemeClr val="tx1"/>
+                </a:solidFill>
+                <a:latin typeface="+mn-lt"/>
+                <a:ea typeface="+mn-ea"/>
+                <a:cs typeface="+mn-cs"/>
+              </a:defRPr>
+            </a:lvl5pPr>
+            <a:lvl6pPr marL="2286000" algn="l" defTabSz="914400" rtl="0" eaLnBrk="1" latinLnBrk="0" hangingPunct="1">
+              <a:defRPr sz="1800" kern="1200">
+                <a:solidFill>
+                  <a:schemeClr val="tx1"/>
+                </a:solidFill>
+                <a:latin typeface="+mn-lt"/>
+                <a:ea typeface="+mn-ea"/>
+                <a:cs typeface="+mn-cs"/>
+              </a:defRPr>
+            </a:lvl6pPr>
+            <a:lvl7pPr marL="2743200" algn="l" defTabSz="914400" rtl="0" eaLnBrk="1" latinLnBrk="0" hangingPunct="1">
+              <a:defRPr sz="1800" kern="1200">
+                <a:solidFill>
+                  <a:schemeClr val="tx1"/>
+                </a:solidFill>
+                <a:latin typeface="+mn-lt"/>
+                <a:ea typeface="+mn-ea"/>
+                <a:cs typeface="+mn-cs"/>
+              </a:defRPr>
+            </a:lvl7pPr>
+            <a:lvl8pPr marL="3200400" algn="l" defTabSz="914400" rtl="0" eaLnBrk="1" latinLnBrk="0" hangingPunct="1">
+              <a:defRPr sz="1800" kern="1200">
+                <a:solidFill>
+                  <a:schemeClr val="tx1"/>
+                </a:solidFill>
+                <a:latin typeface="+mn-lt"/>
+                <a:ea typeface="+mn-ea"/>
+                <a:cs typeface="+mn-cs"/>
+              </a:defRPr>
+            </a:lvl8pPr>
+            <a:lvl9pPr marL="3657600" algn="l" defTabSz="914400" rtl="0" eaLnBrk="1" latinLnBrk="0" hangingPunct="1">
+              <a:defRPr sz="1800" kern="1200">
+                <a:solidFill>
+                  <a:schemeClr val="tx1"/>
+                </a:solidFill>
+                <a:latin typeface="+mn-lt"/>
+                <a:ea typeface="+mn-ea"/>
+                <a:cs typeface="+mn-cs"/>
+              </a:defRPr>
+            </a:lvl9pPr>
+          </a:lstStyle>
+          <a:p>
+            <a:pPr>
+              <a:defRPr/>
+            </a:pPr>
+            <a:r>
+              <a:rPr lang="it-IT" altLang="en-US" dirty="0"/>
+              <a:t>i3Camp - 3 Ottobre 2023</a:t>
+            </a:r>
+            <a:endParaRPr lang="en-US" altLang="en-US" dirty="0"/>
+          </a:p>
+        </p:txBody>
+      </p:sp>
     </p:spTree>
     <p:extLst>
       <p:ext uri="{BB962C8B-B14F-4D97-AF65-F5344CB8AC3E}">
@@ -9467,94 +10378,10 @@
       </p:grpSpPr>
       <p:sp>
         <p:nvSpPr>
-          <p:cNvPr id="2" name="Segnaposto piè di pagina 1"/>
-          <p:cNvSpPr>
-            <a:spLocks noGrp="1"/>
-          </p:cNvSpPr>
-          <p:nvPr>
-            <p:ph type="ftr" sz="quarter" idx="10"/>
-          </p:nvPr>
-        </p:nvSpPr>
-        <p:spPr/>
-        <p:txBody>
-          <a:bodyPr vert="horz" lIns="91440" tIns="45720" rIns="91440" bIns="45720" rtlCol="0" anchor="ctr">
-            <a:normAutofit/>
-          </a:bodyPr>
-          <a:lstStyle/>
-          <a:p>
-            <a:pPr>
-              <a:spcAft>
-                <a:spcPts val="600"/>
-              </a:spcAft>
-              <a:defRPr/>
-            </a:pPr>
-            <a:r>
-              <a:rPr lang="en-US" altLang="en-US" sz="1200" kern="1200" dirty="0">
-                <a:solidFill>
-                  <a:schemeClr val="tx1">
-                    <a:alpha val="80000"/>
-                  </a:schemeClr>
-                </a:solidFill>
-                <a:latin typeface="+mn-lt"/>
-                <a:ea typeface="+mn-ea"/>
-                <a:cs typeface="+mn-cs"/>
-              </a:rPr>
-              <a:t>03/10/2023</a:t>
-            </a:r>
-          </a:p>
-        </p:txBody>
-      </p:sp>
-      <p:sp>
-        <p:nvSpPr>
-          <p:cNvPr id="3" name="Titolo 2"/>
-          <p:cNvSpPr>
-            <a:spLocks noGrp="1"/>
-          </p:cNvSpPr>
-          <p:nvPr>
-            <p:ph type="ctrTitle" idx="4294967295"/>
-          </p:nvPr>
-        </p:nvSpPr>
-        <p:spPr>
-          <a:xfrm>
-            <a:off x="0" y="1966913"/>
-            <a:ext cx="1971675" cy="2547937"/>
-          </a:xfrm>
-          <a:prstGeom prst="rect">
-            <a:avLst/>
-          </a:prstGeom>
-          <a:noFill/>
-        </p:spPr>
-        <p:txBody>
-          <a:bodyPr vert="horz" lIns="91440" tIns="45720" rIns="91440" bIns="45720" rtlCol="0" anchor="ctr">
-            <a:normAutofit/>
-          </a:bodyPr>
-          <a:lstStyle/>
-          <a:p>
-            <a:pPr algn="ctr">
-              <a:lnSpc>
-                <a:spcPct val="90000"/>
-              </a:lnSpc>
-            </a:pPr>
-            <a:r>
-              <a:rPr lang="en-US" sz="2400" kern="1200">
-                <a:solidFill>
-                  <a:srgbClr val="FFFFFF"/>
-                </a:solidFill>
-                <a:latin typeface="+mj-lt"/>
-                <a:ea typeface="+mj-ea"/>
-                <a:cs typeface="+mj-cs"/>
-              </a:rPr>
-              <a:t>Misintegration</a:t>
-            </a:r>
-          </a:p>
-        </p:txBody>
-      </p:sp>
-      <p:sp>
-        <p:nvSpPr>
-          <p:cNvPr id="6" name="Ritardo 5">
+          <p:cNvPr id="5" name="Ritardo 5">
             <a:extLst>
               <a:ext uri="{FF2B5EF4-FFF2-40B4-BE49-F238E27FC236}">
-                <a16:creationId xmlns:a16="http://schemas.microsoft.com/office/drawing/2014/main" id="{22899667-E004-128A-EC9A-5A9DE17B009F}"/>
+                <a16:creationId xmlns:a16="http://schemas.microsoft.com/office/drawing/2014/main" id="{7411AA79-0F24-55D5-9172-83089C29098B}"/>
               </a:ext>
             </a:extLst>
           </p:cNvPr>
@@ -9563,13 +10390,13 @@
         </p:nvSpPr>
         <p:spPr>
           <a:xfrm rot="5400000">
-            <a:off x="3764900" y="-3764901"/>
-            <a:ext cx="1614196" cy="9143999"/>
+            <a:off x="3852000" y="-3851999"/>
+            <a:ext cx="1440000" cy="9143999"/>
           </a:xfrm>
           <a:prstGeom prst="flowChartDelay">
             <a:avLst/>
           </a:prstGeom>
-          <a:gradFill flip="none" rotWithShape="1">
+          <a:gradFill>
             <a:gsLst>
               <a:gs pos="0">
                 <a:schemeClr val="accent5">
@@ -9591,7 +10418,6 @@
               </a:gs>
             </a:gsLst>
             <a:lin ang="8100000" scaled="1"/>
-            <a:tileRect/>
           </a:gradFill>
           <a:effectLst>
             <a:innerShdw blurRad="63500" dist="50800" dir="13500000">
@@ -9618,30 +10444,31 @@
           </a:fontRef>
         </p:style>
         <p:txBody>
-          <a:bodyPr rtlCol="0" anchor="ctr"/>
+          <a:bodyPr vert="vert270" rtlCol="0" anchor="ctr" anchorCtr="1"/>
           <a:lstStyle/>
           <a:p>
             <a:pPr algn="ctr"/>
-            <a:endParaRPr lang="it-IT" sz="2800" dirty="0"/>
+            <a:r>
+              <a:rPr lang="it-IT" sz="4000" dirty="0"/>
+              <a:t>Module</a:t>
+            </a:r>
           </a:p>
         </p:txBody>
       </p:sp>
       <p:sp>
         <p:nvSpPr>
-          <p:cNvPr id="7" name="CasellaDiTesto 6">
-            <a:extLst>
-              <a:ext uri="{FF2B5EF4-FFF2-40B4-BE49-F238E27FC236}">
-                <a16:creationId xmlns:a16="http://schemas.microsoft.com/office/drawing/2014/main" id="{B1801A9A-DCE1-052F-1499-5376AD8420B8}"/>
-              </a:ext>
-            </a:extLst>
-          </p:cNvPr>
-          <p:cNvSpPr txBox="1"/>
-          <p:nvPr/>
+          <p:cNvPr id="3" name="Titolo 2"/>
+          <p:cNvSpPr>
+            <a:spLocks noGrp="1"/>
+          </p:cNvSpPr>
+          <p:nvPr>
+            <p:ph type="ctrTitle" idx="4294967295"/>
+          </p:nvPr>
         </p:nvSpPr>
         <p:spPr>
           <a:xfrm>
-            <a:off x="0" y="218469"/>
-            <a:ext cx="9143998" cy="769441"/>
+            <a:off x="0" y="1966913"/>
+            <a:ext cx="1971675" cy="2547937"/>
           </a:xfrm>
           <a:prstGeom prst="rect">
             <a:avLst/>
@@ -9649,22 +10476,26 @@
           <a:noFill/>
         </p:spPr>
         <p:txBody>
-          <a:bodyPr wrap="square" rtlCol="0">
-            <a:spAutoFit/>
+          <a:bodyPr vert="horz" lIns="91440" tIns="45720" rIns="91440" bIns="45720" rtlCol="0" anchor="ctr">
+            <a:normAutofit/>
           </a:bodyPr>
           <a:lstStyle/>
           <a:p>
-            <a:pPr algn="ctr"/>
-            <a:r>
-              <a:rPr lang="it-IT" sz="4400" dirty="0">
-                <a:solidFill>
-                  <a:schemeClr val="bg1"/>
-                </a:solidFill>
-                <a:latin typeface="Open Sans" panose="020B0606030504020204" pitchFamily="34" charset="0"/>
-                <a:ea typeface="Open Sans" panose="020B0606030504020204" pitchFamily="34" charset="0"/>
-                <a:cs typeface="Open Sans" panose="020B0606030504020204" pitchFamily="34" charset="0"/>
+            <a:pPr algn="ctr">
+              <a:lnSpc>
+                <a:spcPct val="90000"/>
+              </a:lnSpc>
+            </a:pPr>
+            <a:r>
+              <a:rPr lang="en-US" sz="2400" kern="1200">
+                <a:solidFill>
+                  <a:srgbClr val="FFFFFF"/>
+                </a:solidFill>
+                <a:latin typeface="+mj-lt"/>
+                <a:ea typeface="+mj-ea"/>
+                <a:cs typeface="+mj-cs"/>
               </a:rPr>
-              <a:t>Module</a:t>
+              <a:t>Misintegration</a:t>
             </a:r>
           </a:p>
         </p:txBody>
@@ -9683,8 +10514,8 @@
         </p:nvSpPr>
         <p:spPr>
           <a:xfrm>
-            <a:off x="550505" y="1944638"/>
-            <a:ext cx="3536303" cy="3780744"/>
+            <a:off x="720000" y="1980000"/>
+            <a:ext cx="3600000" cy="3600000"/>
           </a:xfrm>
           <a:prstGeom prst="roundRect">
             <a:avLst/>
@@ -9707,7 +10538,7 @@
           </a:fontRef>
         </p:style>
         <p:txBody>
-          <a:bodyPr rtlCol="0" anchor="ctr"/>
+          <a:bodyPr lIns="180000" tIns="180000" rIns="180000" bIns="180000" rtlCol="0" anchor="ctr"/>
           <a:lstStyle/>
           <a:p>
             <a:pPr algn="ctr"/>
@@ -9723,109 +10554,17 @@
           </a:p>
           <a:p>
             <a:pPr algn="ctr"/>
-            <a:endParaRPr lang="it-IT" sz="2800" b="1" dirty="0"/>
+            <a:endParaRPr lang="it-IT" dirty="0"/>
           </a:p>
           <a:p>
             <a:pPr algn="ctr"/>
-            <a:endParaRPr lang="it-IT" dirty="0"/>
-          </a:p>
-          <a:p>
-            <a:pPr algn="ctr"/>
-            <a:r>
-              <a:rPr lang="it-IT" sz="1800" dirty="0" err="1">
+            <a:r>
+              <a:rPr lang="it-IT" sz="1800" dirty="0">
                 <a:solidFill>
                   <a:schemeClr val="bg1"/>
                 </a:solidFill>
               </a:rPr>
-              <a:t>Each</a:t>
-            </a:r>
-            <a:r>
-              <a:rPr lang="it-IT" sz="1800" dirty="0">
-                <a:solidFill>
-                  <a:schemeClr val="bg1"/>
-                </a:solidFill>
-              </a:rPr>
-              <a:t> </a:t>
-            </a:r>
-            <a:r>
-              <a:rPr lang="it-IT" sz="1800" dirty="0" err="1">
-                <a:solidFill>
-                  <a:schemeClr val="bg1"/>
-                </a:solidFill>
-              </a:rPr>
-              <a:t>module</a:t>
-            </a:r>
-            <a:r>
-              <a:rPr lang="it-IT" sz="1800" dirty="0">
-                <a:solidFill>
-                  <a:schemeClr val="bg1"/>
-                </a:solidFill>
-              </a:rPr>
-              <a:t> </a:t>
-            </a:r>
-            <a:r>
-              <a:rPr lang="it-IT" sz="1800" dirty="0" err="1">
-                <a:solidFill>
-                  <a:schemeClr val="bg1"/>
-                </a:solidFill>
-              </a:rPr>
-              <a:t>should</a:t>
-            </a:r>
-            <a:r>
-              <a:rPr lang="it-IT" sz="1800" dirty="0">
-                <a:solidFill>
-                  <a:schemeClr val="bg1"/>
-                </a:solidFill>
-              </a:rPr>
-              <a:t> be </a:t>
-            </a:r>
-            <a:r>
-              <a:rPr lang="it-IT" sz="1800" dirty="0" err="1">
-                <a:solidFill>
-                  <a:schemeClr val="bg1"/>
-                </a:solidFill>
-              </a:rPr>
-              <a:t>independent</a:t>
-            </a:r>
-            <a:r>
-              <a:rPr lang="it-IT" sz="1800" dirty="0">
-                <a:solidFill>
-                  <a:schemeClr val="bg1"/>
-                </a:solidFill>
-              </a:rPr>
-              <a:t> of </a:t>
-            </a:r>
-            <a:r>
-              <a:rPr lang="it-IT" sz="1800" dirty="0" err="1">
-                <a:solidFill>
-                  <a:schemeClr val="bg1"/>
-                </a:solidFill>
-              </a:rPr>
-              <a:t>other</a:t>
-            </a:r>
-            <a:r>
-              <a:rPr lang="it-IT" sz="1800" dirty="0">
-                <a:solidFill>
-                  <a:schemeClr val="bg1"/>
-                </a:solidFill>
-              </a:rPr>
-              <a:t> </a:t>
-            </a:r>
-            <a:r>
-              <a:rPr lang="it-IT" sz="1800" dirty="0" err="1">
-                <a:solidFill>
-                  <a:schemeClr val="bg1"/>
-                </a:solidFill>
-              </a:rPr>
-              <a:t>modules</a:t>
-            </a:r>
-            <a:r>
-              <a:rPr lang="it-IT" sz="1800" dirty="0">
-                <a:solidFill>
-                  <a:schemeClr val="bg1"/>
-                </a:solidFill>
-              </a:rPr>
-              <a:t> in the system</a:t>
+              <a:t>Ogni modulo deve essere indipendente dagli altri moduli del sistema.</a:t>
             </a:r>
           </a:p>
         </p:txBody>
@@ -9844,8 +10583,8 @@
         </p:nvSpPr>
         <p:spPr>
           <a:xfrm>
-            <a:off x="5057192" y="1914292"/>
-            <a:ext cx="3536303" cy="3780744"/>
+            <a:off x="4824002" y="1980000"/>
+            <a:ext cx="3600000" cy="3600000"/>
           </a:xfrm>
           <a:prstGeom prst="roundRect">
             <a:avLst/>
@@ -9868,7 +10607,7 @@
           </a:fontRef>
         </p:style>
         <p:txBody>
-          <a:bodyPr rtlCol="0" anchor="ctr"/>
+          <a:bodyPr lIns="180000" tIns="180000" rIns="180000" bIns="180000" rtlCol="0" anchor="ctr"/>
           <a:lstStyle/>
           <a:p>
             <a:pPr algn="ctr"/>
@@ -9888,233 +10627,166 @@
           </a:p>
           <a:p>
             <a:pPr algn="ctr"/>
-            <a:endParaRPr lang="it-IT" dirty="0"/>
-          </a:p>
-          <a:p>
-            <a:pPr lvl="1">
-              <a:lnSpc>
-                <a:spcPct val="90000"/>
-              </a:lnSpc>
-              <a:spcAft>
-                <a:spcPts val="600"/>
-              </a:spcAft>
+            <a:r>
+              <a:rPr lang="it-IT" dirty="0"/>
+              <a:t>I componenti del modulo sono tutti collegati tra loro, rendendo così più facile la comprensione di ciò che il modulo fa come sottosistema autonomo</a:t>
+            </a:r>
+          </a:p>
+          <a:p>
+            <a:pPr algn="ctr"/>
+            <a:r>
+              <a:rPr lang="it-IT" dirty="0"/>
+              <a:t>(self-</a:t>
+            </a:r>
+            <a:r>
+              <a:rPr lang="it-IT" dirty="0" err="1"/>
+              <a:t>contained</a:t>
+            </a:r>
+            <a:r>
+              <a:rPr lang="it-IT" dirty="0"/>
+              <a:t> </a:t>
+            </a:r>
+            <a:r>
+              <a:rPr lang="it-IT" dirty="0" err="1"/>
+              <a:t>subsystem</a:t>
+            </a:r>
+            <a:r>
+              <a:rPr lang="it-IT" dirty="0"/>
+              <a:t>).</a:t>
+            </a:r>
+            <a:endParaRPr lang="it-IT" sz="2800" b="1" dirty="0"/>
+          </a:p>
+        </p:txBody>
+      </p:sp>
+      <p:sp>
+        <p:nvSpPr>
+          <p:cNvPr id="8" name="Segnaposto piè di pagina 3">
+            <a:extLst>
+              <a:ext uri="{FF2B5EF4-FFF2-40B4-BE49-F238E27FC236}">
+                <a16:creationId xmlns:a16="http://schemas.microsoft.com/office/drawing/2014/main" id="{869FAFA8-C60B-F7FA-39FD-29F70492D6DA}"/>
+              </a:ext>
+            </a:extLst>
+          </p:cNvPr>
+          <p:cNvSpPr txBox="1">
+            <a:spLocks/>
+          </p:cNvSpPr>
+          <p:nvPr/>
+        </p:nvSpPr>
+        <p:spPr>
+          <a:xfrm>
+            <a:off x="366122" y="6286803"/>
+            <a:ext cx="7196162" cy="519112"/>
+          </a:xfrm>
+          <a:prstGeom prst="rect">
+            <a:avLst/>
+          </a:prstGeom>
+        </p:spPr>
+        <p:txBody>
+          <a:bodyPr/>
+          <a:lstStyle>
+            <a:defPPr>
+              <a:defRPr lang="it-IT"/>
+            </a:defPPr>
+            <a:lvl1pPr marL="0" algn="l" defTabSz="914400" rtl="0" eaLnBrk="1" latinLnBrk="0" hangingPunct="1">
+              <a:defRPr sz="1800" kern="1200">
+                <a:solidFill>
+                  <a:schemeClr val="tx1"/>
+                </a:solidFill>
+                <a:latin typeface="+mn-lt"/>
+                <a:ea typeface="+mn-ea"/>
+                <a:cs typeface="+mn-cs"/>
+              </a:defRPr>
+            </a:lvl1pPr>
+            <a:lvl2pPr marL="457200" algn="l" defTabSz="914400" rtl="0" eaLnBrk="1" latinLnBrk="0" hangingPunct="1">
+              <a:defRPr sz="1800" kern="1200">
+                <a:solidFill>
+                  <a:schemeClr val="tx1"/>
+                </a:solidFill>
+                <a:latin typeface="+mn-lt"/>
+                <a:ea typeface="+mn-ea"/>
+                <a:cs typeface="+mn-cs"/>
+              </a:defRPr>
+            </a:lvl2pPr>
+            <a:lvl3pPr marL="914400" algn="l" defTabSz="914400" rtl="0" eaLnBrk="1" latinLnBrk="0" hangingPunct="1">
+              <a:defRPr sz="1800" kern="1200">
+                <a:solidFill>
+                  <a:schemeClr val="tx1"/>
+                </a:solidFill>
+                <a:latin typeface="+mn-lt"/>
+                <a:ea typeface="+mn-ea"/>
+                <a:cs typeface="+mn-cs"/>
+              </a:defRPr>
+            </a:lvl3pPr>
+            <a:lvl4pPr marL="1371600" algn="l" defTabSz="914400" rtl="0" eaLnBrk="1" latinLnBrk="0" hangingPunct="1">
+              <a:defRPr sz="1800" kern="1200">
+                <a:solidFill>
+                  <a:schemeClr val="tx1"/>
+                </a:solidFill>
+                <a:latin typeface="+mn-lt"/>
+                <a:ea typeface="+mn-ea"/>
+                <a:cs typeface="+mn-cs"/>
+              </a:defRPr>
+            </a:lvl4pPr>
+            <a:lvl5pPr marL="1828800" algn="l" defTabSz="914400" rtl="0" eaLnBrk="1" latinLnBrk="0" hangingPunct="1">
+              <a:defRPr sz="1800" kern="1200">
+                <a:solidFill>
+                  <a:schemeClr val="tx1"/>
+                </a:solidFill>
+                <a:latin typeface="+mn-lt"/>
+                <a:ea typeface="+mn-ea"/>
+                <a:cs typeface="+mn-cs"/>
+              </a:defRPr>
+            </a:lvl5pPr>
+            <a:lvl6pPr marL="2286000" algn="l" defTabSz="914400" rtl="0" eaLnBrk="1" latinLnBrk="0" hangingPunct="1">
+              <a:defRPr sz="1800" kern="1200">
+                <a:solidFill>
+                  <a:schemeClr val="tx1"/>
+                </a:solidFill>
+                <a:latin typeface="+mn-lt"/>
+                <a:ea typeface="+mn-ea"/>
+                <a:cs typeface="+mn-cs"/>
+              </a:defRPr>
+            </a:lvl6pPr>
+            <a:lvl7pPr marL="2743200" algn="l" defTabSz="914400" rtl="0" eaLnBrk="1" latinLnBrk="0" hangingPunct="1">
+              <a:defRPr sz="1800" kern="1200">
+                <a:solidFill>
+                  <a:schemeClr val="tx1"/>
+                </a:solidFill>
+                <a:latin typeface="+mn-lt"/>
+                <a:ea typeface="+mn-ea"/>
+                <a:cs typeface="+mn-cs"/>
+              </a:defRPr>
+            </a:lvl7pPr>
+            <a:lvl8pPr marL="3200400" algn="l" defTabSz="914400" rtl="0" eaLnBrk="1" latinLnBrk="0" hangingPunct="1">
+              <a:defRPr sz="1800" kern="1200">
+                <a:solidFill>
+                  <a:schemeClr val="tx1"/>
+                </a:solidFill>
+                <a:latin typeface="+mn-lt"/>
+                <a:ea typeface="+mn-ea"/>
+                <a:cs typeface="+mn-cs"/>
+              </a:defRPr>
+            </a:lvl8pPr>
+            <a:lvl9pPr marL="3657600" algn="l" defTabSz="914400" rtl="0" eaLnBrk="1" latinLnBrk="0" hangingPunct="1">
+              <a:defRPr sz="1800" kern="1200">
+                <a:solidFill>
+                  <a:schemeClr val="tx1"/>
+                </a:solidFill>
+                <a:latin typeface="+mn-lt"/>
+                <a:ea typeface="+mn-ea"/>
+                <a:cs typeface="+mn-cs"/>
+              </a:defRPr>
+            </a:lvl9pPr>
+          </a:lstStyle>
+          <a:p>
+            <a:pPr>
+              <a:defRPr/>
             </a:pPr>
             <a:r>
-              <a:rPr lang="it-IT" sz="1800" dirty="0">
-                <a:solidFill>
-                  <a:schemeClr val="bg1"/>
-                </a:solidFill>
-              </a:rPr>
-              <a:t>Components of the </a:t>
-            </a:r>
-            <a:r>
-              <a:rPr lang="it-IT" sz="1800" dirty="0" err="1">
-                <a:solidFill>
-                  <a:schemeClr val="bg1"/>
-                </a:solidFill>
-              </a:rPr>
-              <a:t>module</a:t>
-            </a:r>
-            <a:r>
-              <a:rPr lang="it-IT" sz="1800" dirty="0">
-                <a:solidFill>
-                  <a:schemeClr val="bg1"/>
-                </a:solidFill>
-              </a:rPr>
-              <a:t> are </a:t>
-            </a:r>
-            <a:r>
-              <a:rPr lang="it-IT" sz="1800" dirty="0" err="1">
-                <a:solidFill>
-                  <a:schemeClr val="bg1"/>
-                </a:solidFill>
-              </a:rPr>
-              <a:t>all</a:t>
-            </a:r>
-            <a:r>
-              <a:rPr lang="it-IT" sz="1800" dirty="0">
-                <a:solidFill>
-                  <a:schemeClr val="bg1"/>
-                </a:solidFill>
-              </a:rPr>
-              <a:t> </a:t>
-            </a:r>
-            <a:r>
-              <a:rPr lang="it-IT" sz="1800" dirty="0" err="1">
-                <a:solidFill>
-                  <a:schemeClr val="bg1"/>
-                </a:solidFill>
-              </a:rPr>
-              <a:t>related</a:t>
-            </a:r>
-            <a:r>
-              <a:rPr lang="it-IT" sz="1800" dirty="0">
-                <a:solidFill>
-                  <a:schemeClr val="bg1"/>
-                </a:solidFill>
-              </a:rPr>
-              <a:t> </a:t>
-            </a:r>
-            <a:r>
-              <a:rPr lang="it-IT" sz="1800" dirty="0" err="1">
-                <a:solidFill>
-                  <a:schemeClr val="bg1"/>
-                </a:solidFill>
-              </a:rPr>
-              <a:t>thus</a:t>
-            </a:r>
-            <a:r>
-              <a:rPr lang="it-IT" sz="1800" dirty="0">
-                <a:solidFill>
-                  <a:schemeClr val="bg1"/>
-                </a:solidFill>
-              </a:rPr>
-              <a:t> making </a:t>
-            </a:r>
-            <a:r>
-              <a:rPr lang="it-IT" sz="1800" dirty="0" err="1">
-                <a:solidFill>
-                  <a:schemeClr val="bg1"/>
-                </a:solidFill>
-              </a:rPr>
-              <a:t>it</a:t>
-            </a:r>
-            <a:r>
-              <a:rPr lang="it-IT" sz="1800" dirty="0">
-                <a:solidFill>
-                  <a:schemeClr val="bg1"/>
-                </a:solidFill>
-              </a:rPr>
-              <a:t> </a:t>
-            </a:r>
-            <a:r>
-              <a:rPr lang="it-IT" sz="1800" dirty="0" err="1">
-                <a:solidFill>
-                  <a:schemeClr val="bg1"/>
-                </a:solidFill>
-              </a:rPr>
-              <a:t>easier</a:t>
-            </a:r>
-            <a:r>
-              <a:rPr lang="it-IT" sz="1800" dirty="0">
-                <a:solidFill>
-                  <a:schemeClr val="bg1"/>
-                </a:solidFill>
-              </a:rPr>
-              <a:t> to </a:t>
-            </a:r>
-            <a:r>
-              <a:rPr lang="it-IT" sz="1800" dirty="0" err="1">
-                <a:solidFill>
-                  <a:schemeClr val="bg1"/>
-                </a:solidFill>
-              </a:rPr>
-              <a:t>understand</a:t>
-            </a:r>
-            <a:r>
-              <a:rPr lang="it-IT" sz="1800" dirty="0">
-                <a:solidFill>
-                  <a:schemeClr val="bg1"/>
-                </a:solidFill>
-              </a:rPr>
-              <a:t> </a:t>
-            </a:r>
-            <a:r>
-              <a:rPr lang="it-IT" sz="1800" dirty="0" err="1">
-                <a:solidFill>
-                  <a:schemeClr val="bg1"/>
-                </a:solidFill>
-              </a:rPr>
-              <a:t>what</a:t>
-            </a:r>
-            <a:r>
-              <a:rPr lang="it-IT" sz="1800" dirty="0">
-                <a:solidFill>
-                  <a:schemeClr val="bg1"/>
-                </a:solidFill>
-              </a:rPr>
-              <a:t> </a:t>
-            </a:r>
-            <a:r>
-              <a:rPr lang="it-IT" sz="1800" dirty="0" err="1">
-                <a:solidFill>
-                  <a:schemeClr val="bg1"/>
-                </a:solidFill>
-              </a:rPr>
-              <a:t>module</a:t>
-            </a:r>
-            <a:r>
-              <a:rPr lang="it-IT" sz="1800" dirty="0">
-                <a:solidFill>
-                  <a:schemeClr val="bg1"/>
-                </a:solidFill>
-              </a:rPr>
-              <a:t> </a:t>
-            </a:r>
-            <a:r>
-              <a:rPr lang="it-IT" sz="1800" dirty="0" err="1">
-                <a:solidFill>
-                  <a:schemeClr val="bg1"/>
-                </a:solidFill>
-              </a:rPr>
-              <a:t>does</a:t>
-            </a:r>
-            <a:r>
-              <a:rPr lang="it-IT" sz="1800" dirty="0">
-                <a:solidFill>
-                  <a:schemeClr val="bg1"/>
-                </a:solidFill>
-              </a:rPr>
-              <a:t> </a:t>
-            </a:r>
-            <a:r>
-              <a:rPr lang="it-IT" sz="1800" dirty="0" err="1">
-                <a:solidFill>
-                  <a:schemeClr val="bg1"/>
-                </a:solidFill>
-              </a:rPr>
-              <a:t>as</a:t>
-            </a:r>
-            <a:r>
-              <a:rPr lang="it-IT" sz="1800" dirty="0">
-                <a:solidFill>
-                  <a:schemeClr val="bg1"/>
-                </a:solidFill>
-              </a:rPr>
-              <a:t> a self-</a:t>
-            </a:r>
-            <a:r>
-              <a:rPr lang="it-IT" sz="1800" dirty="0" err="1">
-                <a:solidFill>
-                  <a:schemeClr val="bg1"/>
-                </a:solidFill>
-              </a:rPr>
-              <a:t>contained</a:t>
-            </a:r>
-            <a:r>
-              <a:rPr lang="it-IT" sz="1800" dirty="0">
-                <a:solidFill>
-                  <a:schemeClr val="bg1"/>
-                </a:solidFill>
-              </a:rPr>
-              <a:t> </a:t>
-            </a:r>
-            <a:r>
-              <a:rPr lang="it-IT" sz="1800" dirty="0" err="1">
-                <a:solidFill>
-                  <a:schemeClr val="bg1"/>
-                </a:solidFill>
-              </a:rPr>
-              <a:t>subsystem</a:t>
-            </a:r>
-            <a:r>
-              <a:rPr lang="it-IT" sz="1800" dirty="0">
-                <a:solidFill>
-                  <a:schemeClr val="bg1"/>
-                </a:solidFill>
-              </a:rPr>
-              <a:t> (SRP)</a:t>
-            </a:r>
+              <a:rPr lang="it-IT" altLang="en-US" dirty="0"/>
+              <a:t>i3Camp - 3 Ottobre 2023</a:t>
+            </a:r>
+            <a:endParaRPr lang="en-US" altLang="en-US" dirty="0"/>
           </a:p>
         </p:txBody>
       </p:sp>
